--- a/02-Principles.pptx
+++ b/02-Principles.pptx
@@ -5,10 +5,10 @@
     <p:sldMasterId id="2147484014" r:id="rId1"/>
   </p:sldMasterIdLst>
   <p:notesMasterIdLst>
-    <p:notesMasterId r:id="rId20"/>
+    <p:notesMasterId r:id="rId19"/>
   </p:notesMasterIdLst>
   <p:handoutMasterIdLst>
-    <p:handoutMasterId r:id="rId21"/>
+    <p:handoutMasterId r:id="rId20"/>
   </p:handoutMasterIdLst>
   <p:sldIdLst>
     <p:sldId id="261" r:id="rId2"/>
@@ -28,7 +28,6 @@
     <p:sldId id="276" r:id="rId16"/>
     <p:sldId id="277" r:id="rId17"/>
     <p:sldId id="278" r:id="rId18"/>
-    <p:sldId id="279" r:id="rId19"/>
   </p:sldIdLst>
   <p:sldSz cx="9144000" cy="5143500" type="screen16x9"/>
   <p:notesSz cx="6858000" cy="9144000"/>
@@ -159,7 +158,7 @@
   </p:defaultTextStyle>
   <p:extLst>
     <p:ext uri="{EFAFB233-063F-42B5-8137-9DF3F51BA10A}">
-      <p15:sldGuideLst xmlns:p15="http://schemas.microsoft.com/office/powerpoint/2012/main" xmlns="">
+      <p15:sldGuideLst xmlns="" xmlns:p15="http://schemas.microsoft.com/office/powerpoint/2012/main">
         <p15:guide id="1" orient="horz" pos="2160">
           <p15:clr>
             <a:srgbClr val="A4A3A4"/>
@@ -8222,20 +8221,20 @@
           </a:bodyPr>
           <a:lstStyle/>
           <a:p>
-            <a:pPr eaLnBrk="1" hangingPunct="1">
+            <a:pPr>
               <a:defRPr/>
             </a:pPr>
             <a:r>
-              <a:rPr lang="en-US" dirty="0" smtClean="0">
+              <a:rPr lang="en-US" dirty="0">
                 <a:latin typeface="News Gothic Com Thin" charset="0"/>
               </a:rPr>
-              <a:t>Brendan Enrick | @</a:t>
-            </a:r>
-            <a:r>
-              <a:rPr lang="en-US" dirty="0" err="1" smtClean="0">
+              <a:t>Jeff Valore | @</a:t>
+            </a:r>
+            <a:r>
+              <a:rPr lang="en-US" dirty="0" err="1">
                 <a:latin typeface="News Gothic Com Thin" charset="0"/>
               </a:rPr>
-              <a:t>brendoneus</a:t>
+              <a:t>CodingWithSpike</a:t>
             </a:r>
             <a:endParaRPr lang="en-US" dirty="0">
               <a:latin typeface="News Gothic Com Thin" charset="0"/>
@@ -8424,10 +8423,22 @@
               <a:defRPr/>
             </a:pPr>
             <a:r>
-              <a:rPr lang="en-US" smtClean="0">
+              <a:rPr lang="en-US" dirty="0" smtClean="0">
                 <a:latin typeface="News Gothic Com Thin" charset="0"/>
               </a:rPr>
-              <a:t>Steve Smith | @ardalis</a:t>
+              <a:t>Brendan </a:t>
+            </a:r>
+            <a:r>
+              <a:rPr lang="en-US" dirty="0">
+                <a:latin typeface="News Gothic Com Thin" charset="0"/>
+              </a:rPr>
+              <a:t>Enrick | @</a:t>
+            </a:r>
+            <a:r>
+              <a:rPr lang="en-US" dirty="0" err="1" smtClean="0">
+                <a:latin typeface="News Gothic Com Thin" charset="0"/>
+              </a:rPr>
+              <a:t>brendoneus</a:t>
             </a:r>
             <a:endParaRPr lang="en-US" dirty="0">
               <a:latin typeface="News Gothic Com Thin" charset="0"/>
@@ -11337,7 +11348,9 @@
         </p:nvSpPr>
         <p:spPr/>
         <p:txBody>
-          <a:bodyPr/>
+          <a:bodyPr>
+            <a:normAutofit lnSpcReduction="10000"/>
+          </a:bodyPr>
           <a:lstStyle/>
           <a:p>
             <a:pPr eaLnBrk="1" hangingPunct="1"/>
@@ -11786,217 +11799,6 @@
 </p:sld>
 </file>
 
-<file path=ppt/slides/slide18.xml><?xml version="1.0" encoding="utf-8"?>
-<p:sld xmlns:a="http://schemas.openxmlformats.org/drawingml/2006/main" xmlns:r="http://schemas.openxmlformats.org/officeDocument/2006/relationships" xmlns:p="http://schemas.openxmlformats.org/presentationml/2006/main">
-  <p:cSld>
-    <p:spTree>
-      <p:nvGrpSpPr>
-        <p:cNvPr id="1" name=""/>
-        <p:cNvGrpSpPr/>
-        <p:nvPr/>
-      </p:nvGrpSpPr>
-      <p:grpSpPr>
-        <a:xfrm>
-          <a:off x="0" y="0"/>
-          <a:ext cx="0" cy="0"/>
-          <a:chOff x="0" y="0"/>
-          <a:chExt cx="0" cy="0"/>
-        </a:xfrm>
-      </p:grpSpPr>
-      <p:sp>
-        <p:nvSpPr>
-          <p:cNvPr id="4" name="Title 3"/>
-          <p:cNvSpPr>
-            <a:spLocks noGrp="1"/>
-          </p:cNvSpPr>
-          <p:nvPr>
-            <p:ph type="title"/>
-          </p:nvPr>
-        </p:nvSpPr>
-        <p:spPr/>
-        <p:txBody>
-          <a:bodyPr/>
-          <a:lstStyle/>
-          <a:p>
-            <a:r>
-              <a:rPr lang="en-US" dirty="0" smtClean="0"/>
-              <a:t>Thank you!</a:t>
-            </a:r>
-            <a:endParaRPr lang="en-US" dirty="0"/>
-          </a:p>
-        </p:txBody>
-      </p:sp>
-      <p:sp>
-        <p:nvSpPr>
-          <p:cNvPr id="6" name="Content Placeholder 5"/>
-          <p:cNvSpPr>
-            <a:spLocks noGrp="1"/>
-          </p:cNvSpPr>
-          <p:nvPr>
-            <p:ph sz="half" idx="1"/>
-          </p:nvPr>
-        </p:nvSpPr>
-        <p:spPr/>
-        <p:txBody>
-          <a:bodyPr>
-            <a:normAutofit fontScale="92500" lnSpcReduction="10000"/>
-          </a:bodyPr>
-          <a:lstStyle/>
-          <a:p>
-            <a:pPr marL="0" indent="0">
-              <a:buNone/>
-            </a:pPr>
-            <a:r>
-              <a:rPr lang="en-US" dirty="0" smtClean="0"/>
-              <a:t>Brendan Enrick</a:t>
-            </a:r>
-          </a:p>
-          <a:p>
-            <a:pPr marL="0" indent="0">
-              <a:buNone/>
-            </a:pPr>
-            <a:endParaRPr lang="en-US" dirty="0" smtClean="0"/>
-          </a:p>
-          <a:p>
-            <a:pPr marL="0" indent="0">
-              <a:buNone/>
-            </a:pPr>
-            <a:r>
-              <a:rPr lang="en-US" dirty="0" smtClean="0"/>
-              <a:t>@</a:t>
-            </a:r>
-            <a:r>
-              <a:rPr lang="en-US" dirty="0" err="1"/>
-              <a:t>b</a:t>
-            </a:r>
-            <a:r>
-              <a:rPr lang="en-US" dirty="0" err="1" smtClean="0"/>
-              <a:t>rendoneus</a:t>
-            </a:r>
-            <a:endParaRPr lang="en-US" dirty="0"/>
-          </a:p>
-          <a:p>
-            <a:pPr marL="0" indent="0">
-              <a:buNone/>
-            </a:pPr>
-            <a:r>
-              <a:rPr lang="en-US" dirty="0" err="1" smtClean="0"/>
-              <a:t>brendan.enrick.com</a:t>
-            </a:r>
-            <a:endParaRPr lang="en-US" dirty="0"/>
-          </a:p>
-        </p:txBody>
-      </p:sp>
-      <p:sp>
-        <p:nvSpPr>
-          <p:cNvPr id="7" name="Content Placeholder 6"/>
-          <p:cNvSpPr>
-            <a:spLocks noGrp="1"/>
-          </p:cNvSpPr>
-          <p:nvPr>
-            <p:ph sz="half" idx="2"/>
-          </p:nvPr>
-        </p:nvSpPr>
-        <p:spPr/>
-        <p:txBody>
-          <a:bodyPr>
-            <a:normAutofit fontScale="92500" lnSpcReduction="10000"/>
-          </a:bodyPr>
-          <a:lstStyle/>
-          <a:p>
-            <a:pPr marL="0" indent="0">
-              <a:buNone/>
-            </a:pPr>
-            <a:r>
-              <a:rPr lang="en-US" dirty="0" smtClean="0"/>
-              <a:t>Steve Smith</a:t>
-            </a:r>
-          </a:p>
-          <a:p>
-            <a:pPr marL="0" indent="0">
-              <a:buNone/>
-            </a:pPr>
-            <a:endParaRPr lang="en-US" dirty="0"/>
-          </a:p>
-          <a:p>
-            <a:pPr marL="0" indent="0">
-              <a:buNone/>
-            </a:pPr>
-            <a:r>
-              <a:rPr lang="en-US" dirty="0" smtClean="0"/>
-              <a:t>@</a:t>
-            </a:r>
-            <a:r>
-              <a:rPr lang="en-US" dirty="0" err="1" smtClean="0"/>
-              <a:t>ardalis</a:t>
-            </a:r>
-            <a:endParaRPr lang="en-US" dirty="0" smtClean="0"/>
-          </a:p>
-          <a:p>
-            <a:pPr marL="0" indent="0">
-              <a:buNone/>
-            </a:pPr>
-            <a:r>
-              <a:rPr lang="en-US" dirty="0" err="1" smtClean="0"/>
-              <a:t>ardalis.com</a:t>
-            </a:r>
-            <a:endParaRPr lang="en-US" dirty="0" smtClean="0"/>
-          </a:p>
-          <a:p>
-            <a:pPr marL="0" indent="0">
-              <a:buNone/>
-            </a:pPr>
-            <a:endParaRPr lang="en-US" dirty="0"/>
-          </a:p>
-          <a:p>
-            <a:pPr marL="0" indent="0">
-              <a:buNone/>
-            </a:pPr>
-            <a:r>
-              <a:rPr lang="en-US" dirty="0" smtClean="0"/>
-              <a:t>http://</a:t>
-            </a:r>
-            <a:r>
-              <a:rPr lang="en-US" dirty="0" err="1" smtClean="0"/>
-              <a:t>pluralsight.com</a:t>
-            </a:r>
-            <a:r>
-              <a:rPr lang="en-US" dirty="0" smtClean="0"/>
-              <a:t>/training/Authors/Details/</a:t>
-            </a:r>
-            <a:r>
-              <a:rPr lang="en-US" dirty="0" err="1" smtClean="0"/>
-              <a:t>steve</a:t>
-            </a:r>
-            <a:r>
-              <a:rPr lang="en-US" dirty="0" smtClean="0"/>
-              <a:t>-smith</a:t>
-            </a:r>
-            <a:endParaRPr lang="en-US" dirty="0" smtClean="0">
-              <a:ea typeface="+mn-ea"/>
-            </a:endParaRPr>
-          </a:p>
-          <a:p>
-            <a:pPr marL="0" indent="0">
-              <a:buNone/>
-            </a:pPr>
-            <a:endParaRPr lang="en-US" dirty="0"/>
-          </a:p>
-        </p:txBody>
-      </p:sp>
-    </p:spTree>
-    <p:extLst>
-      <p:ext uri="{BB962C8B-B14F-4D97-AF65-F5344CB8AC3E}">
-        <p14:creationId xmlns:p14="http://schemas.microsoft.com/office/powerpoint/2010/main" val="3339218150"/>
-      </p:ext>
-    </p:extLst>
-  </p:cSld>
-  <p:clrMapOvr>
-    <a:masterClrMapping/>
-  </p:clrMapOvr>
-</p:sld>
-</file>
-
 <file path=ppt/slides/slide2.xml><?xml version="1.0" encoding="utf-8"?>
 <p:sld xmlns:a="http://schemas.openxmlformats.org/drawingml/2006/main" xmlns:r="http://schemas.openxmlformats.org/officeDocument/2006/relationships" xmlns:p="http://schemas.openxmlformats.org/presentationml/2006/main">
   <p:cSld>
@@ -12031,7 +11833,7 @@
           <a:p>
             <a:pPr eaLnBrk="1" hangingPunct="1"/>
             <a:r>
-              <a:rPr lang="en-US" smtClean="0">
+              <a:rPr lang="en-US" dirty="0" smtClean="0">
                 <a:latin typeface="News Gothic Com Thin" panose="020B0204030503020204" pitchFamily="34" charset="0"/>
                 <a:cs typeface="News Gothic Com Thin" panose="020B0204030503020204" pitchFamily="34" charset="0"/>
               </a:rPr>
@@ -12064,7 +11866,7 @@
           <a:p>
             <a:pPr eaLnBrk="1" hangingPunct="1"/>
             <a:r>
-              <a:rPr lang="en-US" sz="2400" smtClean="0">
+              <a:rPr lang="en-US" sz="2400" dirty="0" smtClean="0">
                 <a:latin typeface="News Gothic Com Thin" panose="020B0204030503020204" pitchFamily="34" charset="0"/>
                 <a:cs typeface="News Gothic Com Thin" panose="020B0204030503020204" pitchFamily="34" charset="0"/>
               </a:rPr>
@@ -12074,17 +11876,21 @@
           <a:p>
             <a:pPr eaLnBrk="1" hangingPunct="1"/>
             <a:r>
-              <a:rPr lang="en-US" sz="2400" smtClean="0">
+              <a:rPr lang="en-US" sz="2400" dirty="0" smtClean="0">
                 <a:latin typeface="News Gothic Com Thin" panose="020B0204030503020204" pitchFamily="34" charset="0"/>
                 <a:cs typeface="News Gothic Com Thin" panose="020B0204030503020204" pitchFamily="34" charset="0"/>
               </a:rPr>
               <a:t>YAGNI</a:t>
             </a:r>
+            <a:endParaRPr lang="en-US" sz="2400" dirty="0" smtClean="0">
+              <a:latin typeface="News Gothic Com Thin" panose="020B0204030503020204" pitchFamily="34" charset="0"/>
+              <a:cs typeface="News Gothic Com Thin" panose="020B0204030503020204" pitchFamily="34" charset="0"/>
+            </a:endParaRPr>
           </a:p>
           <a:p>
             <a:pPr eaLnBrk="1" hangingPunct="1"/>
             <a:r>
-              <a:rPr lang="en-US" sz="2400" smtClean="0">
+              <a:rPr lang="en-US" sz="2400" dirty="0" smtClean="0">
                 <a:latin typeface="News Gothic Com Thin" panose="020B0204030503020204" pitchFamily="34" charset="0"/>
                 <a:cs typeface="News Gothic Com Thin" panose="020B0204030503020204" pitchFamily="34" charset="0"/>
               </a:rPr>
@@ -12094,7 +11900,7 @@
           <a:p>
             <a:pPr eaLnBrk="1" hangingPunct="1"/>
             <a:r>
-              <a:rPr lang="en-US" sz="2400" smtClean="0">
+              <a:rPr lang="en-US" sz="2400" dirty="0" smtClean="0">
                 <a:latin typeface="News Gothic Com Thin" panose="020B0204030503020204" pitchFamily="34" charset="0"/>
                 <a:cs typeface="News Gothic Com Thin" panose="020B0204030503020204" pitchFamily="34" charset="0"/>
               </a:rPr>
@@ -12104,7 +11910,7 @@
           <a:p>
             <a:pPr eaLnBrk="1" hangingPunct="1"/>
             <a:r>
-              <a:rPr lang="en-US" sz="2400" smtClean="0">
+              <a:rPr lang="en-US" sz="2400" dirty="0" smtClean="0">
                 <a:latin typeface="News Gothic Com Thin" panose="020B0204030503020204" pitchFamily="34" charset="0"/>
                 <a:cs typeface="News Gothic Com Thin" panose="020B0204030503020204" pitchFamily="34" charset="0"/>
               </a:rPr>
@@ -12113,14 +11919,14 @@
           </a:p>
           <a:p>
             <a:pPr eaLnBrk="1" hangingPunct="1"/>
-            <a:endParaRPr lang="en-US" sz="2400" smtClean="0">
+            <a:endParaRPr lang="en-US" sz="2400" dirty="0" smtClean="0">
               <a:latin typeface="News Gothic Com Thin" panose="020B0204030503020204" pitchFamily="34" charset="0"/>
               <a:cs typeface="News Gothic Com Thin" panose="020B0204030503020204" pitchFamily="34" charset="0"/>
             </a:endParaRPr>
           </a:p>
           <a:p>
             <a:pPr eaLnBrk="1" hangingPunct="1"/>
-            <a:endParaRPr lang="en-US" sz="2400" smtClean="0">
+            <a:endParaRPr lang="en-US" sz="2400" dirty="0" smtClean="0">
               <a:latin typeface="News Gothic Com Thin" panose="020B0204030503020204" pitchFamily="34" charset="0"/>
               <a:cs typeface="News Gothic Com Thin" panose="020B0204030503020204" pitchFamily="34" charset="0"/>
             </a:endParaRPr>
@@ -12151,17 +11957,28 @@
           <a:p>
             <a:pPr eaLnBrk="1" hangingPunct="1"/>
             <a:r>
-              <a:rPr lang="en-US" sz="2400" smtClean="0">
+              <a:rPr lang="en-US" sz="2400" dirty="0" smtClean="0">
                 <a:latin typeface="News Gothic Com Thin" panose="020B0204030503020204" pitchFamily="34" charset="0"/>
                 <a:cs typeface="News Gothic Com Thin" panose="020B0204030503020204" pitchFamily="34" charset="0"/>
               </a:rPr>
-              <a:t>Single Reponsibility</a:t>
-            </a:r>
+              <a:t>Single </a:t>
+            </a:r>
+            <a:r>
+              <a:rPr lang="en-US" sz="2400" dirty="0" err="1" smtClean="0">
+                <a:latin typeface="News Gothic Com Thin" panose="020B0204030503020204" pitchFamily="34" charset="0"/>
+                <a:cs typeface="News Gothic Com Thin" panose="020B0204030503020204" pitchFamily="34" charset="0"/>
+              </a:rPr>
+              <a:t>Reponsibility</a:t>
+            </a:r>
+            <a:endParaRPr lang="en-US" sz="2400" dirty="0" smtClean="0">
+              <a:latin typeface="News Gothic Com Thin" panose="020B0204030503020204" pitchFamily="34" charset="0"/>
+              <a:cs typeface="News Gothic Com Thin" panose="020B0204030503020204" pitchFamily="34" charset="0"/>
+            </a:endParaRPr>
           </a:p>
           <a:p>
             <a:pPr eaLnBrk="1" hangingPunct="1"/>
             <a:r>
-              <a:rPr lang="en-US" sz="2400" smtClean="0">
+              <a:rPr lang="en-US" sz="2400" dirty="0" smtClean="0">
                 <a:latin typeface="News Gothic Com Thin" panose="020B0204030503020204" pitchFamily="34" charset="0"/>
                 <a:cs typeface="News Gothic Com Thin" panose="020B0204030503020204" pitchFamily="34" charset="0"/>
               </a:rPr>
@@ -12171,17 +11988,24 @@
           <a:p>
             <a:pPr eaLnBrk="1" hangingPunct="1"/>
             <a:r>
-              <a:rPr lang="en-US" sz="2400" smtClean="0">
+              <a:rPr lang="en-US" sz="2400" dirty="0" err="1" smtClean="0">
                 <a:latin typeface="News Gothic Com Thin" panose="020B0204030503020204" pitchFamily="34" charset="0"/>
                 <a:cs typeface="News Gothic Com Thin" panose="020B0204030503020204" pitchFamily="34" charset="0"/>
               </a:rPr>
-              <a:t>Liskov Substitution</a:t>
+              <a:t>Liskov</a:t>
+            </a:r>
+            <a:r>
+              <a:rPr lang="en-US" sz="2400" dirty="0" smtClean="0">
+                <a:latin typeface="News Gothic Com Thin" panose="020B0204030503020204" pitchFamily="34" charset="0"/>
+                <a:cs typeface="News Gothic Com Thin" panose="020B0204030503020204" pitchFamily="34" charset="0"/>
+              </a:rPr>
+              <a:t> Substitution</a:t>
             </a:r>
           </a:p>
           <a:p>
             <a:pPr eaLnBrk="1" hangingPunct="1"/>
             <a:r>
-              <a:rPr lang="en-US" sz="2400" smtClean="0">
+              <a:rPr lang="en-US" sz="2400" dirty="0" smtClean="0">
                 <a:latin typeface="News Gothic Com Thin" panose="020B0204030503020204" pitchFamily="34" charset="0"/>
                 <a:cs typeface="News Gothic Com Thin" panose="020B0204030503020204" pitchFamily="34" charset="0"/>
               </a:rPr>
@@ -12191,7 +12015,7 @@
           <a:p>
             <a:pPr eaLnBrk="1" hangingPunct="1"/>
             <a:r>
-              <a:rPr lang="en-US" sz="2400" smtClean="0">
+              <a:rPr lang="en-US" sz="2400" dirty="0" smtClean="0">
                 <a:latin typeface="News Gothic Com Thin" panose="020B0204030503020204" pitchFamily="34" charset="0"/>
                 <a:cs typeface="News Gothic Com Thin" panose="020B0204030503020204" pitchFamily="34" charset="0"/>
               </a:rPr>
@@ -12201,16 +12025,23 @@
           <a:p>
             <a:pPr eaLnBrk="1" hangingPunct="1"/>
             <a:r>
-              <a:rPr lang="en-US" sz="2400" smtClean="0">
+              <a:rPr lang="en-US" sz="2400" dirty="0" smtClean="0">
                 <a:latin typeface="News Gothic Com Thin" panose="020B0204030503020204" pitchFamily="34" charset="0"/>
                 <a:cs typeface="News Gothic Com Thin" panose="020B0204030503020204" pitchFamily="34" charset="0"/>
               </a:rPr>
-              <a:t>Don’t Repeat Yourself</a:t>
+              <a:t>Don’t </a:t>
+            </a:r>
+            <a:r>
+              <a:rPr lang="en-US" sz="2400" dirty="0" smtClean="0">
+                <a:latin typeface="News Gothic Com Thin" panose="020B0204030503020204" pitchFamily="34" charset="0"/>
+                <a:cs typeface="News Gothic Com Thin" panose="020B0204030503020204" pitchFamily="34" charset="0"/>
+              </a:rPr>
+              <a:t>Repeat Yourself</a:t>
             </a:r>
           </a:p>
           <a:p>
             <a:pPr eaLnBrk="1" hangingPunct="1"/>
-            <a:endParaRPr lang="en-US" sz="2400" smtClean="0">
+            <a:endParaRPr lang="en-US" sz="2400" dirty="0" smtClean="0">
               <a:latin typeface="News Gothic Com Thin" panose="020B0204030503020204" pitchFamily="34" charset="0"/>
               <a:cs typeface="News Gothic Com Thin" panose="020B0204030503020204" pitchFamily="34" charset="0"/>
             </a:endParaRPr>

--- a/02-Principles.pptx
+++ b/02-Principles.pptx
@@ -158,7 +158,7 @@
   </p:defaultTextStyle>
   <p:extLst>
     <p:ext uri="{EFAFB233-063F-42B5-8137-9DF3F51BA10A}">
-      <p15:sldGuideLst xmlns="" xmlns:p15="http://schemas.microsoft.com/office/powerpoint/2012/main">
+      <p15:sldGuideLst xmlns:p15="http://schemas.microsoft.com/office/powerpoint/2012/main" xmlns="">
         <p15:guide id="1" orient="horz" pos="2160">
           <p15:clr>
             <a:srgbClr val="A4A3A4"/>
@@ -8211,8 +8211,8 @@
         </p:nvSpPr>
         <p:spPr>
           <a:xfrm>
-            <a:off x="1371600" y="3563541"/>
-            <a:ext cx="6859588" cy="339328"/>
+            <a:off x="0" y="3563541"/>
+            <a:ext cx="9144000" cy="339328"/>
           </a:xfrm>
         </p:spPr>
         <p:txBody>
@@ -8252,8 +8252,8 @@
         </p:nvSpPr>
         <p:spPr>
           <a:xfrm>
-            <a:off x="1371600" y="3893379"/>
-            <a:ext cx="6859588" cy="339328"/>
+            <a:off x="0" y="3893379"/>
+            <a:ext cx="9144000" cy="339328"/>
           </a:xfrm>
           <a:prstGeom prst="rect">
             <a:avLst/>
@@ -8652,8 +8652,8 @@
         </p:blipFill>
         <p:spPr bwMode="auto">
           <a:xfrm>
-            <a:off x="5353050" y="1434703"/>
-            <a:ext cx="3333750" cy="2500313"/>
+            <a:off x="5138928" y="1138428"/>
+            <a:ext cx="4005072" cy="4005072"/>
           </a:xfrm>
           <a:prstGeom prst="rect">
             <a:avLst/>
@@ -9277,7 +9277,7 @@
           <a:p>
             <a:pPr eaLnBrk="1" hangingPunct="1"/>
             <a:r>
-              <a:rPr lang="en-US" sz="1800" smtClean="0">
+              <a:rPr lang="en-US" sz="1800" dirty="0" smtClean="0">
                 <a:latin typeface="News Gothic Com Thin" panose="020B0204030503020204" pitchFamily="34" charset="0"/>
                 <a:cs typeface="News Gothic Com Thin" panose="020B0204030503020204" pitchFamily="34" charset="0"/>
               </a:rPr>
@@ -9286,7 +9286,7 @@
           </a:p>
           <a:p>
             <a:pPr eaLnBrk="1" hangingPunct="1"/>
-            <a:endParaRPr lang="en-US" sz="1800" smtClean="0">
+            <a:endParaRPr lang="en-US" sz="1800" dirty="0" smtClean="0">
               <a:latin typeface="News Gothic Com Thin" panose="020B0204030503020204" pitchFamily="34" charset="0"/>
               <a:cs typeface="News Gothic Com Thin" panose="020B0204030503020204" pitchFamily="34" charset="0"/>
             </a:endParaRPr>
@@ -9294,16 +9294,30 @@
           <a:p>
             <a:pPr eaLnBrk="1" hangingPunct="1"/>
             <a:r>
-              <a:rPr lang="en-US" sz="1800" smtClean="0">
+              <a:rPr lang="en-US" sz="1800" dirty="0" smtClean="0">
                 <a:latin typeface="News Gothic Com Thin" panose="020B0204030503020204" pitchFamily="34" charset="0"/>
                 <a:cs typeface="News Gothic Com Thin" panose="020B0204030503020204" pitchFamily="34" charset="0"/>
               </a:rPr>
-              <a:t>Clients should be able to change the entity’s behavior</a:t>
+              <a:t>Clients should be able to change the </a:t>
+            </a:r>
+            <a:r>
+              <a:rPr lang="en-US" sz="1800" dirty="0" smtClean="0">
+                <a:latin typeface="News Gothic Com Thin" panose="020B0204030503020204" pitchFamily="34" charset="0"/>
+                <a:cs typeface="News Gothic Com Thin" panose="020B0204030503020204" pitchFamily="34" charset="0"/>
+              </a:rPr>
+              <a:t>entity's </a:t>
+            </a:r>
+            <a:r>
+              <a:rPr lang="en-US" sz="1800" dirty="0" smtClean="0">
+                <a:latin typeface="News Gothic Com Thin" panose="020B0204030503020204" pitchFamily="34" charset="0"/>
+                <a:cs typeface="News Gothic Com Thin" panose="020B0204030503020204" pitchFamily="34" charset="0"/>
+              </a:rPr>
+              <a:t>behavior</a:t>
             </a:r>
           </a:p>
           <a:p>
             <a:pPr eaLnBrk="1" hangingPunct="1"/>
-            <a:endParaRPr lang="en-US" sz="1800" smtClean="0">
+            <a:endParaRPr lang="en-US" sz="1800" dirty="0" smtClean="0">
               <a:latin typeface="News Gothic Com Thin" panose="020B0204030503020204" pitchFamily="34" charset="0"/>
               <a:cs typeface="News Gothic Com Thin" panose="020B0204030503020204" pitchFamily="34" charset="0"/>
             </a:endParaRPr>
@@ -9311,16 +9325,30 @@
           <a:p>
             <a:pPr eaLnBrk="1" hangingPunct="1"/>
             <a:r>
-              <a:rPr lang="en-US" sz="1800" smtClean="0">
+              <a:rPr lang="en-US" sz="1800" dirty="0" smtClean="0">
                 <a:latin typeface="News Gothic Com Thin" panose="020B0204030503020204" pitchFamily="34" charset="0"/>
                 <a:cs typeface="News Gothic Com Thin" panose="020B0204030503020204" pitchFamily="34" charset="0"/>
               </a:rPr>
-              <a:t>Doing so should not require altering the entity’s source code</a:t>
+              <a:t>Doing so should not require altering the </a:t>
+            </a:r>
+            <a:r>
+              <a:rPr lang="en-US" sz="1800" dirty="0" smtClean="0">
+                <a:latin typeface="News Gothic Com Thin" panose="020B0204030503020204" pitchFamily="34" charset="0"/>
+                <a:cs typeface="News Gothic Com Thin" panose="020B0204030503020204" pitchFamily="34" charset="0"/>
+              </a:rPr>
+              <a:t>entity's </a:t>
+            </a:r>
+            <a:r>
+              <a:rPr lang="en-US" sz="1800" dirty="0" smtClean="0">
+                <a:latin typeface="News Gothic Com Thin" panose="020B0204030503020204" pitchFamily="34" charset="0"/>
+                <a:cs typeface="News Gothic Com Thin" panose="020B0204030503020204" pitchFamily="34" charset="0"/>
+              </a:rPr>
+              <a:t>source code</a:t>
             </a:r>
           </a:p>
           <a:p>
             <a:pPr eaLnBrk="1" hangingPunct="1"/>
-            <a:endParaRPr lang="en-US" sz="1800" smtClean="0">
+            <a:endParaRPr lang="en-US" sz="1800" dirty="0" smtClean="0">
               <a:latin typeface="News Gothic Com Thin" panose="020B0204030503020204" pitchFamily="34" charset="0"/>
               <a:cs typeface="News Gothic Com Thin" panose="020B0204030503020204" pitchFamily="34" charset="0"/>
             </a:endParaRPr>
@@ -9328,7 +9356,7 @@
           <a:p>
             <a:pPr eaLnBrk="1" hangingPunct="1"/>
             <a:r>
-              <a:rPr lang="en-US" sz="1800" smtClean="0">
+              <a:rPr lang="en-US" sz="1800" dirty="0" smtClean="0">
                 <a:latin typeface="News Gothic Com Thin" panose="020B0204030503020204" pitchFamily="34" charset="0"/>
                 <a:cs typeface="News Gothic Com Thin" panose="020B0204030503020204" pitchFamily="34" charset="0"/>
               </a:rPr>
@@ -9341,7 +9369,7 @@
         <p:nvPicPr>
           <p:cNvPr id="27652" name="Picture 2" descr="Open/Closed Principle"/>
           <p:cNvPicPr>
-            <a:picLocks noChangeAspect="1" noChangeArrowheads="1"/>
+            <a:picLocks noChangeArrowheads="1"/>
           </p:cNvPicPr>
           <p:nvPr/>
         </p:nvPicPr>
@@ -9360,8 +9388,8 @@
         </p:blipFill>
         <p:spPr bwMode="auto">
           <a:xfrm>
-            <a:off x="5353050" y="1434703"/>
-            <a:ext cx="3333750" cy="2500313"/>
+            <a:off x="5138928" y="1138428"/>
+            <a:ext cx="4005072" cy="4005072"/>
           </a:xfrm>
           <a:prstGeom prst="rect">
             <a:avLst/>
@@ -9741,7 +9769,7 @@
           <a:p>
             <a:pPr eaLnBrk="1" hangingPunct="1"/>
             <a:r>
-              <a:rPr lang="en-US" sz="1800" smtClean="0">
+              <a:rPr lang="en-US" sz="1800" dirty="0" smtClean="0">
                 <a:latin typeface="News Gothic Com Thin" panose="020B0204030503020204" pitchFamily="34" charset="0"/>
                 <a:cs typeface="News Gothic Com Thin" panose="020B0204030503020204" pitchFamily="34" charset="0"/>
               </a:rPr>
@@ -9750,7 +9778,7 @@
           </a:p>
           <a:p>
             <a:pPr eaLnBrk="1" hangingPunct="1"/>
-            <a:endParaRPr lang="en-US" sz="1800" smtClean="0">
+            <a:endParaRPr lang="en-US" sz="1800" dirty="0" smtClean="0">
               <a:latin typeface="News Gothic Com Thin" panose="020B0204030503020204" pitchFamily="34" charset="0"/>
               <a:cs typeface="News Gothic Com Thin" panose="020B0204030503020204" pitchFamily="34" charset="0"/>
             </a:endParaRPr>
@@ -9758,16 +9786,71 @@
           <a:p>
             <a:pPr eaLnBrk="1" hangingPunct="1"/>
             <a:r>
-              <a:rPr lang="en-US" sz="1800" smtClean="0">
+              <a:rPr lang="en-US" sz="1800" dirty="0" smtClean="0">
                 <a:latin typeface="News Gothic Com Thin" panose="020B0204030503020204" pitchFamily="34" charset="0"/>
                 <a:cs typeface="News Gothic Com Thin" panose="020B0204030503020204" pitchFamily="34" charset="0"/>
               </a:rPr>
-              <a:t>“Is-A” is not sufficient; “Is-Substitutable-For” is required</a:t>
+              <a:t>"</a:t>
+            </a:r>
+            <a:r>
+              <a:rPr lang="en-US" sz="1800" dirty="0" smtClean="0">
+                <a:latin typeface="News Gothic Com Thin" panose="020B0204030503020204" pitchFamily="34" charset="0"/>
+                <a:cs typeface="News Gothic Com Thin" panose="020B0204030503020204" pitchFamily="34" charset="0"/>
+              </a:rPr>
+              <a:t>Is-A</a:t>
+            </a:r>
+            <a:r>
+              <a:rPr lang="en-US" sz="1800" dirty="0" smtClean="0">
+                <a:latin typeface="News Gothic Com Thin" panose="020B0204030503020204" pitchFamily="34" charset="0"/>
+                <a:cs typeface="News Gothic Com Thin" panose="020B0204030503020204" pitchFamily="34" charset="0"/>
+              </a:rPr>
+              <a:t>"</a:t>
+            </a:r>
+            <a:r>
+              <a:rPr lang="en-US" sz="1800" dirty="0" smtClean="0">
+                <a:latin typeface="News Gothic Com Thin" panose="020B0204030503020204" pitchFamily="34" charset="0"/>
+                <a:cs typeface="News Gothic Com Thin" panose="020B0204030503020204" pitchFamily="34" charset="0"/>
+              </a:rPr>
+              <a:t> </a:t>
+            </a:r>
+            <a:r>
+              <a:rPr lang="en-US" sz="1800" dirty="0" smtClean="0">
+                <a:latin typeface="News Gothic Com Thin" panose="020B0204030503020204" pitchFamily="34" charset="0"/>
+                <a:cs typeface="News Gothic Com Thin" panose="020B0204030503020204" pitchFamily="34" charset="0"/>
+              </a:rPr>
+              <a:t>is not sufficient</a:t>
+            </a:r>
+            <a:r>
+              <a:rPr lang="en-US" sz="1800" dirty="0" smtClean="0">
+                <a:latin typeface="News Gothic Com Thin" panose="020B0204030503020204" pitchFamily="34" charset="0"/>
+                <a:cs typeface="News Gothic Com Thin" panose="020B0204030503020204" pitchFamily="34" charset="0"/>
+              </a:rPr>
+              <a:t>;</a:t>
+            </a:r>
+            <a:br>
+              <a:rPr lang="en-US" sz="1800" dirty="0" smtClean="0">
+                <a:latin typeface="News Gothic Com Thin" panose="020B0204030503020204" pitchFamily="34" charset="0"/>
+                <a:cs typeface="News Gothic Com Thin" panose="020B0204030503020204" pitchFamily="34" charset="0"/>
+              </a:rPr>
+            </a:br>
+            <a:r>
+              <a:rPr lang="en-US" sz="1800" dirty="0" smtClean="0">
+                <a:latin typeface="News Gothic Com Thin" panose="020B0204030503020204" pitchFamily="34" charset="0"/>
+                <a:cs typeface="News Gothic Com Thin" panose="020B0204030503020204" pitchFamily="34" charset="0"/>
+              </a:rPr>
+              <a:t>"Is-Substitutable-For" is </a:t>
+            </a:r>
+            <a:r>
+              <a:rPr lang="en-US" sz="1800" dirty="0" smtClean="0">
+                <a:latin typeface="News Gothic Com Thin" panose="020B0204030503020204" pitchFamily="34" charset="0"/>
+                <a:cs typeface="News Gothic Com Thin" panose="020B0204030503020204" pitchFamily="34" charset="0"/>
+              </a:rPr>
+              <a:t>required</a:t>
             </a:r>
           </a:p>
           <a:p>
             <a:pPr eaLnBrk="1" hangingPunct="1"/>
-            <a:endParaRPr lang="en-US" sz="1800" smtClean="0">
+            <a:endParaRPr lang="en-US" sz="1800" dirty="0" smtClean="0">
               <a:latin typeface="News Gothic Com Thin" panose="020B0204030503020204" pitchFamily="34" charset="0"/>
               <a:cs typeface="News Gothic Com Thin" panose="020B0204030503020204" pitchFamily="34" charset="0"/>
             </a:endParaRPr>
@@ -9775,31 +9858,26 @@
           <a:p>
             <a:pPr eaLnBrk="1" hangingPunct="1"/>
             <a:r>
-              <a:rPr lang="en-US" sz="1800" smtClean="0">
+              <a:rPr lang="en-US" sz="1800" dirty="0" smtClean="0">
                 <a:latin typeface="News Gothic Com Thin" panose="020B0204030503020204" pitchFamily="34" charset="0"/>
                 <a:cs typeface="News Gothic Com Thin" panose="020B0204030503020204" pitchFamily="34" charset="0"/>
               </a:rPr>
-              <a:t>Look for type checking in polymorphic code as a “code smell” indicating this principle is being violated</a:t>
-            </a:r>
-          </a:p>
-        </p:txBody>
-      </p:sp>
-      <p:sp>
-        <p:nvSpPr>
-          <p:cNvPr id="2" name="Content Placeholder 1"/>
-          <p:cNvSpPr>
-            <a:spLocks noGrp="1"/>
-          </p:cNvSpPr>
-          <p:nvPr>
-            <p:ph sz="half" idx="2"/>
-          </p:nvPr>
-        </p:nvSpPr>
-        <p:spPr/>
-        <p:txBody>
-          <a:bodyPr/>
-          <a:lstStyle/>
-          <a:p>
-            <a:endParaRPr lang="en-US"/>
+              <a:t>Look for type checking in polymorphic code as a </a:t>
+            </a:r>
+            <a:r>
+              <a:rPr lang="en-US" sz="1800" dirty="0" smtClean="0">
+                <a:latin typeface="News Gothic Com Thin" panose="020B0204030503020204" pitchFamily="34" charset="0"/>
+                <a:cs typeface="News Gothic Com Thin" panose="020B0204030503020204" pitchFamily="34" charset="0"/>
+              </a:rPr>
+              <a:t>"code smell" </a:t>
+            </a:r>
+            <a:r>
+              <a:rPr lang="en-US" sz="1800" dirty="0" smtClean="0">
+                <a:latin typeface="News Gothic Com Thin" panose="020B0204030503020204" pitchFamily="34" charset="0"/>
+                <a:cs typeface="News Gothic Com Thin" panose="020B0204030503020204" pitchFamily="34" charset="0"/>
+              </a:rPr>
+              <a:t>indicating this principle is being violated</a:t>
+            </a:r>
           </a:p>
         </p:txBody>
       </p:sp>
@@ -9807,7 +9885,7 @@
         <p:nvPicPr>
           <p:cNvPr id="29700" name="Picture 2" descr="Liskov Substitution Principle"/>
           <p:cNvPicPr>
-            <a:picLocks noChangeAspect="1" noChangeArrowheads="1"/>
+            <a:picLocks noChangeArrowheads="1"/>
           </p:cNvPicPr>
           <p:nvPr/>
         </p:nvPicPr>
@@ -9826,8 +9904,8 @@
         </p:blipFill>
         <p:spPr bwMode="auto">
           <a:xfrm>
-            <a:off x="5353050" y="1434703"/>
-            <a:ext cx="3333750" cy="2500313"/>
+            <a:off x="5138928" y="1138428"/>
+            <a:ext cx="4005072" cy="4005072"/>
           </a:xfrm>
           <a:prstGeom prst="rect">
             <a:avLst/>
@@ -10144,16 +10222,23 @@
           <a:p>
             <a:pPr eaLnBrk="1" hangingPunct="1"/>
             <a:r>
-              <a:rPr lang="en-US" sz="1800" smtClean="0">
+              <a:rPr lang="en-US" sz="1800" dirty="0" smtClean="0">
                 <a:latin typeface="News Gothic Com Thin" panose="020B0204030503020204" pitchFamily="34" charset="0"/>
                 <a:cs typeface="News Gothic Com Thin" panose="020B0204030503020204" pitchFamily="34" charset="0"/>
               </a:rPr>
-              <a:t>Don’t force clients to depend on methods they do not need</a:t>
+              <a:t>Don't </a:t>
+            </a:r>
+            <a:r>
+              <a:rPr lang="en-US" sz="1800" dirty="0" smtClean="0">
+                <a:latin typeface="News Gothic Com Thin" panose="020B0204030503020204" pitchFamily="34" charset="0"/>
+                <a:cs typeface="News Gothic Com Thin" panose="020B0204030503020204" pitchFamily="34" charset="0"/>
+              </a:rPr>
+              <a:t>force clients to depend on methods they do not need</a:t>
             </a:r>
           </a:p>
           <a:p>
             <a:pPr eaLnBrk="1" hangingPunct="1"/>
-            <a:endParaRPr lang="en-US" sz="1800" smtClean="0">
+            <a:endParaRPr lang="en-US" sz="1800" dirty="0" smtClean="0">
               <a:latin typeface="News Gothic Com Thin" panose="020B0204030503020204" pitchFamily="34" charset="0"/>
               <a:cs typeface="News Gothic Com Thin" panose="020B0204030503020204" pitchFamily="34" charset="0"/>
             </a:endParaRPr>
@@ -10161,7 +10246,7 @@
           <a:p>
             <a:pPr eaLnBrk="1" hangingPunct="1"/>
             <a:r>
-              <a:rPr lang="en-US" sz="1800" smtClean="0">
+              <a:rPr lang="en-US" sz="1800" dirty="0" smtClean="0">
                 <a:latin typeface="News Gothic Com Thin" panose="020B0204030503020204" pitchFamily="34" charset="0"/>
                 <a:cs typeface="News Gothic Com Thin" panose="020B0204030503020204" pitchFamily="34" charset="0"/>
               </a:rPr>
@@ -10170,7 +10255,7 @@
           </a:p>
           <a:p>
             <a:pPr eaLnBrk="1" hangingPunct="1"/>
-            <a:endParaRPr lang="en-US" sz="1800" smtClean="0">
+            <a:endParaRPr lang="en-US" sz="1800" dirty="0" smtClean="0">
               <a:latin typeface="News Gothic Com Thin" panose="020B0204030503020204" pitchFamily="34" charset="0"/>
               <a:cs typeface="News Gothic Com Thin" panose="020B0204030503020204" pitchFamily="34" charset="0"/>
             </a:endParaRPr>
@@ -10178,31 +10263,12 @@
           <a:p>
             <a:pPr eaLnBrk="1" hangingPunct="1"/>
             <a:r>
-              <a:rPr lang="en-US" sz="1800" smtClean="0">
+              <a:rPr lang="en-US" sz="1800" dirty="0" smtClean="0">
                 <a:latin typeface="News Gothic Com Thin" panose="020B0204030503020204" pitchFamily="34" charset="0"/>
                 <a:cs typeface="News Gothic Com Thin" panose="020B0204030503020204" pitchFamily="34" charset="0"/>
               </a:rPr>
               <a:t>Break large interfaces up into smaller ones</a:t>
             </a:r>
-          </a:p>
-        </p:txBody>
-      </p:sp>
-      <p:sp>
-        <p:nvSpPr>
-          <p:cNvPr id="2" name="Content Placeholder 1"/>
-          <p:cNvSpPr>
-            <a:spLocks noGrp="1"/>
-          </p:cNvSpPr>
-          <p:nvPr>
-            <p:ph sz="half" idx="2"/>
-          </p:nvPr>
-        </p:nvSpPr>
-        <p:spPr/>
-        <p:txBody>
-          <a:bodyPr/>
-          <a:lstStyle/>
-          <a:p>
-            <a:endParaRPr lang="en-US"/>
           </a:p>
         </p:txBody>
       </p:sp>
@@ -10210,7 +10276,7 @@
         <p:nvPicPr>
           <p:cNvPr id="31748" name="Picture 2" descr="Interface Segregation Principle"/>
           <p:cNvPicPr>
-            <a:picLocks noChangeAspect="1" noChangeArrowheads="1"/>
+            <a:picLocks noChangeArrowheads="1"/>
           </p:cNvPicPr>
           <p:nvPr/>
         </p:nvPicPr>
@@ -10229,8 +10295,8 @@
         </p:blipFill>
         <p:spPr bwMode="auto">
           <a:xfrm>
-            <a:off x="5353050" y="1434703"/>
-            <a:ext cx="3333750" cy="2500313"/>
+            <a:off x="5138928" y="1138428"/>
+            <a:ext cx="4005072" cy="4005072"/>
           </a:xfrm>
           <a:prstGeom prst="rect">
             <a:avLst/>
@@ -10613,7 +10679,7 @@
         <p:nvPicPr>
           <p:cNvPr id="33796" name="Picture 2" descr="Dependency Inversion Principle"/>
           <p:cNvPicPr>
-            <a:picLocks noChangeAspect="1" noChangeArrowheads="1"/>
+            <a:picLocks noChangeArrowheads="1"/>
           </p:cNvPicPr>
           <p:nvPr/>
         </p:nvPicPr>
@@ -10632,8 +10698,8 @@
         </p:blipFill>
         <p:spPr bwMode="auto">
           <a:xfrm>
-            <a:off x="5353050" y="1489472"/>
-            <a:ext cx="3333750" cy="2500313"/>
+            <a:off x="5138928" y="1138428"/>
+            <a:ext cx="4005072" cy="4005072"/>
           </a:xfrm>
           <a:prstGeom prst="rect">
             <a:avLst/>
@@ -10924,11 +10990,18 @@
           <a:p>
             <a:pPr eaLnBrk="1" hangingPunct="1"/>
             <a:r>
-              <a:rPr lang="en-US" smtClean="0">
+              <a:rPr lang="en-US" dirty="0" smtClean="0">
                 <a:latin typeface="News Gothic Com Thin" panose="020B0204030503020204" pitchFamily="34" charset="0"/>
                 <a:cs typeface="News Gothic Com Thin" panose="020B0204030503020204" pitchFamily="34" charset="0"/>
               </a:rPr>
-              <a:t>Don’t Repeat Yourself</a:t>
+              <a:t>Don't </a:t>
+            </a:r>
+            <a:r>
+              <a:rPr lang="en-US" dirty="0" smtClean="0">
+                <a:latin typeface="News Gothic Com Thin" panose="020B0204030503020204" pitchFamily="34" charset="0"/>
+                <a:cs typeface="News Gothic Com Thin" panose="020B0204030503020204" pitchFamily="34" charset="0"/>
+              </a:rPr>
+              <a:t>Repeat Yourself</a:t>
             </a:r>
           </a:p>
         </p:txBody>
@@ -10990,25 +11063,6 @@
               </a:rPr>
               <a:t>Clean up duplication whenever you can in your code</a:t>
             </a:r>
-          </a:p>
-        </p:txBody>
-      </p:sp>
-      <p:sp>
-        <p:nvSpPr>
-          <p:cNvPr id="2" name="Content Placeholder 1"/>
-          <p:cNvSpPr>
-            <a:spLocks noGrp="1"/>
-          </p:cNvSpPr>
-          <p:nvPr>
-            <p:ph sz="half" idx="2"/>
-          </p:nvPr>
-        </p:nvSpPr>
-        <p:spPr/>
-        <p:txBody>
-          <a:bodyPr/>
-          <a:lstStyle/>
-          <a:p>
-            <a:endParaRPr lang="en-US"/>
           </a:p>
         </p:txBody>
       </p:sp>
@@ -11035,8 +11089,8 @@
         </p:blipFill>
         <p:spPr bwMode="auto">
           <a:xfrm>
-            <a:off x="5645150" y="1641873"/>
-            <a:ext cx="3041650" cy="2293144"/>
+            <a:off x="5138928" y="1138428"/>
+            <a:ext cx="4005072" cy="4005072"/>
           </a:xfrm>
           <a:prstGeom prst="rect">
             <a:avLst/>
@@ -11359,7 +11413,14 @@
                 <a:latin typeface="News Gothic Com Thin" panose="020B0204030503020204" pitchFamily="34" charset="0"/>
                 <a:cs typeface="News Gothic Com Thin" panose="020B0204030503020204" pitchFamily="34" charset="0"/>
               </a:rPr>
-              <a:t>Don’t try to apply every principle, all the time</a:t>
+              <a:t>Don't </a:t>
+            </a:r>
+            <a:r>
+              <a:rPr lang="en-US" sz="2400" dirty="0" smtClean="0">
+                <a:latin typeface="News Gothic Com Thin" panose="020B0204030503020204" pitchFamily="34" charset="0"/>
+                <a:cs typeface="News Gothic Com Thin" panose="020B0204030503020204" pitchFamily="34" charset="0"/>
+              </a:rPr>
+              <a:t>try to apply every principle, all the time</a:t>
             </a:r>
           </a:p>
           <a:p>
@@ -11410,8 +11471,26 @@
                 <a:latin typeface="News Gothic Com Thin" panose="020B0204030503020204" pitchFamily="34" charset="0"/>
                 <a:cs typeface="News Gothic Com Thin" panose="020B0204030503020204" pitchFamily="34" charset="0"/>
               </a:rPr>
-              <a:t>Follow principles when their violation is causing you pain.</a:t>
-            </a:r>
+              <a:t>Follow principles when their violation is causing </a:t>
+            </a:r>
+            <a:r>
+              <a:rPr lang="en-US" sz="2400" smtClean="0">
+                <a:latin typeface="News Gothic Com Thin" panose="020B0204030503020204" pitchFamily="34" charset="0"/>
+                <a:cs typeface="News Gothic Com Thin" panose="020B0204030503020204" pitchFamily="34" charset="0"/>
+              </a:rPr>
+              <a:t>you </a:t>
+            </a:r>
+            <a:r>
+              <a:rPr lang="en-US" sz="2400" smtClean="0">
+                <a:latin typeface="News Gothic Com Thin" panose="020B0204030503020204" pitchFamily="34" charset="0"/>
+                <a:cs typeface="News Gothic Com Thin" panose="020B0204030503020204" pitchFamily="34" charset="0"/>
+              </a:rPr>
+              <a:t>pain</a:t>
+            </a:r>
+            <a:endParaRPr lang="en-US" sz="2400" dirty="0" smtClean="0">
+              <a:latin typeface="News Gothic Com Thin" panose="020B0204030503020204" pitchFamily="34" charset="0"/>
+              <a:cs typeface="News Gothic Com Thin" panose="020B0204030503020204" pitchFamily="34" charset="0"/>
+            </a:endParaRPr>
           </a:p>
         </p:txBody>
       </p:sp>
@@ -11882,10 +11961,6 @@
               </a:rPr>
               <a:t>YAGNI</a:t>
             </a:r>
-            <a:endParaRPr lang="en-US" sz="2400" dirty="0" smtClean="0">
-              <a:latin typeface="News Gothic Com Thin" panose="020B0204030503020204" pitchFamily="34" charset="0"/>
-              <a:cs typeface="News Gothic Com Thin" panose="020B0204030503020204" pitchFamily="34" charset="0"/>
-            </a:endParaRPr>
           </a:p>
           <a:p>
             <a:pPr eaLnBrk="1" hangingPunct="1"/>
@@ -11894,7 +11969,14 @@
                 <a:latin typeface="News Gothic Com Thin" panose="020B0204030503020204" pitchFamily="34" charset="0"/>
                 <a:cs typeface="News Gothic Com Thin" panose="020B0204030503020204" pitchFamily="34" charset="0"/>
               </a:rPr>
-              <a:t>Don’t Repeat Yourself</a:t>
+              <a:t>Don't </a:t>
+            </a:r>
+            <a:r>
+              <a:rPr lang="en-US" sz="2400" dirty="0" smtClean="0">
+                <a:latin typeface="News Gothic Com Thin" panose="020B0204030503020204" pitchFamily="34" charset="0"/>
+                <a:cs typeface="News Gothic Com Thin" panose="020B0204030503020204" pitchFamily="34" charset="0"/>
+              </a:rPr>
+              <a:t>Repeat Yourself</a:t>
             </a:r>
           </a:p>
           <a:p>
@@ -11964,11 +12046,11 @@
               <a:t>Single </a:t>
             </a:r>
             <a:r>
-              <a:rPr lang="en-US" sz="2400" dirty="0" err="1" smtClean="0">
+              <a:rPr lang="en-US" sz="2400" dirty="0" smtClean="0">
                 <a:latin typeface="News Gothic Com Thin" panose="020B0204030503020204" pitchFamily="34" charset="0"/>
                 <a:cs typeface="News Gothic Com Thin" panose="020B0204030503020204" pitchFamily="34" charset="0"/>
               </a:rPr>
-              <a:t>Reponsibility</a:t>
+              <a:t>Responsibility</a:t>
             </a:r>
             <a:endParaRPr lang="en-US" sz="2400" dirty="0" smtClean="0">
               <a:latin typeface="News Gothic Com Thin" panose="020B0204030503020204" pitchFamily="34" charset="0"/>
@@ -12029,7 +12111,7 @@
                 <a:latin typeface="News Gothic Com Thin" panose="020B0204030503020204" pitchFamily="34" charset="0"/>
                 <a:cs typeface="News Gothic Com Thin" panose="020B0204030503020204" pitchFamily="34" charset="0"/>
               </a:rPr>
-              <a:t>Don’t </a:t>
+              <a:t>Don't </a:t>
             </a:r>
             <a:r>
               <a:rPr lang="en-US" sz="2400" dirty="0" smtClean="0">
@@ -12904,7 +12986,7 @@
           <a:p>
             <a:pPr eaLnBrk="1" hangingPunct="1"/>
             <a:r>
-              <a:rPr lang="en-US" smtClean="0">
+              <a:rPr lang="en-US" dirty="0" smtClean="0">
                 <a:latin typeface="News Gothic Com Thin" panose="020B0204030503020204" pitchFamily="34" charset="0"/>
                 <a:cs typeface="News Gothic Com Thin" panose="020B0204030503020204" pitchFamily="34" charset="0"/>
               </a:rPr>
@@ -12930,7 +13012,7 @@
           <a:p>
             <a:pPr eaLnBrk="1" hangingPunct="1"/>
             <a:r>
-              <a:rPr lang="en-US" sz="1800" smtClean="0">
+              <a:rPr lang="en-US" sz="1800" dirty="0" smtClean="0">
                 <a:latin typeface="News Gothic Com Thin" panose="020B0204030503020204" pitchFamily="34" charset="0"/>
                 <a:cs typeface="News Gothic Com Thin" panose="020B0204030503020204" pitchFamily="34" charset="0"/>
               </a:rPr>
@@ -12939,7 +13021,7 @@
           </a:p>
           <a:p>
             <a:pPr eaLnBrk="1" hangingPunct="1"/>
-            <a:endParaRPr lang="en-US" sz="1800" smtClean="0">
+            <a:endParaRPr lang="en-US" sz="1800" dirty="0" smtClean="0">
               <a:latin typeface="News Gothic Com Thin" panose="020B0204030503020204" pitchFamily="34" charset="0"/>
               <a:cs typeface="News Gothic Com Thin" panose="020B0204030503020204" pitchFamily="34" charset="0"/>
             </a:endParaRPr>
@@ -12947,7 +13029,7 @@
           <a:p>
             <a:pPr eaLnBrk="1" hangingPunct="1"/>
             <a:r>
-              <a:rPr lang="en-US" sz="1800" smtClean="0">
+              <a:rPr lang="en-US" sz="1800" dirty="0" smtClean="0">
                 <a:latin typeface="News Gothic Com Thin" panose="020B0204030503020204" pitchFamily="34" charset="0"/>
                 <a:cs typeface="News Gothic Com Thin" panose="020B0204030503020204" pitchFamily="34" charset="0"/>
               </a:rPr>
@@ -12956,7 +13038,7 @@
           </a:p>
           <a:p>
             <a:pPr eaLnBrk="1" hangingPunct="1"/>
-            <a:endParaRPr lang="en-US" sz="1800" smtClean="0">
+            <a:endParaRPr lang="en-US" sz="1800" dirty="0" smtClean="0">
               <a:latin typeface="News Gothic Com Thin" panose="020B0204030503020204" pitchFamily="34" charset="0"/>
               <a:cs typeface="News Gothic Com Thin" panose="020B0204030503020204" pitchFamily="34" charset="0"/>
             </a:endParaRPr>
@@ -12964,11 +13046,66 @@
           <a:p>
             <a:pPr eaLnBrk="1" hangingPunct="1"/>
             <a:r>
-              <a:rPr lang="en-US" sz="1800" smtClean="0">
+              <a:rPr lang="en-US" sz="1800" dirty="0" smtClean="0">
                 <a:latin typeface="News Gothic Com Thin" panose="020B0204030503020204" pitchFamily="34" charset="0"/>
                 <a:cs typeface="News Gothic Com Thin" panose="020B0204030503020204" pitchFamily="34" charset="0"/>
               </a:rPr>
-              <a:t>“Everything should be as simple as possible, but no simpler.” – Albert Einstein</a:t>
+              <a:t>"</a:t>
+            </a:r>
+            <a:r>
+              <a:rPr lang="en-US" sz="1800" dirty="0" smtClean="0">
+                <a:latin typeface="News Gothic Com Thin" panose="020B0204030503020204" pitchFamily="34" charset="0"/>
+                <a:cs typeface="News Gothic Com Thin" panose="020B0204030503020204" pitchFamily="34" charset="0"/>
+              </a:rPr>
+              <a:t>Everything </a:t>
+            </a:r>
+            <a:r>
+              <a:rPr lang="en-US" sz="1800" dirty="0" smtClean="0">
+                <a:latin typeface="News Gothic Com Thin" panose="020B0204030503020204" pitchFamily="34" charset="0"/>
+                <a:cs typeface="News Gothic Com Thin" panose="020B0204030503020204" pitchFamily="34" charset="0"/>
+              </a:rPr>
+              <a:t>should be as </a:t>
+            </a:r>
+            <a:r>
+              <a:rPr lang="en-US" sz="1800" dirty="0" smtClean="0">
+                <a:latin typeface="News Gothic Com Thin" panose="020B0204030503020204" pitchFamily="34" charset="0"/>
+                <a:cs typeface="News Gothic Com Thin" panose="020B0204030503020204" pitchFamily="34" charset="0"/>
+              </a:rPr>
+              <a:t>simple </a:t>
+            </a:r>
+            <a:r>
+              <a:rPr lang="en-US" sz="1800" dirty="0" smtClean="0">
+                <a:latin typeface="News Gothic Com Thin" panose="020B0204030503020204" pitchFamily="34" charset="0"/>
+                <a:cs typeface="News Gothic Com Thin" panose="020B0204030503020204" pitchFamily="34" charset="0"/>
+              </a:rPr>
+              <a:t>as possible, but no simpler</a:t>
+            </a:r>
+            <a:r>
+              <a:rPr lang="en-US" sz="1800" dirty="0" smtClean="0">
+                <a:latin typeface="News Gothic Com Thin" panose="020B0204030503020204" pitchFamily="34" charset="0"/>
+                <a:cs typeface="News Gothic Com Thin" panose="020B0204030503020204" pitchFamily="34" charset="0"/>
+              </a:rPr>
+              <a:t>."</a:t>
+            </a:r>
+            <a:br>
+              <a:rPr lang="en-US" sz="1800" dirty="0" smtClean="0">
+                <a:latin typeface="News Gothic Com Thin" panose="020B0204030503020204" pitchFamily="34" charset="0"/>
+                <a:cs typeface="News Gothic Com Thin" panose="020B0204030503020204" pitchFamily="34" charset="0"/>
+              </a:rPr>
+            </a:br>
+            <a:r>
+              <a:rPr lang="en-US" sz="1800" dirty="0" smtClean="0">
+                <a:latin typeface="News Gothic Com Thin" panose="020B0204030503020204" pitchFamily="34" charset="0"/>
+                <a:cs typeface="News Gothic Com Thin" panose="020B0204030503020204" pitchFamily="34" charset="0"/>
+              </a:rPr>
+              <a:t>– </a:t>
+            </a:r>
+            <a:r>
+              <a:rPr lang="en-US" sz="1800" dirty="0" smtClean="0">
+                <a:latin typeface="News Gothic Com Thin" panose="020B0204030503020204" pitchFamily="34" charset="0"/>
+                <a:cs typeface="News Gothic Com Thin" panose="020B0204030503020204" pitchFamily="34" charset="0"/>
+              </a:rPr>
+              <a:t>Albert Einstein</a:t>
             </a:r>
           </a:p>
         </p:txBody>
@@ -12996,8 +13133,8 @@
         </p:blipFill>
         <p:spPr bwMode="auto">
           <a:xfrm>
-            <a:off x="5036802" y="1197517"/>
-            <a:ext cx="3649999" cy="2737499"/>
+            <a:off x="5143500" y="1143000"/>
+            <a:ext cx="4000500" cy="4000500"/>
           </a:xfrm>
           <a:prstGeom prst="rect">
             <a:avLst/>
@@ -13279,8 +13416,8 @@
         </p:nvSpPr>
         <p:spPr>
           <a:xfrm>
-            <a:off x="457201" y="1171561"/>
-            <a:ext cx="7124514" cy="3869718"/>
+            <a:off x="1082839" y="1179823"/>
+            <a:ext cx="6713620" cy="3583319"/>
           </a:xfrm>
           <a:prstGeom prst="roundRect">
             <a:avLst/>
@@ -13478,16 +13615,37 @@
           <a:p>
             <a:pPr eaLnBrk="1" hangingPunct="1"/>
             <a:r>
-              <a:rPr lang="en-US" sz="1800" smtClean="0">
+              <a:rPr lang="en-US" sz="1800" dirty="0" smtClean="0">
                 <a:latin typeface="News Gothic Com Thin" panose="020B0204030503020204" pitchFamily="34" charset="0"/>
                 <a:cs typeface="News Gothic Com Thin" panose="020B0204030503020204" pitchFamily="34" charset="0"/>
               </a:rPr>
-              <a:t>You Aren’t Gonna Need It</a:t>
+              <a:t>You </a:t>
+            </a:r>
+            <a:r>
+              <a:rPr lang="en-US" sz="1800" dirty="0" smtClean="0">
+                <a:latin typeface="News Gothic Com Thin" panose="020B0204030503020204" pitchFamily="34" charset="0"/>
+                <a:cs typeface="News Gothic Com Thin" panose="020B0204030503020204" pitchFamily="34" charset="0"/>
+              </a:rPr>
+              <a:t>Aren't </a:t>
+            </a:r>
+            <a:r>
+              <a:rPr lang="en-US" sz="1800" dirty="0" err="1" smtClean="0">
+                <a:latin typeface="News Gothic Com Thin" panose="020B0204030503020204" pitchFamily="34" charset="0"/>
+                <a:cs typeface="News Gothic Com Thin" panose="020B0204030503020204" pitchFamily="34" charset="0"/>
+              </a:rPr>
+              <a:t>Gonna</a:t>
+            </a:r>
+            <a:r>
+              <a:rPr lang="en-US" sz="1800" dirty="0" smtClean="0">
+                <a:latin typeface="News Gothic Com Thin" panose="020B0204030503020204" pitchFamily="34" charset="0"/>
+                <a:cs typeface="News Gothic Com Thin" panose="020B0204030503020204" pitchFamily="34" charset="0"/>
+              </a:rPr>
+              <a:t> Need It</a:t>
             </a:r>
           </a:p>
           <a:p>
             <a:pPr eaLnBrk="1" hangingPunct="1"/>
-            <a:endParaRPr lang="en-US" sz="1800" smtClean="0">
+            <a:endParaRPr lang="en-US" sz="1800" dirty="0" smtClean="0">
               <a:latin typeface="News Gothic Com Thin" panose="020B0204030503020204" pitchFamily="34" charset="0"/>
               <a:cs typeface="News Gothic Com Thin" panose="020B0204030503020204" pitchFamily="34" charset="0"/>
             </a:endParaRPr>
@@ -13495,7 +13653,7 @@
           <a:p>
             <a:pPr eaLnBrk="1" hangingPunct="1"/>
             <a:r>
-              <a:rPr lang="en-US" sz="1800" smtClean="0">
+              <a:rPr lang="en-US" sz="1800" dirty="0" smtClean="0">
                 <a:latin typeface="News Gothic Com Thin" panose="020B0204030503020204" pitchFamily="34" charset="0"/>
                 <a:cs typeface="News Gothic Com Thin" panose="020B0204030503020204" pitchFamily="34" charset="0"/>
               </a:rPr>
@@ -13504,7 +13662,7 @@
           </a:p>
           <a:p>
             <a:pPr eaLnBrk="1" hangingPunct="1"/>
-            <a:endParaRPr lang="en-US" sz="1800" smtClean="0">
+            <a:endParaRPr lang="en-US" sz="1800" dirty="0" smtClean="0">
               <a:latin typeface="News Gothic Com Thin" panose="020B0204030503020204" pitchFamily="34" charset="0"/>
               <a:cs typeface="News Gothic Com Thin" panose="020B0204030503020204" pitchFamily="34" charset="0"/>
             </a:endParaRPr>
@@ -13512,7 +13670,7 @@
           <a:p>
             <a:pPr eaLnBrk="1" hangingPunct="1"/>
             <a:r>
-              <a:rPr lang="en-US" sz="1800" smtClean="0">
+              <a:rPr lang="en-US" sz="1800" dirty="0" smtClean="0">
                 <a:latin typeface="News Gothic Com Thin" panose="020B0204030503020204" pitchFamily="34" charset="0"/>
                 <a:cs typeface="News Gothic Com Thin" panose="020B0204030503020204" pitchFamily="34" charset="0"/>
               </a:rPr>
@@ -13521,7 +13679,7 @@
           </a:p>
           <a:p>
             <a:pPr eaLnBrk="1" hangingPunct="1"/>
-            <a:endParaRPr lang="en-US" sz="1800" smtClean="0">
+            <a:endParaRPr lang="en-US" sz="1800" dirty="0" smtClean="0">
               <a:latin typeface="News Gothic Com Thin" panose="020B0204030503020204" pitchFamily="34" charset="0"/>
               <a:cs typeface="News Gothic Com Thin" panose="020B0204030503020204" pitchFamily="34" charset="0"/>
             </a:endParaRPr>
@@ -13529,21 +13687,28 @@
           <a:p>
             <a:pPr eaLnBrk="1" hangingPunct="1"/>
             <a:r>
-              <a:rPr lang="en-US" sz="1800" smtClean="0">
+              <a:rPr lang="en-US" sz="1800" dirty="0" smtClean="0">
                 <a:latin typeface="News Gothic Com Thin" panose="020B0204030503020204" pitchFamily="34" charset="0"/>
                 <a:cs typeface="News Gothic Com Thin" panose="020B0204030503020204" pitchFamily="34" charset="0"/>
               </a:rPr>
-              <a:t>Don’t waste time building things you </a:t>
-            </a:r>
-            <a:r>
-              <a:rPr lang="en-US" sz="1800" i="1" smtClean="0">
+              <a:t>Don't </a:t>
+            </a:r>
+            <a:r>
+              <a:rPr lang="en-US" sz="1800" dirty="0" smtClean="0">
+                <a:latin typeface="News Gothic Com Thin" panose="020B0204030503020204" pitchFamily="34" charset="0"/>
+                <a:cs typeface="News Gothic Com Thin" panose="020B0204030503020204" pitchFamily="34" charset="0"/>
+              </a:rPr>
+              <a:t>waste time building things you </a:t>
+            </a:r>
+            <a:r>
+              <a:rPr lang="en-US" sz="1800" i="1" dirty="0" smtClean="0">
                 <a:latin typeface="News Gothic Com Thin" panose="020B0204030503020204" pitchFamily="34" charset="0"/>
                 <a:cs typeface="News Gothic Com Thin" panose="020B0204030503020204" pitchFamily="34" charset="0"/>
               </a:rPr>
               <a:t>might</a:t>
             </a:r>
             <a:r>
-              <a:rPr lang="en-US" sz="1800" smtClean="0">
+              <a:rPr lang="en-US" sz="1800" dirty="0" smtClean="0">
                 <a:latin typeface="News Gothic Com Thin" panose="020B0204030503020204" pitchFamily="34" charset="0"/>
                 <a:cs typeface="News Gothic Com Thin" panose="020B0204030503020204" pitchFamily="34" charset="0"/>
               </a:rPr>
@@ -13575,8 +13740,8 @@
         </p:blipFill>
         <p:spPr bwMode="auto">
           <a:xfrm>
-            <a:off x="5353050" y="1440656"/>
-            <a:ext cx="3333750" cy="2500313"/>
+            <a:off x="5143500" y="1143000"/>
+            <a:ext cx="4000500" cy="4000500"/>
           </a:xfrm>
           <a:prstGeom prst="rect">
             <a:avLst/>
@@ -13928,11 +14093,18 @@
           <a:p>
             <a:pPr eaLnBrk="1" hangingPunct="1"/>
             <a:r>
-              <a:rPr lang="en-US" smtClean="0">
+              <a:rPr lang="en-US" dirty="0" smtClean="0">
                 <a:latin typeface="News Gothic Com Thin" panose="020B0204030503020204" pitchFamily="34" charset="0"/>
                 <a:cs typeface="News Gothic Com Thin" panose="020B0204030503020204" pitchFamily="34" charset="0"/>
               </a:rPr>
-              <a:t>Don’t Repeat Yourself</a:t>
+              <a:t>Don't </a:t>
+            </a:r>
+            <a:r>
+              <a:rPr lang="en-US" dirty="0" smtClean="0">
+                <a:latin typeface="News Gothic Com Thin" panose="020B0204030503020204" pitchFamily="34" charset="0"/>
+                <a:cs typeface="News Gothic Com Thin" panose="020B0204030503020204" pitchFamily="34" charset="0"/>
+              </a:rPr>
+              <a:t>Repeat Yourself</a:t>
             </a:r>
           </a:p>
         </p:txBody>
@@ -14056,8 +14228,8 @@
         </p:blipFill>
         <p:spPr bwMode="auto">
           <a:xfrm>
-            <a:off x="5353050" y="1434703"/>
-            <a:ext cx="3333750" cy="2500313"/>
+            <a:off x="5138928" y="1138428"/>
+            <a:ext cx="4005072" cy="4005072"/>
           </a:xfrm>
           <a:prstGeom prst="rect">
             <a:avLst/>
@@ -14581,8 +14753,8 @@
         </p:blipFill>
         <p:spPr bwMode="auto">
           <a:xfrm>
-            <a:off x="5353050" y="1489472"/>
-            <a:ext cx="3333750" cy="2500313"/>
+            <a:off x="5143500" y="1143000"/>
+            <a:ext cx="4000500" cy="4000500"/>
           </a:xfrm>
           <a:prstGeom prst="rect">
             <a:avLst/>
@@ -15045,8 +15217,19 @@
                 <a:latin typeface="News Gothic Com Thin" panose="020B0204030503020204" pitchFamily="34" charset="0"/>
                 <a:cs typeface="News Gothic Com Thin" panose="020B0204030503020204" pitchFamily="34" charset="0"/>
               </a:rPr>
+              <a:t> </a:t>
+            </a:r>
+            <a:r>
+              <a:rPr lang="en-US" sz="1800" dirty="0" smtClean="0">
+                <a:latin typeface="News Gothic Com Thin" panose="020B0204030503020204" pitchFamily="34" charset="0"/>
+                <a:cs typeface="News Gothic Com Thin" panose="020B0204030503020204" pitchFamily="34" charset="0"/>
+              </a:rPr>
               <a:t> keyword</a:t>
             </a:r>
+            <a:endParaRPr lang="en-US" sz="1800" dirty="0" smtClean="0">
+              <a:latin typeface="News Gothic Com Thin" panose="020B0204030503020204" pitchFamily="34" charset="0"/>
+              <a:cs typeface="News Gothic Com Thin" panose="020B0204030503020204" pitchFamily="34" charset="0"/>
+            </a:endParaRPr>
           </a:p>
           <a:p>
             <a:pPr lvl="1" eaLnBrk="1" hangingPunct="1"/>
@@ -15055,8 +15238,26 @@
                 <a:latin typeface="News Gothic Com Thin" panose="020B0204030503020204" pitchFamily="34" charset="0"/>
                 <a:cs typeface="News Gothic Com Thin" panose="020B0204030503020204" pitchFamily="34" charset="0"/>
               </a:rPr>
-              <a:t>Remember, “new is glue”</a:t>
-            </a:r>
+              <a:t>Remember, "new </a:t>
+            </a:r>
+            <a:r>
+              <a:rPr lang="en-US" sz="1400" dirty="0" smtClean="0">
+                <a:latin typeface="News Gothic Com Thin" panose="020B0204030503020204" pitchFamily="34" charset="0"/>
+                <a:cs typeface="News Gothic Com Thin" panose="020B0204030503020204" pitchFamily="34" charset="0"/>
+              </a:rPr>
+              <a:t>is </a:t>
+            </a:r>
+            <a:r>
+              <a:rPr lang="en-US" sz="1400" dirty="0" smtClean="0">
+                <a:latin typeface="News Gothic Com Thin" panose="020B0204030503020204" pitchFamily="34" charset="0"/>
+                <a:cs typeface="News Gothic Com Thin" panose="020B0204030503020204" pitchFamily="34" charset="0"/>
+              </a:rPr>
+              <a:t>glue"</a:t>
+            </a:r>
+            <a:endParaRPr lang="en-US" sz="1400" dirty="0" smtClean="0">
+              <a:latin typeface="News Gothic Com Thin" panose="020B0204030503020204" pitchFamily="34" charset="0"/>
+              <a:cs typeface="News Gothic Com Thin" panose="020B0204030503020204" pitchFamily="34" charset="0"/>
+            </a:endParaRPr>
           </a:p>
         </p:txBody>
       </p:sp>

--- a/02-Principles.pptx
+++ b/02-Principles.pptx
@@ -5,10 +5,10 @@
     <p:sldMasterId id="2147484014" r:id="rId1"/>
   </p:sldMasterIdLst>
   <p:notesMasterIdLst>
-    <p:notesMasterId r:id="rId19"/>
+    <p:notesMasterId r:id="rId22"/>
   </p:notesMasterIdLst>
   <p:handoutMasterIdLst>
-    <p:handoutMasterId r:id="rId20"/>
+    <p:handoutMasterId r:id="rId23"/>
   </p:handoutMasterIdLst>
   <p:sldIdLst>
     <p:sldId id="261" r:id="rId2"/>
@@ -22,12 +22,15 @@
     <p:sldId id="270" r:id="rId10"/>
     <p:sldId id="271" r:id="rId11"/>
     <p:sldId id="272" r:id="rId12"/>
-    <p:sldId id="273" r:id="rId13"/>
-    <p:sldId id="274" r:id="rId14"/>
-    <p:sldId id="275" r:id="rId15"/>
-    <p:sldId id="276" r:id="rId16"/>
-    <p:sldId id="277" r:id="rId17"/>
-    <p:sldId id="278" r:id="rId18"/>
+    <p:sldId id="282" r:id="rId13"/>
+    <p:sldId id="273" r:id="rId14"/>
+    <p:sldId id="279" r:id="rId15"/>
+    <p:sldId id="274" r:id="rId16"/>
+    <p:sldId id="275" r:id="rId17"/>
+    <p:sldId id="276" r:id="rId18"/>
+    <p:sldId id="277" r:id="rId19"/>
+    <p:sldId id="278" r:id="rId20"/>
+    <p:sldId id="283" r:id="rId21"/>
   </p:sldIdLst>
   <p:sldSz cx="9144000" cy="5143500" type="screen16x9"/>
   <p:notesSz cx="6858000" cy="9144000"/>
@@ -158,7 +161,7 @@
   </p:defaultTextStyle>
   <p:extLst>
     <p:ext uri="{EFAFB233-063F-42B5-8137-9DF3F51BA10A}">
-      <p15:sldGuideLst xmlns:p15="http://schemas.microsoft.com/office/powerpoint/2012/main" xmlns="">
+      <p15:sldGuideLst xmlns="" xmlns:p15="http://schemas.microsoft.com/office/powerpoint/2012/main">
         <p15:guide id="1" orient="horz" pos="2160">
           <p15:clr>
             <a:srgbClr val="A4A3A4"/>
@@ -281,7 +284,7 @@
               <a:pPr>
                 <a:defRPr/>
               </a:pPr>
-              <a:t>1/3/2015</a:t>
+              <a:t>1/4/2015</a:t>
             </a:fld>
             <a:endParaRPr lang="en-US"/>
           </a:p>
@@ -495,7 +498,7 @@
               <a:pPr>
                 <a:defRPr/>
               </a:pPr>
-              <a:t>1/3/2015</a:t>
+              <a:t>1/4/2015</a:t>
             </a:fld>
             <a:endParaRPr lang="en-US"/>
           </a:p>
@@ -1178,50 +1181,50 @@
           <a:p>
             <a:pPr eaLnBrk="1" hangingPunct="1"/>
             <a:r>
-              <a:rPr lang="en-US" smtClean="0"/>
+              <a:rPr lang="en-US" dirty="0" smtClean="0"/>
               <a:t>Follow the “fool me once, shame on you, fool me twice, shame on me” rule.  Only apply OCP refactoring if module changes more than once.</a:t>
             </a:r>
           </a:p>
           <a:p>
             <a:pPr eaLnBrk="1" hangingPunct="1"/>
-            <a:endParaRPr lang="en-US" smtClean="0"/>
+            <a:endParaRPr lang="en-US" dirty="0" smtClean="0"/>
           </a:p>
           <a:p>
             <a:pPr eaLnBrk="1" hangingPunct="1"/>
             <a:r>
-              <a:rPr lang="en-US" smtClean="0"/>
+              <a:rPr lang="en-US" dirty="0" smtClean="0"/>
               <a:t>Remember, no design can be closed to all changes, and OCP adds complexity, so only address it when it is causing pain.</a:t>
             </a:r>
           </a:p>
           <a:p>
             <a:pPr eaLnBrk="1" hangingPunct="1"/>
-            <a:endParaRPr lang="en-US" smtClean="0"/>
+            <a:endParaRPr lang="en-US" dirty="0" smtClean="0"/>
           </a:p>
           <a:p>
             <a:pPr eaLnBrk="1" hangingPunct="1"/>
             <a:r>
-              <a:rPr lang="en-US" smtClean="0"/>
+              <a:rPr lang="en-US" dirty="0" smtClean="0"/>
               <a:t>Provide example of photo import app.</a:t>
             </a:r>
           </a:p>
           <a:p>
             <a:pPr eaLnBrk="1" hangingPunct="1"/>
-            <a:endParaRPr lang="en-US" smtClean="0"/>
+            <a:endParaRPr lang="en-US" dirty="0" smtClean="0"/>
           </a:p>
           <a:p>
             <a:pPr eaLnBrk="1" hangingPunct="1"/>
             <a:r>
-              <a:rPr lang="en-US" smtClean="0"/>
+              <a:rPr lang="en-US" dirty="0" smtClean="0"/>
               <a:t>DEMO</a:t>
             </a:r>
           </a:p>
           <a:p>
             <a:pPr eaLnBrk="1" hangingPunct="1"/>
-            <a:endParaRPr lang="en-US" smtClean="0"/>
+            <a:endParaRPr lang="en-US" dirty="0" smtClean="0"/>
           </a:p>
           <a:p>
             <a:pPr eaLnBrk="1" hangingPunct="1"/>
-            <a:endParaRPr lang="en-US" smtClean="0"/>
+            <a:endParaRPr lang="en-US" dirty="0" smtClean="0"/>
           </a:p>
         </p:txBody>
       </p:sp>
@@ -1412,42 +1415,19 @@
       </p:grpSpPr>
       <p:sp>
         <p:nvSpPr>
-          <p:cNvPr id="30722" name="Slide Image Placeholder 1"/>
+          <p:cNvPr id="2" name="Slide Image Placeholder 1"/>
           <p:cNvSpPr>
-            <a:spLocks noGrp="1" noRot="1" noChangeAspect="1" noTextEdit="1"/>
+            <a:spLocks noGrp="1" noRot="1" noChangeAspect="1"/>
           </p:cNvSpPr>
           <p:nvPr>
             <p:ph type="sldImg"/>
           </p:nvPr>
         </p:nvSpPr>
-        <p:spPr bwMode="auto">
-          <a:xfrm>
-            <a:off x="381000" y="685800"/>
-            <a:ext cx="6096000" cy="3429000"/>
-          </a:xfrm>
-          <a:noFill/>
-          <a:ln>
-            <a:solidFill>
-              <a:srgbClr val="000000"/>
-            </a:solidFill>
-            <a:miter lim="800000"/>
-            <a:headEnd/>
-            <a:tailEnd/>
-          </a:ln>
-          <a:extLst>
-            <a:ext uri="{909E8E84-426E-40DD-AFC4-6F175D3DCCD1}">
-              <a14:hiddenFill xmlns:a14="http://schemas.microsoft.com/office/drawing/2010/main">
-                <a:solidFill>
-                  <a:srgbClr val="FFFFFF"/>
-                </a:solidFill>
-              </a14:hiddenFill>
-            </a:ext>
-          </a:extLst>
-        </p:spPr>
-      </p:sp>
-      <p:sp>
-        <p:nvSpPr>
-          <p:cNvPr id="30723" name="Notes Placeholder 2"/>
+        <p:spPr/>
+      </p:sp>
+      <p:sp>
+        <p:nvSpPr>
+          <p:cNvPr id="3" name="Notes Placeholder 2"/>
           <p:cNvSpPr>
             <a:spLocks noGrp="1"/>
           </p:cNvSpPr>
@@ -1455,211 +1435,69 @@
             <p:ph type="body" idx="1"/>
           </p:nvPr>
         </p:nvSpPr>
-        <p:spPr bwMode="auto">
-          <a:noFill/>
-          <a:extLst>
-            <a:ext uri="{909E8E84-426E-40DD-AFC4-6F175D3DCCD1}">
-              <a14:hiddenFill xmlns:a14="http://schemas.microsoft.com/office/drawing/2010/main">
-                <a:solidFill>
-                  <a:srgbClr val="FFFFFF"/>
-                </a:solidFill>
-              </a14:hiddenFill>
-            </a:ext>
-            <a:ext uri="{91240B29-F687-4F45-9708-019B960494DF}">
-              <a14:hiddenLine xmlns:a14="http://schemas.microsoft.com/office/drawing/2010/main" w="9525">
-                <a:solidFill>
-                  <a:srgbClr val="000000"/>
-                </a:solidFill>
-                <a:miter lim="800000"/>
-                <a:headEnd/>
-                <a:tailEnd/>
-              </a14:hiddenLine>
-            </a:ext>
-          </a:extLst>
-        </p:spPr>
+        <p:spPr/>
         <p:txBody>
-          <a:bodyPr wrap="square" numCol="1" anchor="t" anchorCtr="0" compatLnSpc="1">
-            <a:prstTxWarp prst="textNoShape">
-              <a:avLst/>
-            </a:prstTxWarp>
-          </a:bodyPr>
+          <a:bodyPr/>
           <a:lstStyle/>
           <a:p>
-            <a:pPr eaLnBrk="1" hangingPunct="1"/>
-            <a:r>
-              <a:rPr lang="en-US" smtClean="0"/>
-              <a:t>Example: square vs. rectangle</a:t>
-            </a:r>
-          </a:p>
-          <a:p>
-            <a:pPr eaLnBrk="1" hangingPunct="1"/>
-            <a:endParaRPr lang="en-US" smtClean="0"/>
-          </a:p>
-          <a:p>
-            <a:pPr eaLnBrk="1" hangingPunct="1"/>
-            <a:endParaRPr lang="en-US" smtClean="0"/>
+            <a:r>
+              <a:rPr lang="en-US" dirty="0" smtClean="0"/>
+              <a:t>In</a:t>
+            </a:r>
+            <a:r>
+              <a:rPr lang="en-US" baseline="0" dirty="0" smtClean="0"/>
+              <a:t> first example, adding a chart type risks breaking other chart types.</a:t>
+            </a:r>
+          </a:p>
+          <a:p>
+            <a:endParaRPr lang="en-US" dirty="0" smtClean="0"/>
+          </a:p>
+          <a:p>
+            <a:r>
+              <a:rPr lang="en-US" dirty="0" smtClean="0"/>
+              <a:t>Could</a:t>
+            </a:r>
+            <a:r>
+              <a:rPr lang="en-US" baseline="0" dirty="0" smtClean="0"/>
+              <a:t> also use strategy pattern.</a:t>
+            </a:r>
+            <a:endParaRPr lang="en-US" dirty="0"/>
           </a:p>
         </p:txBody>
       </p:sp>
       <p:sp>
         <p:nvSpPr>
-          <p:cNvPr id="30724" name="Slide Number Placeholder 3"/>
+          <p:cNvPr id="4" name="Slide Number Placeholder 3"/>
           <p:cNvSpPr>
             <a:spLocks noGrp="1"/>
           </p:cNvSpPr>
           <p:nvPr>
-            <p:ph type="sldNum" sz="quarter" idx="5"/>
+            <p:ph type="sldNum" sz="quarter" idx="10"/>
           </p:nvPr>
         </p:nvSpPr>
-        <p:spPr bwMode="auto">
-          <a:noFill/>
-          <a:extLst>
-            <a:ext uri="{909E8E84-426E-40DD-AFC4-6F175D3DCCD1}">
-              <a14:hiddenFill xmlns:a14="http://schemas.microsoft.com/office/drawing/2010/main">
-                <a:solidFill>
-                  <a:srgbClr val="FFFFFF"/>
-                </a:solidFill>
-              </a14:hiddenFill>
-            </a:ext>
-            <a:ext uri="{91240B29-F687-4F45-9708-019B960494DF}">
-              <a14:hiddenLine xmlns:a14="http://schemas.microsoft.com/office/drawing/2010/main" w="9525">
-                <a:solidFill>
-                  <a:srgbClr val="000000"/>
-                </a:solidFill>
-                <a:miter lim="800000"/>
-                <a:headEnd/>
-                <a:tailEnd/>
-              </a14:hiddenLine>
-            </a:ext>
-          </a:extLst>
-        </p:spPr>
+        <p:spPr/>
         <p:txBody>
           <a:bodyPr/>
-          <a:lstStyle>
-            <a:lvl1pPr>
-              <a:defRPr>
-                <a:solidFill>
-                  <a:schemeClr val="tx1"/>
-                </a:solidFill>
-                <a:latin typeface="News Gothic MT" charset="0"/>
-                <a:ea typeface="MS PGothic" panose="020B0600070205080204" pitchFamily="34" charset="-128"/>
-              </a:defRPr>
-            </a:lvl1pPr>
-            <a:lvl2pPr marL="742950" indent="-285750">
-              <a:defRPr>
-                <a:solidFill>
-                  <a:schemeClr val="tx1"/>
-                </a:solidFill>
-                <a:latin typeface="News Gothic MT" charset="0"/>
-                <a:ea typeface="MS PGothic" panose="020B0600070205080204" pitchFamily="34" charset="-128"/>
-              </a:defRPr>
-            </a:lvl2pPr>
-            <a:lvl3pPr marL="1143000" indent="-228600">
-              <a:defRPr>
-                <a:solidFill>
-                  <a:schemeClr val="tx1"/>
-                </a:solidFill>
-                <a:latin typeface="News Gothic MT" charset="0"/>
-                <a:ea typeface="MS PGothic" panose="020B0600070205080204" pitchFamily="34" charset="-128"/>
-              </a:defRPr>
-            </a:lvl3pPr>
-            <a:lvl4pPr marL="1600200" indent="-228600">
-              <a:defRPr>
-                <a:solidFill>
-                  <a:schemeClr val="tx1"/>
-                </a:solidFill>
-                <a:latin typeface="News Gothic MT" charset="0"/>
-                <a:ea typeface="MS PGothic" panose="020B0600070205080204" pitchFamily="34" charset="-128"/>
-              </a:defRPr>
-            </a:lvl4pPr>
-            <a:lvl5pPr marL="2057400" indent="-228600">
-              <a:defRPr>
-                <a:solidFill>
-                  <a:schemeClr val="tx1"/>
-                </a:solidFill>
-                <a:latin typeface="News Gothic MT" charset="0"/>
-                <a:ea typeface="MS PGothic" panose="020B0600070205080204" pitchFamily="34" charset="-128"/>
-              </a:defRPr>
-            </a:lvl5pPr>
-            <a:lvl6pPr marL="2514600" indent="-228600" defTabSz="457200" eaLnBrk="0" fontAlgn="base" hangingPunct="0">
-              <a:spcBef>
-                <a:spcPct val="0"/>
-              </a:spcBef>
-              <a:spcAft>
-                <a:spcPct val="0"/>
-              </a:spcAft>
-              <a:defRPr>
-                <a:solidFill>
-                  <a:schemeClr val="tx1"/>
-                </a:solidFill>
-                <a:latin typeface="News Gothic MT" charset="0"/>
-                <a:ea typeface="MS PGothic" panose="020B0600070205080204" pitchFamily="34" charset="-128"/>
-              </a:defRPr>
-            </a:lvl6pPr>
-            <a:lvl7pPr marL="2971800" indent="-228600" defTabSz="457200" eaLnBrk="0" fontAlgn="base" hangingPunct="0">
-              <a:spcBef>
-                <a:spcPct val="0"/>
-              </a:spcBef>
-              <a:spcAft>
-                <a:spcPct val="0"/>
-              </a:spcAft>
-              <a:defRPr>
-                <a:solidFill>
-                  <a:schemeClr val="tx1"/>
-                </a:solidFill>
-                <a:latin typeface="News Gothic MT" charset="0"/>
-                <a:ea typeface="MS PGothic" panose="020B0600070205080204" pitchFamily="34" charset="-128"/>
-              </a:defRPr>
-            </a:lvl7pPr>
-            <a:lvl8pPr marL="3429000" indent="-228600" defTabSz="457200" eaLnBrk="0" fontAlgn="base" hangingPunct="0">
-              <a:spcBef>
-                <a:spcPct val="0"/>
-              </a:spcBef>
-              <a:spcAft>
-                <a:spcPct val="0"/>
-              </a:spcAft>
-              <a:defRPr>
-                <a:solidFill>
-                  <a:schemeClr val="tx1"/>
-                </a:solidFill>
-                <a:latin typeface="News Gothic MT" charset="0"/>
-                <a:ea typeface="MS PGothic" panose="020B0600070205080204" pitchFamily="34" charset="-128"/>
-              </a:defRPr>
-            </a:lvl8pPr>
-            <a:lvl9pPr marL="3886200" indent="-228600" defTabSz="457200" eaLnBrk="0" fontAlgn="base" hangingPunct="0">
-              <a:spcBef>
-                <a:spcPct val="0"/>
-              </a:spcBef>
-              <a:spcAft>
-                <a:spcPct val="0"/>
-              </a:spcAft>
-              <a:defRPr>
-                <a:solidFill>
-                  <a:schemeClr val="tx1"/>
-                </a:solidFill>
-                <a:latin typeface="News Gothic MT" charset="0"/>
-                <a:ea typeface="MS PGothic" panose="020B0600070205080204" pitchFamily="34" charset="-128"/>
-              </a:defRPr>
-            </a:lvl9pPr>
-          </a:lstStyle>
-          <a:p>
-            <a:fld id="{2F71D2F4-D005-4FAC-88BF-49B4826CAE45}" type="slidenum">
-              <a:rPr lang="en-US">
-                <a:latin typeface="Calibri" panose="020F0502020204030204" pitchFamily="34" charset="0"/>
-              </a:rPr>
-              <a:pPr/>
+          <a:lstStyle/>
+          <a:p>
+            <a:pPr>
+              <a:defRPr/>
+            </a:pPr>
+            <a:fld id="{79FAF046-FF05-4328-BB1F-CE52295BC424}" type="slidenum">
+              <a:rPr lang="en-US" smtClean="0"/>
+              <a:pPr>
+                <a:defRPr/>
+              </a:pPr>
               <a:t>12</a:t>
             </a:fld>
-            <a:endParaRPr lang="en-US">
-              <a:latin typeface="Calibri" panose="020F0502020204030204" pitchFamily="34" charset="0"/>
-            </a:endParaRPr>
+            <a:endParaRPr lang="en-US"/>
           </a:p>
         </p:txBody>
       </p:sp>
     </p:spTree>
     <p:extLst>
       <p:ext uri="{BB962C8B-B14F-4D97-AF65-F5344CB8AC3E}">
-        <p14:creationId xmlns:p14="http://schemas.microsoft.com/office/powerpoint/2010/main" val="224554418"/>
+        <p14:creationId xmlns:p14="http://schemas.microsoft.com/office/powerpoint/2010/main" val="2329613927"/>
       </p:ext>
     </p:extLst>
   </p:cSld>
@@ -1688,7 +1526,7 @@
       </p:grpSpPr>
       <p:sp>
         <p:nvSpPr>
-          <p:cNvPr id="32770" name="Slide Image Placeholder 1"/>
+          <p:cNvPr id="30722" name="Slide Image Placeholder 1"/>
           <p:cNvSpPr>
             <a:spLocks noGrp="1" noRot="1" noChangeAspect="1" noTextEdit="1"/>
           </p:cNvSpPr>
@@ -1723,7 +1561,7 @@
       </p:sp>
       <p:sp>
         <p:nvSpPr>
-          <p:cNvPr id="32771" name="Notes Placeholder 2"/>
+          <p:cNvPr id="30723" name="Notes Placeholder 2"/>
           <p:cNvSpPr>
             <a:spLocks noGrp="1"/>
           </p:cNvSpPr>
@@ -1764,7 +1602,7 @@
             <a:pPr eaLnBrk="1" hangingPunct="1"/>
             <a:r>
               <a:rPr lang="en-US" smtClean="0"/>
-              <a:t>Example: Breaking up a fat interface into smaller ones</a:t>
+              <a:t>Example: square vs. rectangle</a:t>
             </a:r>
           </a:p>
           <a:p>
@@ -1779,7 +1617,7 @@
       </p:sp>
       <p:sp>
         <p:nvSpPr>
-          <p:cNvPr id="32772" name="Slide Number Placeholder 3"/>
+          <p:cNvPr id="30724" name="Slide Number Placeholder 3"/>
           <p:cNvSpPr>
             <a:spLocks noGrp="1"/>
           </p:cNvSpPr>
@@ -1919,7 +1757,7 @@
             </a:lvl9pPr>
           </a:lstStyle>
           <a:p>
-            <a:fld id="{EDE644DD-799B-4055-BC1A-9FCA694A9877}" type="slidenum">
+            <a:fld id="{2F71D2F4-D005-4FAC-88BF-49B4826CAE45}" type="slidenum">
               <a:rPr lang="en-US">
                 <a:latin typeface="Calibri" panose="020F0502020204030204" pitchFamily="34" charset="0"/>
               </a:rPr>
@@ -1935,7 +1773,7 @@
     </p:spTree>
     <p:extLst>
       <p:ext uri="{BB962C8B-B14F-4D97-AF65-F5344CB8AC3E}">
-        <p14:creationId xmlns:p14="http://schemas.microsoft.com/office/powerpoint/2010/main" val="3858722598"/>
+        <p14:creationId xmlns:p14="http://schemas.microsoft.com/office/powerpoint/2010/main" val="224554418"/>
       </p:ext>
     </p:extLst>
   </p:cSld>
@@ -1964,42 +1802,19 @@
       </p:grpSpPr>
       <p:sp>
         <p:nvSpPr>
-          <p:cNvPr id="34818" name="Slide Image Placeholder 1"/>
+          <p:cNvPr id="2" name="Slide Image Placeholder 1"/>
           <p:cNvSpPr>
-            <a:spLocks noGrp="1" noRot="1" noChangeAspect="1" noTextEdit="1"/>
+            <a:spLocks noGrp="1" noRot="1" noChangeAspect="1"/>
           </p:cNvSpPr>
           <p:nvPr>
             <p:ph type="sldImg"/>
           </p:nvPr>
         </p:nvSpPr>
-        <p:spPr bwMode="auto">
-          <a:xfrm>
-            <a:off x="381000" y="685800"/>
-            <a:ext cx="6096000" cy="3429000"/>
-          </a:xfrm>
-          <a:noFill/>
-          <a:ln>
-            <a:solidFill>
-              <a:srgbClr val="000000"/>
-            </a:solidFill>
-            <a:miter lim="800000"/>
-            <a:headEnd/>
-            <a:tailEnd/>
-          </a:ln>
-          <a:extLst>
-            <a:ext uri="{909E8E84-426E-40DD-AFC4-6F175D3DCCD1}">
-              <a14:hiddenFill xmlns:a14="http://schemas.microsoft.com/office/drawing/2010/main">
-                <a:solidFill>
-                  <a:srgbClr val="FFFFFF"/>
-                </a:solidFill>
-              </a14:hiddenFill>
-            </a:ext>
-          </a:extLst>
-        </p:spPr>
-      </p:sp>
-      <p:sp>
-        <p:nvSpPr>
-          <p:cNvPr id="34819" name="Notes Placeholder 2"/>
+        <p:spPr/>
+      </p:sp>
+      <p:sp>
+        <p:nvSpPr>
+          <p:cNvPr id="3" name="Notes Placeholder 2"/>
           <p:cNvSpPr>
             <a:spLocks noGrp="1"/>
           </p:cNvSpPr>
@@ -2007,218 +1822,81 @@
             <p:ph type="body" idx="1"/>
           </p:nvPr>
         </p:nvSpPr>
-        <p:spPr bwMode="auto">
-          <a:noFill/>
-          <a:extLst>
-            <a:ext uri="{909E8E84-426E-40DD-AFC4-6F175D3DCCD1}">
-              <a14:hiddenFill xmlns:a14="http://schemas.microsoft.com/office/drawing/2010/main">
-                <a:solidFill>
-                  <a:srgbClr val="FFFFFF"/>
-                </a:solidFill>
-              </a14:hiddenFill>
-            </a:ext>
-            <a:ext uri="{91240B29-F687-4F45-9708-019B960494DF}">
-              <a14:hiddenLine xmlns:a14="http://schemas.microsoft.com/office/drawing/2010/main" w="9525">
-                <a:solidFill>
-                  <a:srgbClr val="000000"/>
-                </a:solidFill>
-                <a:miter lim="800000"/>
-                <a:headEnd/>
-                <a:tailEnd/>
-              </a14:hiddenLine>
-            </a:ext>
-          </a:extLst>
-        </p:spPr>
+        <p:spPr/>
         <p:txBody>
-          <a:bodyPr wrap="square" numCol="1" anchor="t" anchorCtr="0" compatLnSpc="1">
-            <a:prstTxWarp prst="textNoShape">
-              <a:avLst/>
-            </a:prstTxWarp>
-          </a:bodyPr>
+          <a:bodyPr/>
           <a:lstStyle/>
           <a:p>
-            <a:pPr eaLnBrk="1" hangingPunct="1"/>
-            <a:r>
-              <a:rPr lang="en-US" smtClean="0"/>
-              <a:t>Discuss N-Tier vs. Ports and Adapters / Onion architecture.</a:t>
-            </a:r>
-          </a:p>
-          <a:p>
-            <a:pPr eaLnBrk="1" hangingPunct="1"/>
-            <a:endParaRPr lang="en-US" smtClean="0"/>
-          </a:p>
-          <a:p>
-            <a:pPr eaLnBrk="1" hangingPunct="1"/>
-            <a:r>
-              <a:rPr lang="en-US" smtClean="0"/>
-              <a:t>Discuss event-based programming.</a:t>
-            </a:r>
-          </a:p>
-          <a:p>
-            <a:pPr eaLnBrk="1" hangingPunct="1"/>
-            <a:endParaRPr lang="en-US" smtClean="0"/>
+            <a:r>
+              <a:rPr lang="en-US" dirty="0" smtClean="0"/>
+              <a:t>This is good separation of concerns, but violates </a:t>
+            </a:r>
+            <a:r>
+              <a:rPr lang="en-US" dirty="0" err="1" smtClean="0"/>
+              <a:t>Liskov’s</a:t>
+            </a:r>
+            <a:r>
+              <a:rPr lang="en-US" dirty="0" smtClean="0"/>
+              <a:t> substitution</a:t>
+            </a:r>
+            <a:r>
+              <a:rPr lang="en-US" baseline="0" dirty="0" smtClean="0"/>
+              <a:t> because the </a:t>
+            </a:r>
+            <a:r>
+              <a:rPr lang="en-US" baseline="0" dirty="0" err="1" smtClean="0"/>
+              <a:t>IDataParsers</a:t>
+            </a:r>
+            <a:r>
+              <a:rPr lang="en-US" baseline="0" dirty="0" smtClean="0"/>
+              <a:t> aren’t interchangeable.</a:t>
+            </a:r>
+          </a:p>
+          <a:p>
+            <a:endParaRPr lang="en-US" baseline="0" dirty="0" smtClean="0"/>
+          </a:p>
+          <a:p>
+            <a:r>
+              <a:rPr lang="en-US" baseline="0" dirty="0" smtClean="0"/>
+              <a:t>More frequently violated in dynamic languages.</a:t>
+            </a:r>
+            <a:endParaRPr lang="en-US" dirty="0"/>
           </a:p>
         </p:txBody>
       </p:sp>
       <p:sp>
         <p:nvSpPr>
-          <p:cNvPr id="34820" name="Slide Number Placeholder 3"/>
+          <p:cNvPr id="4" name="Slide Number Placeholder 3"/>
           <p:cNvSpPr>
             <a:spLocks noGrp="1"/>
           </p:cNvSpPr>
           <p:nvPr>
-            <p:ph type="sldNum" sz="quarter" idx="5"/>
+            <p:ph type="sldNum" sz="quarter" idx="10"/>
           </p:nvPr>
         </p:nvSpPr>
-        <p:spPr bwMode="auto">
-          <a:noFill/>
-          <a:extLst>
-            <a:ext uri="{909E8E84-426E-40DD-AFC4-6F175D3DCCD1}">
-              <a14:hiddenFill xmlns:a14="http://schemas.microsoft.com/office/drawing/2010/main">
-                <a:solidFill>
-                  <a:srgbClr val="FFFFFF"/>
-                </a:solidFill>
-              </a14:hiddenFill>
-            </a:ext>
-            <a:ext uri="{91240B29-F687-4F45-9708-019B960494DF}">
-              <a14:hiddenLine xmlns:a14="http://schemas.microsoft.com/office/drawing/2010/main" w="9525">
-                <a:solidFill>
-                  <a:srgbClr val="000000"/>
-                </a:solidFill>
-                <a:miter lim="800000"/>
-                <a:headEnd/>
-                <a:tailEnd/>
-              </a14:hiddenLine>
-            </a:ext>
-          </a:extLst>
-        </p:spPr>
+        <p:spPr/>
         <p:txBody>
           <a:bodyPr/>
-          <a:lstStyle>
-            <a:lvl1pPr>
-              <a:defRPr>
-                <a:solidFill>
-                  <a:schemeClr val="tx1"/>
-                </a:solidFill>
-                <a:latin typeface="News Gothic MT" charset="0"/>
-                <a:ea typeface="MS PGothic" panose="020B0600070205080204" pitchFamily="34" charset="-128"/>
-              </a:defRPr>
-            </a:lvl1pPr>
-            <a:lvl2pPr marL="742950" indent="-285750">
-              <a:defRPr>
-                <a:solidFill>
-                  <a:schemeClr val="tx1"/>
-                </a:solidFill>
-                <a:latin typeface="News Gothic MT" charset="0"/>
-                <a:ea typeface="MS PGothic" panose="020B0600070205080204" pitchFamily="34" charset="-128"/>
-              </a:defRPr>
-            </a:lvl2pPr>
-            <a:lvl3pPr marL="1143000" indent="-228600">
-              <a:defRPr>
-                <a:solidFill>
-                  <a:schemeClr val="tx1"/>
-                </a:solidFill>
-                <a:latin typeface="News Gothic MT" charset="0"/>
-                <a:ea typeface="MS PGothic" panose="020B0600070205080204" pitchFamily="34" charset="-128"/>
-              </a:defRPr>
-            </a:lvl3pPr>
-            <a:lvl4pPr marL="1600200" indent="-228600">
-              <a:defRPr>
-                <a:solidFill>
-                  <a:schemeClr val="tx1"/>
-                </a:solidFill>
-                <a:latin typeface="News Gothic MT" charset="0"/>
-                <a:ea typeface="MS PGothic" panose="020B0600070205080204" pitchFamily="34" charset="-128"/>
-              </a:defRPr>
-            </a:lvl4pPr>
-            <a:lvl5pPr marL="2057400" indent="-228600">
-              <a:defRPr>
-                <a:solidFill>
-                  <a:schemeClr val="tx1"/>
-                </a:solidFill>
-                <a:latin typeface="News Gothic MT" charset="0"/>
-                <a:ea typeface="MS PGothic" panose="020B0600070205080204" pitchFamily="34" charset="-128"/>
-              </a:defRPr>
-            </a:lvl5pPr>
-            <a:lvl6pPr marL="2514600" indent="-228600" defTabSz="457200" eaLnBrk="0" fontAlgn="base" hangingPunct="0">
-              <a:spcBef>
-                <a:spcPct val="0"/>
-              </a:spcBef>
-              <a:spcAft>
-                <a:spcPct val="0"/>
-              </a:spcAft>
-              <a:defRPr>
-                <a:solidFill>
-                  <a:schemeClr val="tx1"/>
-                </a:solidFill>
-                <a:latin typeface="News Gothic MT" charset="0"/>
-                <a:ea typeface="MS PGothic" panose="020B0600070205080204" pitchFamily="34" charset="-128"/>
-              </a:defRPr>
-            </a:lvl6pPr>
-            <a:lvl7pPr marL="2971800" indent="-228600" defTabSz="457200" eaLnBrk="0" fontAlgn="base" hangingPunct="0">
-              <a:spcBef>
-                <a:spcPct val="0"/>
-              </a:spcBef>
-              <a:spcAft>
-                <a:spcPct val="0"/>
-              </a:spcAft>
-              <a:defRPr>
-                <a:solidFill>
-                  <a:schemeClr val="tx1"/>
-                </a:solidFill>
-                <a:latin typeface="News Gothic MT" charset="0"/>
-                <a:ea typeface="MS PGothic" panose="020B0600070205080204" pitchFamily="34" charset="-128"/>
-              </a:defRPr>
-            </a:lvl7pPr>
-            <a:lvl8pPr marL="3429000" indent="-228600" defTabSz="457200" eaLnBrk="0" fontAlgn="base" hangingPunct="0">
-              <a:spcBef>
-                <a:spcPct val="0"/>
-              </a:spcBef>
-              <a:spcAft>
-                <a:spcPct val="0"/>
-              </a:spcAft>
-              <a:defRPr>
-                <a:solidFill>
-                  <a:schemeClr val="tx1"/>
-                </a:solidFill>
-                <a:latin typeface="News Gothic MT" charset="0"/>
-                <a:ea typeface="MS PGothic" panose="020B0600070205080204" pitchFamily="34" charset="-128"/>
-              </a:defRPr>
-            </a:lvl8pPr>
-            <a:lvl9pPr marL="3886200" indent="-228600" defTabSz="457200" eaLnBrk="0" fontAlgn="base" hangingPunct="0">
-              <a:spcBef>
-                <a:spcPct val="0"/>
-              </a:spcBef>
-              <a:spcAft>
-                <a:spcPct val="0"/>
-              </a:spcAft>
-              <a:defRPr>
-                <a:solidFill>
-                  <a:schemeClr val="tx1"/>
-                </a:solidFill>
-                <a:latin typeface="News Gothic MT" charset="0"/>
-                <a:ea typeface="MS PGothic" panose="020B0600070205080204" pitchFamily="34" charset="-128"/>
-              </a:defRPr>
-            </a:lvl9pPr>
-          </a:lstStyle>
-          <a:p>
-            <a:fld id="{8A6B111B-0D81-4896-B48B-78C89BAF5CBF}" type="slidenum">
-              <a:rPr lang="en-US">
-                <a:latin typeface="Calibri" panose="020F0502020204030204" pitchFamily="34" charset="0"/>
-              </a:rPr>
-              <a:pPr/>
+          <a:lstStyle/>
+          <a:p>
+            <a:pPr>
+              <a:defRPr/>
+            </a:pPr>
+            <a:fld id="{79FAF046-FF05-4328-BB1F-CE52295BC424}" type="slidenum">
+              <a:rPr lang="en-US" smtClean="0"/>
+              <a:pPr>
+                <a:defRPr/>
+              </a:pPr>
               <a:t>14</a:t>
             </a:fld>
-            <a:endParaRPr lang="en-US">
-              <a:latin typeface="Calibri" panose="020F0502020204030204" pitchFamily="34" charset="0"/>
-            </a:endParaRPr>
+            <a:endParaRPr lang="en-US"/>
           </a:p>
         </p:txBody>
       </p:sp>
     </p:spTree>
     <p:extLst>
       <p:ext uri="{BB962C8B-B14F-4D97-AF65-F5344CB8AC3E}">
-        <p14:creationId xmlns:p14="http://schemas.microsoft.com/office/powerpoint/2010/main" val="2712361304"/>
+        <p14:creationId xmlns:p14="http://schemas.microsoft.com/office/powerpoint/2010/main" val="307305691"/>
       </p:ext>
     </p:extLst>
   </p:cSld>
@@ -2247,7 +1925,7 @@
       </p:grpSpPr>
       <p:sp>
         <p:nvSpPr>
-          <p:cNvPr id="36866" name="Slide Image Placeholder 1"/>
+          <p:cNvPr id="32770" name="Slide Image Placeholder 1"/>
           <p:cNvSpPr>
             <a:spLocks noGrp="1" noRot="1" noChangeAspect="1" noTextEdit="1"/>
           </p:cNvSpPr>
@@ -2282,7 +1960,7 @@
       </p:sp>
       <p:sp>
         <p:nvSpPr>
-          <p:cNvPr id="36867" name="Notes Placeholder 2"/>
+          <p:cNvPr id="32771" name="Notes Placeholder 2"/>
           <p:cNvSpPr>
             <a:spLocks noGrp="1"/>
           </p:cNvSpPr>
@@ -2321,13 +1999,28 @@
           <a:lstStyle/>
           <a:p>
             <a:pPr eaLnBrk="1" hangingPunct="1"/>
-            <a:endParaRPr lang="en-US" smtClean="0"/>
+            <a:r>
+              <a:rPr lang="en-US" dirty="0" smtClean="0"/>
+              <a:t>Example: Breaking up a fat interface into smaller ones</a:t>
+            </a:r>
+          </a:p>
+          <a:p>
+            <a:pPr eaLnBrk="1" hangingPunct="1"/>
+            <a:endParaRPr lang="en-US" dirty="0" smtClean="0"/>
+          </a:p>
+          <a:p>
+            <a:pPr eaLnBrk="1" hangingPunct="1"/>
+            <a:r>
+              <a:rPr lang="en-US" dirty="0" smtClean="0"/>
+              <a:t>Interfaces that break “Single Responsibility”</a:t>
+            </a:r>
+            <a:endParaRPr lang="en-US" dirty="0" smtClean="0"/>
           </a:p>
         </p:txBody>
       </p:sp>
       <p:sp>
         <p:nvSpPr>
-          <p:cNvPr id="36868" name="Slide Number Placeholder 3"/>
+          <p:cNvPr id="32772" name="Slide Number Placeholder 3"/>
           <p:cNvSpPr>
             <a:spLocks noGrp="1"/>
           </p:cNvSpPr>
@@ -2467,7 +2160,7 @@
             </a:lvl9pPr>
           </a:lstStyle>
           <a:p>
-            <a:fld id="{6A127C57-0E73-413D-9A8C-537F861606EE}" type="slidenum">
+            <a:fld id="{EDE644DD-799B-4055-BC1A-9FCA694A9877}" type="slidenum">
               <a:rPr lang="en-US">
                 <a:latin typeface="Calibri" panose="020F0502020204030204" pitchFamily="34" charset="0"/>
               </a:rPr>
@@ -2483,7 +2176,7 @@
     </p:spTree>
     <p:extLst>
       <p:ext uri="{BB962C8B-B14F-4D97-AF65-F5344CB8AC3E}">
-        <p14:creationId xmlns:p14="http://schemas.microsoft.com/office/powerpoint/2010/main" val="1486138629"/>
+        <p14:creationId xmlns:p14="http://schemas.microsoft.com/office/powerpoint/2010/main" val="3858722598"/>
       </p:ext>
     </p:extLst>
   </p:cSld>
@@ -2512,7 +2205,7 @@
       </p:grpSpPr>
       <p:sp>
         <p:nvSpPr>
-          <p:cNvPr id="39938" name="Slide Image Placeholder 1"/>
+          <p:cNvPr id="34818" name="Slide Image Placeholder 1"/>
           <p:cNvSpPr>
             <a:spLocks noGrp="1" noRot="1" noChangeAspect="1" noTextEdit="1"/>
           </p:cNvSpPr>
@@ -2547,7 +2240,7 @@
       </p:sp>
       <p:sp>
         <p:nvSpPr>
-          <p:cNvPr id="39939" name="Notes Placeholder 2"/>
+          <p:cNvPr id="34819" name="Notes Placeholder 2"/>
           <p:cNvSpPr>
             <a:spLocks noGrp="1"/>
           </p:cNvSpPr>
@@ -2586,13 +2279,46 @@
           <a:lstStyle/>
           <a:p>
             <a:pPr eaLnBrk="1" hangingPunct="1"/>
-            <a:endParaRPr lang="en-US" smtClean="0"/>
+            <a:r>
+              <a:rPr lang="en-US" dirty="0" smtClean="0"/>
+              <a:t>“New is Glue”</a:t>
+            </a:r>
+          </a:p>
+          <a:p>
+            <a:pPr eaLnBrk="1" hangingPunct="1"/>
+            <a:endParaRPr lang="en-US" dirty="0" smtClean="0"/>
+          </a:p>
+          <a:p>
+            <a:pPr eaLnBrk="1" hangingPunct="1"/>
+            <a:r>
+              <a:rPr lang="en-US" dirty="0" smtClean="0"/>
+              <a:t>Discuss </a:t>
+            </a:r>
+            <a:r>
+              <a:rPr lang="en-US" dirty="0" smtClean="0"/>
+              <a:t>N-Tier vs. Ports and Adapters / Onion architecture.</a:t>
+            </a:r>
+          </a:p>
+          <a:p>
+            <a:pPr eaLnBrk="1" hangingPunct="1"/>
+            <a:endParaRPr lang="en-US" dirty="0" smtClean="0"/>
+          </a:p>
+          <a:p>
+            <a:pPr eaLnBrk="1" hangingPunct="1"/>
+            <a:r>
+              <a:rPr lang="en-US" dirty="0" smtClean="0"/>
+              <a:t>Discuss event-based programming.</a:t>
+            </a:r>
+          </a:p>
+          <a:p>
+            <a:pPr eaLnBrk="1" hangingPunct="1"/>
+            <a:endParaRPr lang="en-US" dirty="0" smtClean="0"/>
           </a:p>
         </p:txBody>
       </p:sp>
       <p:sp>
         <p:nvSpPr>
-          <p:cNvPr id="39940" name="Slide Number Placeholder 3"/>
+          <p:cNvPr id="34820" name="Slide Number Placeholder 3"/>
           <p:cNvSpPr>
             <a:spLocks noGrp="1"/>
           </p:cNvSpPr>
@@ -2732,15 +2458,639 @@
             </a:lvl9pPr>
           </a:lstStyle>
           <a:p>
-            <a:fld id="{2D1EEDB3-B358-4CEB-953B-8232DBDD45A4}" type="slidenum">
+            <a:fld id="{8A6B111B-0D81-4896-B48B-78C89BAF5CBF}" type="slidenum">
               <a:rPr lang="en-US">
+                <a:latin typeface="Calibri" panose="020F0502020204030204" pitchFamily="34" charset="0"/>
+              </a:rPr>
+              <a:pPr/>
+              <a:t>16</a:t>
+            </a:fld>
+            <a:endParaRPr lang="en-US">
+              <a:latin typeface="Calibri" panose="020F0502020204030204" pitchFamily="34" charset="0"/>
+            </a:endParaRPr>
+          </a:p>
+        </p:txBody>
+      </p:sp>
+    </p:spTree>
+    <p:extLst>
+      <p:ext uri="{BB962C8B-B14F-4D97-AF65-F5344CB8AC3E}">
+        <p14:creationId xmlns:p14="http://schemas.microsoft.com/office/powerpoint/2010/main" val="2712361304"/>
+      </p:ext>
+    </p:extLst>
+  </p:cSld>
+  <p:clrMapOvr>
+    <a:masterClrMapping/>
+  </p:clrMapOvr>
+</p:notes>
+</file>
+
+<file path=ppt/notesSlides/notesSlide16.xml><?xml version="1.0" encoding="utf-8"?>
+<p:notes xmlns:a="http://schemas.openxmlformats.org/drawingml/2006/main" xmlns:r="http://schemas.openxmlformats.org/officeDocument/2006/relationships" xmlns:p="http://schemas.openxmlformats.org/presentationml/2006/main">
+  <p:cSld>
+    <p:spTree>
+      <p:nvGrpSpPr>
+        <p:cNvPr id="1" name=""/>
+        <p:cNvGrpSpPr/>
+        <p:nvPr/>
+      </p:nvGrpSpPr>
+      <p:grpSpPr>
+        <a:xfrm>
+          <a:off x="0" y="0"/>
+          <a:ext cx="0" cy="0"/>
+          <a:chOff x="0" y="0"/>
+          <a:chExt cx="0" cy="0"/>
+        </a:xfrm>
+      </p:grpSpPr>
+      <p:sp>
+        <p:nvSpPr>
+          <p:cNvPr id="36866" name="Slide Image Placeholder 1"/>
+          <p:cNvSpPr>
+            <a:spLocks noGrp="1" noRot="1" noChangeAspect="1" noTextEdit="1"/>
+          </p:cNvSpPr>
+          <p:nvPr>
+            <p:ph type="sldImg"/>
+          </p:nvPr>
+        </p:nvSpPr>
+        <p:spPr bwMode="auto">
+          <a:xfrm>
+            <a:off x="381000" y="685800"/>
+            <a:ext cx="6096000" cy="3429000"/>
+          </a:xfrm>
+          <a:noFill/>
+          <a:ln>
+            <a:solidFill>
+              <a:srgbClr val="000000"/>
+            </a:solidFill>
+            <a:miter lim="800000"/>
+            <a:headEnd/>
+            <a:tailEnd/>
+          </a:ln>
+          <a:extLst>
+            <a:ext uri="{909E8E84-426E-40DD-AFC4-6F175D3DCCD1}">
+              <a14:hiddenFill xmlns:a14="http://schemas.microsoft.com/office/drawing/2010/main">
+                <a:solidFill>
+                  <a:srgbClr val="FFFFFF"/>
+                </a:solidFill>
+              </a14:hiddenFill>
+            </a:ext>
+          </a:extLst>
+        </p:spPr>
+      </p:sp>
+      <p:sp>
+        <p:nvSpPr>
+          <p:cNvPr id="36867" name="Notes Placeholder 2"/>
+          <p:cNvSpPr>
+            <a:spLocks noGrp="1"/>
+          </p:cNvSpPr>
+          <p:nvPr>
+            <p:ph type="body" idx="1"/>
+          </p:nvPr>
+        </p:nvSpPr>
+        <p:spPr bwMode="auto">
+          <a:noFill/>
+          <a:extLst>
+            <a:ext uri="{909E8E84-426E-40DD-AFC4-6F175D3DCCD1}">
+              <a14:hiddenFill xmlns:a14="http://schemas.microsoft.com/office/drawing/2010/main">
+                <a:solidFill>
+                  <a:srgbClr val="FFFFFF"/>
+                </a:solidFill>
+              </a14:hiddenFill>
+            </a:ext>
+            <a:ext uri="{91240B29-F687-4F45-9708-019B960494DF}">
+              <a14:hiddenLine xmlns:a14="http://schemas.microsoft.com/office/drawing/2010/main" w="9525">
                 <a:solidFill>
                   <a:srgbClr val="000000"/>
                 </a:solidFill>
+                <a:miter lim="800000"/>
+                <a:headEnd/>
+                <a:tailEnd/>
+              </a14:hiddenLine>
+            </a:ext>
+          </a:extLst>
+        </p:spPr>
+        <p:txBody>
+          <a:bodyPr wrap="square" numCol="1" anchor="t" anchorCtr="0" compatLnSpc="1">
+            <a:prstTxWarp prst="textNoShape">
+              <a:avLst/>
+            </a:prstTxWarp>
+          </a:bodyPr>
+          <a:lstStyle/>
+          <a:p>
+            <a:pPr eaLnBrk="1" hangingPunct="1"/>
+            <a:endParaRPr lang="en-US" smtClean="0"/>
+          </a:p>
+        </p:txBody>
+      </p:sp>
+      <p:sp>
+        <p:nvSpPr>
+          <p:cNvPr id="36868" name="Slide Number Placeholder 3"/>
+          <p:cNvSpPr>
+            <a:spLocks noGrp="1"/>
+          </p:cNvSpPr>
+          <p:nvPr>
+            <p:ph type="sldNum" sz="quarter" idx="5"/>
+          </p:nvPr>
+        </p:nvSpPr>
+        <p:spPr bwMode="auto">
+          <a:noFill/>
+          <a:extLst>
+            <a:ext uri="{909E8E84-426E-40DD-AFC4-6F175D3DCCD1}">
+              <a14:hiddenFill xmlns:a14="http://schemas.microsoft.com/office/drawing/2010/main">
+                <a:solidFill>
+                  <a:srgbClr val="FFFFFF"/>
+                </a:solidFill>
+              </a14:hiddenFill>
+            </a:ext>
+            <a:ext uri="{91240B29-F687-4F45-9708-019B960494DF}">
+              <a14:hiddenLine xmlns:a14="http://schemas.microsoft.com/office/drawing/2010/main" w="9525">
+                <a:solidFill>
+                  <a:srgbClr val="000000"/>
+                </a:solidFill>
+                <a:miter lim="800000"/>
+                <a:headEnd/>
+                <a:tailEnd/>
+              </a14:hiddenLine>
+            </a:ext>
+          </a:extLst>
+        </p:spPr>
+        <p:txBody>
+          <a:bodyPr/>
+          <a:lstStyle>
+            <a:lvl1pPr>
+              <a:defRPr>
+                <a:solidFill>
+                  <a:schemeClr val="tx1"/>
+                </a:solidFill>
+                <a:latin typeface="News Gothic MT" charset="0"/>
+                <a:ea typeface="MS PGothic" panose="020B0600070205080204" pitchFamily="34" charset="-128"/>
+              </a:defRPr>
+            </a:lvl1pPr>
+            <a:lvl2pPr marL="742950" indent="-285750">
+              <a:defRPr>
+                <a:solidFill>
+                  <a:schemeClr val="tx1"/>
+                </a:solidFill>
+                <a:latin typeface="News Gothic MT" charset="0"/>
+                <a:ea typeface="MS PGothic" panose="020B0600070205080204" pitchFamily="34" charset="-128"/>
+              </a:defRPr>
+            </a:lvl2pPr>
+            <a:lvl3pPr marL="1143000" indent="-228600">
+              <a:defRPr>
+                <a:solidFill>
+                  <a:schemeClr val="tx1"/>
+                </a:solidFill>
+                <a:latin typeface="News Gothic MT" charset="0"/>
+                <a:ea typeface="MS PGothic" panose="020B0600070205080204" pitchFamily="34" charset="-128"/>
+              </a:defRPr>
+            </a:lvl3pPr>
+            <a:lvl4pPr marL="1600200" indent="-228600">
+              <a:defRPr>
+                <a:solidFill>
+                  <a:schemeClr val="tx1"/>
+                </a:solidFill>
+                <a:latin typeface="News Gothic MT" charset="0"/>
+                <a:ea typeface="MS PGothic" panose="020B0600070205080204" pitchFamily="34" charset="-128"/>
+              </a:defRPr>
+            </a:lvl4pPr>
+            <a:lvl5pPr marL="2057400" indent="-228600">
+              <a:defRPr>
+                <a:solidFill>
+                  <a:schemeClr val="tx1"/>
+                </a:solidFill>
+                <a:latin typeface="News Gothic MT" charset="0"/>
+                <a:ea typeface="MS PGothic" panose="020B0600070205080204" pitchFamily="34" charset="-128"/>
+              </a:defRPr>
+            </a:lvl5pPr>
+            <a:lvl6pPr marL="2514600" indent="-228600" defTabSz="457200" eaLnBrk="0" fontAlgn="base" hangingPunct="0">
+              <a:spcBef>
+                <a:spcPct val="0"/>
+              </a:spcBef>
+              <a:spcAft>
+                <a:spcPct val="0"/>
+              </a:spcAft>
+              <a:defRPr>
+                <a:solidFill>
+                  <a:schemeClr val="tx1"/>
+                </a:solidFill>
+                <a:latin typeface="News Gothic MT" charset="0"/>
+                <a:ea typeface="MS PGothic" panose="020B0600070205080204" pitchFamily="34" charset="-128"/>
+              </a:defRPr>
+            </a:lvl6pPr>
+            <a:lvl7pPr marL="2971800" indent="-228600" defTabSz="457200" eaLnBrk="0" fontAlgn="base" hangingPunct="0">
+              <a:spcBef>
+                <a:spcPct val="0"/>
+              </a:spcBef>
+              <a:spcAft>
+                <a:spcPct val="0"/>
+              </a:spcAft>
+              <a:defRPr>
+                <a:solidFill>
+                  <a:schemeClr val="tx1"/>
+                </a:solidFill>
+                <a:latin typeface="News Gothic MT" charset="0"/>
+                <a:ea typeface="MS PGothic" panose="020B0600070205080204" pitchFamily="34" charset="-128"/>
+              </a:defRPr>
+            </a:lvl7pPr>
+            <a:lvl8pPr marL="3429000" indent="-228600" defTabSz="457200" eaLnBrk="0" fontAlgn="base" hangingPunct="0">
+              <a:spcBef>
+                <a:spcPct val="0"/>
+              </a:spcBef>
+              <a:spcAft>
+                <a:spcPct val="0"/>
+              </a:spcAft>
+              <a:defRPr>
+                <a:solidFill>
+                  <a:schemeClr val="tx1"/>
+                </a:solidFill>
+                <a:latin typeface="News Gothic MT" charset="0"/>
+                <a:ea typeface="MS PGothic" panose="020B0600070205080204" pitchFamily="34" charset="-128"/>
+              </a:defRPr>
+            </a:lvl8pPr>
+            <a:lvl9pPr marL="3886200" indent="-228600" defTabSz="457200" eaLnBrk="0" fontAlgn="base" hangingPunct="0">
+              <a:spcBef>
+                <a:spcPct val="0"/>
+              </a:spcBef>
+              <a:spcAft>
+                <a:spcPct val="0"/>
+              </a:spcAft>
+              <a:defRPr>
+                <a:solidFill>
+                  <a:schemeClr val="tx1"/>
+                </a:solidFill>
+                <a:latin typeface="News Gothic MT" charset="0"/>
+                <a:ea typeface="MS PGothic" panose="020B0600070205080204" pitchFamily="34" charset="-128"/>
+              </a:defRPr>
+            </a:lvl9pPr>
+          </a:lstStyle>
+          <a:p>
+            <a:fld id="{6A127C57-0E73-413D-9A8C-537F861606EE}" type="slidenum">
+              <a:rPr lang="en-US">
                 <a:latin typeface="Calibri" panose="020F0502020204030204" pitchFamily="34" charset="0"/>
               </a:rPr>
               <a:pPr/>
               <a:t>17</a:t>
+            </a:fld>
+            <a:endParaRPr lang="en-US">
+              <a:latin typeface="Calibri" panose="020F0502020204030204" pitchFamily="34" charset="0"/>
+            </a:endParaRPr>
+          </a:p>
+        </p:txBody>
+      </p:sp>
+    </p:spTree>
+    <p:extLst>
+      <p:ext uri="{BB962C8B-B14F-4D97-AF65-F5344CB8AC3E}">
+        <p14:creationId xmlns:p14="http://schemas.microsoft.com/office/powerpoint/2010/main" val="1486138629"/>
+      </p:ext>
+    </p:extLst>
+  </p:cSld>
+  <p:clrMapOvr>
+    <a:masterClrMapping/>
+  </p:clrMapOvr>
+</p:notes>
+</file>
+
+<file path=ppt/notesSlides/notesSlide17.xml><?xml version="1.0" encoding="utf-8"?>
+<p:notes xmlns:a="http://schemas.openxmlformats.org/drawingml/2006/main" xmlns:r="http://schemas.openxmlformats.org/officeDocument/2006/relationships" xmlns:p="http://schemas.openxmlformats.org/presentationml/2006/main">
+  <p:cSld>
+    <p:spTree>
+      <p:nvGrpSpPr>
+        <p:cNvPr id="1" name=""/>
+        <p:cNvGrpSpPr/>
+        <p:nvPr/>
+      </p:nvGrpSpPr>
+      <p:grpSpPr>
+        <a:xfrm>
+          <a:off x="0" y="0"/>
+          <a:ext cx="0" cy="0"/>
+          <a:chOff x="0" y="0"/>
+          <a:chExt cx="0" cy="0"/>
+        </a:xfrm>
+      </p:grpSpPr>
+      <p:sp>
+        <p:nvSpPr>
+          <p:cNvPr id="2" name="Slide Image Placeholder 1"/>
+          <p:cNvSpPr>
+            <a:spLocks noGrp="1" noRot="1" noChangeAspect="1"/>
+          </p:cNvSpPr>
+          <p:nvPr>
+            <p:ph type="sldImg"/>
+          </p:nvPr>
+        </p:nvSpPr>
+        <p:spPr/>
+      </p:sp>
+      <p:sp>
+        <p:nvSpPr>
+          <p:cNvPr id="3" name="Notes Placeholder 2"/>
+          <p:cNvSpPr>
+            <a:spLocks noGrp="1"/>
+          </p:cNvSpPr>
+          <p:nvPr>
+            <p:ph type="body" idx="1"/>
+          </p:nvPr>
+        </p:nvSpPr>
+        <p:spPr/>
+        <p:txBody>
+          <a:bodyPr/>
+          <a:lstStyle/>
+          <a:p>
+            <a:r>
+              <a:rPr lang="en-US" smtClean="0"/>
+              <a:t>Rule of 3, the third time you do something, apply a refactoring to abide by these principles</a:t>
+            </a:r>
+            <a:endParaRPr lang="en-US" dirty="0"/>
+          </a:p>
+        </p:txBody>
+      </p:sp>
+      <p:sp>
+        <p:nvSpPr>
+          <p:cNvPr id="4" name="Slide Number Placeholder 3"/>
+          <p:cNvSpPr>
+            <a:spLocks noGrp="1"/>
+          </p:cNvSpPr>
+          <p:nvPr>
+            <p:ph type="sldNum" sz="quarter" idx="10"/>
+          </p:nvPr>
+        </p:nvSpPr>
+        <p:spPr/>
+        <p:txBody>
+          <a:bodyPr/>
+          <a:lstStyle/>
+          <a:p>
+            <a:pPr>
+              <a:defRPr/>
+            </a:pPr>
+            <a:fld id="{79FAF046-FF05-4328-BB1F-CE52295BC424}" type="slidenum">
+              <a:rPr lang="en-US" smtClean="0"/>
+              <a:pPr>
+                <a:defRPr/>
+              </a:pPr>
+              <a:t>18</a:t>
+            </a:fld>
+            <a:endParaRPr lang="en-US"/>
+          </a:p>
+        </p:txBody>
+      </p:sp>
+    </p:spTree>
+    <p:extLst>
+      <p:ext uri="{BB962C8B-B14F-4D97-AF65-F5344CB8AC3E}">
+        <p14:creationId xmlns:p14="http://schemas.microsoft.com/office/powerpoint/2010/main" val="2890637173"/>
+      </p:ext>
+    </p:extLst>
+  </p:cSld>
+  <p:clrMapOvr>
+    <a:masterClrMapping/>
+  </p:clrMapOvr>
+</p:notes>
+</file>
+
+<file path=ppt/notesSlides/notesSlide18.xml><?xml version="1.0" encoding="utf-8"?>
+<p:notes xmlns:a="http://schemas.openxmlformats.org/drawingml/2006/main" xmlns:r="http://schemas.openxmlformats.org/officeDocument/2006/relationships" xmlns:p="http://schemas.openxmlformats.org/presentationml/2006/main">
+  <p:cSld>
+    <p:spTree>
+      <p:nvGrpSpPr>
+        <p:cNvPr id="1" name=""/>
+        <p:cNvGrpSpPr/>
+        <p:nvPr/>
+      </p:nvGrpSpPr>
+      <p:grpSpPr>
+        <a:xfrm>
+          <a:off x="0" y="0"/>
+          <a:ext cx="0" cy="0"/>
+          <a:chOff x="0" y="0"/>
+          <a:chExt cx="0" cy="0"/>
+        </a:xfrm>
+      </p:grpSpPr>
+      <p:sp>
+        <p:nvSpPr>
+          <p:cNvPr id="39938" name="Slide Image Placeholder 1"/>
+          <p:cNvSpPr>
+            <a:spLocks noGrp="1" noRot="1" noChangeAspect="1" noTextEdit="1"/>
+          </p:cNvSpPr>
+          <p:nvPr>
+            <p:ph type="sldImg"/>
+          </p:nvPr>
+        </p:nvSpPr>
+        <p:spPr bwMode="auto">
+          <a:xfrm>
+            <a:off x="381000" y="685800"/>
+            <a:ext cx="6096000" cy="3429000"/>
+          </a:xfrm>
+          <a:noFill/>
+          <a:ln>
+            <a:solidFill>
+              <a:srgbClr val="000000"/>
+            </a:solidFill>
+            <a:miter lim="800000"/>
+            <a:headEnd/>
+            <a:tailEnd/>
+          </a:ln>
+          <a:extLst>
+            <a:ext uri="{909E8E84-426E-40DD-AFC4-6F175D3DCCD1}">
+              <a14:hiddenFill xmlns:a14="http://schemas.microsoft.com/office/drawing/2010/main">
+                <a:solidFill>
+                  <a:srgbClr val="FFFFFF"/>
+                </a:solidFill>
+              </a14:hiddenFill>
+            </a:ext>
+          </a:extLst>
+        </p:spPr>
+      </p:sp>
+      <p:sp>
+        <p:nvSpPr>
+          <p:cNvPr id="39939" name="Notes Placeholder 2"/>
+          <p:cNvSpPr>
+            <a:spLocks noGrp="1"/>
+          </p:cNvSpPr>
+          <p:nvPr>
+            <p:ph type="body" idx="1"/>
+          </p:nvPr>
+        </p:nvSpPr>
+        <p:spPr bwMode="auto">
+          <a:noFill/>
+          <a:extLst>
+            <a:ext uri="{909E8E84-426E-40DD-AFC4-6F175D3DCCD1}">
+              <a14:hiddenFill xmlns:a14="http://schemas.microsoft.com/office/drawing/2010/main">
+                <a:solidFill>
+                  <a:srgbClr val="FFFFFF"/>
+                </a:solidFill>
+              </a14:hiddenFill>
+            </a:ext>
+            <a:ext uri="{91240B29-F687-4F45-9708-019B960494DF}">
+              <a14:hiddenLine xmlns:a14="http://schemas.microsoft.com/office/drawing/2010/main" w="9525">
+                <a:solidFill>
+                  <a:srgbClr val="000000"/>
+                </a:solidFill>
+                <a:miter lim="800000"/>
+                <a:headEnd/>
+                <a:tailEnd/>
+              </a14:hiddenLine>
+            </a:ext>
+          </a:extLst>
+        </p:spPr>
+        <p:txBody>
+          <a:bodyPr wrap="square" numCol="1" anchor="t" anchorCtr="0" compatLnSpc="1">
+            <a:prstTxWarp prst="textNoShape">
+              <a:avLst/>
+            </a:prstTxWarp>
+          </a:bodyPr>
+          <a:lstStyle/>
+          <a:p>
+            <a:pPr eaLnBrk="1" hangingPunct="1"/>
+            <a:endParaRPr lang="en-US" dirty="0" smtClean="0"/>
+          </a:p>
+        </p:txBody>
+      </p:sp>
+      <p:sp>
+        <p:nvSpPr>
+          <p:cNvPr id="39940" name="Slide Number Placeholder 3"/>
+          <p:cNvSpPr>
+            <a:spLocks noGrp="1"/>
+          </p:cNvSpPr>
+          <p:nvPr>
+            <p:ph type="sldNum" sz="quarter" idx="5"/>
+          </p:nvPr>
+        </p:nvSpPr>
+        <p:spPr bwMode="auto">
+          <a:noFill/>
+          <a:extLst>
+            <a:ext uri="{909E8E84-426E-40DD-AFC4-6F175D3DCCD1}">
+              <a14:hiddenFill xmlns:a14="http://schemas.microsoft.com/office/drawing/2010/main">
+                <a:solidFill>
+                  <a:srgbClr val="FFFFFF"/>
+                </a:solidFill>
+              </a14:hiddenFill>
+            </a:ext>
+            <a:ext uri="{91240B29-F687-4F45-9708-019B960494DF}">
+              <a14:hiddenLine xmlns:a14="http://schemas.microsoft.com/office/drawing/2010/main" w="9525">
+                <a:solidFill>
+                  <a:srgbClr val="000000"/>
+                </a:solidFill>
+                <a:miter lim="800000"/>
+                <a:headEnd/>
+                <a:tailEnd/>
+              </a14:hiddenLine>
+            </a:ext>
+          </a:extLst>
+        </p:spPr>
+        <p:txBody>
+          <a:bodyPr/>
+          <a:lstStyle>
+            <a:lvl1pPr>
+              <a:defRPr>
+                <a:solidFill>
+                  <a:schemeClr val="tx1"/>
+                </a:solidFill>
+                <a:latin typeface="News Gothic MT" charset="0"/>
+                <a:ea typeface="MS PGothic" panose="020B0600070205080204" pitchFamily="34" charset="-128"/>
+              </a:defRPr>
+            </a:lvl1pPr>
+            <a:lvl2pPr marL="742950" indent="-285750">
+              <a:defRPr>
+                <a:solidFill>
+                  <a:schemeClr val="tx1"/>
+                </a:solidFill>
+                <a:latin typeface="News Gothic MT" charset="0"/>
+                <a:ea typeface="MS PGothic" panose="020B0600070205080204" pitchFamily="34" charset="-128"/>
+              </a:defRPr>
+            </a:lvl2pPr>
+            <a:lvl3pPr marL="1143000" indent="-228600">
+              <a:defRPr>
+                <a:solidFill>
+                  <a:schemeClr val="tx1"/>
+                </a:solidFill>
+                <a:latin typeface="News Gothic MT" charset="0"/>
+                <a:ea typeface="MS PGothic" panose="020B0600070205080204" pitchFamily="34" charset="-128"/>
+              </a:defRPr>
+            </a:lvl3pPr>
+            <a:lvl4pPr marL="1600200" indent="-228600">
+              <a:defRPr>
+                <a:solidFill>
+                  <a:schemeClr val="tx1"/>
+                </a:solidFill>
+                <a:latin typeface="News Gothic MT" charset="0"/>
+                <a:ea typeface="MS PGothic" panose="020B0600070205080204" pitchFamily="34" charset="-128"/>
+              </a:defRPr>
+            </a:lvl4pPr>
+            <a:lvl5pPr marL="2057400" indent="-228600">
+              <a:defRPr>
+                <a:solidFill>
+                  <a:schemeClr val="tx1"/>
+                </a:solidFill>
+                <a:latin typeface="News Gothic MT" charset="0"/>
+                <a:ea typeface="MS PGothic" panose="020B0600070205080204" pitchFamily="34" charset="-128"/>
+              </a:defRPr>
+            </a:lvl5pPr>
+            <a:lvl6pPr marL="2514600" indent="-228600" defTabSz="457200" eaLnBrk="0" fontAlgn="base" hangingPunct="0">
+              <a:spcBef>
+                <a:spcPct val="0"/>
+              </a:spcBef>
+              <a:spcAft>
+                <a:spcPct val="0"/>
+              </a:spcAft>
+              <a:defRPr>
+                <a:solidFill>
+                  <a:schemeClr val="tx1"/>
+                </a:solidFill>
+                <a:latin typeface="News Gothic MT" charset="0"/>
+                <a:ea typeface="MS PGothic" panose="020B0600070205080204" pitchFamily="34" charset="-128"/>
+              </a:defRPr>
+            </a:lvl6pPr>
+            <a:lvl7pPr marL="2971800" indent="-228600" defTabSz="457200" eaLnBrk="0" fontAlgn="base" hangingPunct="0">
+              <a:spcBef>
+                <a:spcPct val="0"/>
+              </a:spcBef>
+              <a:spcAft>
+                <a:spcPct val="0"/>
+              </a:spcAft>
+              <a:defRPr>
+                <a:solidFill>
+                  <a:schemeClr val="tx1"/>
+                </a:solidFill>
+                <a:latin typeface="News Gothic MT" charset="0"/>
+                <a:ea typeface="MS PGothic" panose="020B0600070205080204" pitchFamily="34" charset="-128"/>
+              </a:defRPr>
+            </a:lvl7pPr>
+            <a:lvl8pPr marL="3429000" indent="-228600" defTabSz="457200" eaLnBrk="0" fontAlgn="base" hangingPunct="0">
+              <a:spcBef>
+                <a:spcPct val="0"/>
+              </a:spcBef>
+              <a:spcAft>
+                <a:spcPct val="0"/>
+              </a:spcAft>
+              <a:defRPr>
+                <a:solidFill>
+                  <a:schemeClr val="tx1"/>
+                </a:solidFill>
+                <a:latin typeface="News Gothic MT" charset="0"/>
+                <a:ea typeface="MS PGothic" panose="020B0600070205080204" pitchFamily="34" charset="-128"/>
+              </a:defRPr>
+            </a:lvl8pPr>
+            <a:lvl9pPr marL="3886200" indent="-228600" defTabSz="457200" eaLnBrk="0" fontAlgn="base" hangingPunct="0">
+              <a:spcBef>
+                <a:spcPct val="0"/>
+              </a:spcBef>
+              <a:spcAft>
+                <a:spcPct val="0"/>
+              </a:spcAft>
+              <a:defRPr>
+                <a:solidFill>
+                  <a:schemeClr val="tx1"/>
+                </a:solidFill>
+                <a:latin typeface="News Gothic MT" charset="0"/>
+                <a:ea typeface="MS PGothic" panose="020B0600070205080204" pitchFamily="34" charset="-128"/>
+              </a:defRPr>
+            </a:lvl9pPr>
+          </a:lstStyle>
+          <a:p>
+            <a:fld id="{2D1EEDB3-B358-4CEB-953B-8232DBDD45A4}" type="slidenum">
+              <a:rPr lang="en-US">
+                <a:solidFill>
+                  <a:srgbClr val="000000"/>
+                </a:solidFill>
+                <a:latin typeface="Calibri" panose="020F0502020204030204" pitchFamily="34" charset="0"/>
+              </a:rPr>
+              <a:pPr/>
+              <a:t>19</a:t>
             </a:fld>
             <a:endParaRPr lang="en-US">
               <a:solidFill>
@@ -2857,7 +3207,11 @@
           <a:lstStyle/>
           <a:p>
             <a:pPr eaLnBrk="1" hangingPunct="1"/>
-            <a:endParaRPr lang="en-US" smtClean="0"/>
+            <a:r>
+              <a:rPr lang="en-US" dirty="0" smtClean="0"/>
+              <a:t>…and reduces maintenance costs.</a:t>
+            </a:r>
+            <a:endParaRPr lang="en-US" dirty="0" smtClean="0"/>
           </a:p>
         </p:txBody>
       </p:sp>
@@ -3123,7 +3477,7 @@
           <a:p>
             <a:pPr eaLnBrk="1" hangingPunct="1"/>
             <a:r>
-              <a:rPr lang="en-US" smtClean="0"/>
+              <a:rPr lang="en-US" dirty="0" smtClean="0"/>
               <a:t>Simple doesn’t mean naïve or ignorant.  The best designs are all simple, having eliminated everything that is no longer needed.  At first, your code may be naïve as you solve the problem step by step.  When your solution is working, your resulting code may be a convoluted mess.  It’s at this moment that you must simplify the code, while you still understand it completely and you know that it works in its current form.  However, avoid being overly clever as you simplify the solution – for instance don’t introduce additional abstraction of flexibility purely because you might need it.</a:t>
             </a:r>
           </a:p>
@@ -3924,46 +4278,39 @@
           <a:p>
             <a:pPr eaLnBrk="1" hangingPunct="1"/>
             <a:r>
-              <a:rPr lang="en-US" smtClean="0"/>
-              <a:t>Duplication is waste.</a:t>
+              <a:rPr lang="en-US" dirty="0" smtClean="0"/>
+              <a:t>Huge </a:t>
+            </a:r>
+            <a:r>
+              <a:rPr lang="en-US" dirty="0" smtClean="0"/>
+              <a:t>source of bugs, especially regressions.</a:t>
             </a:r>
           </a:p>
           <a:p>
             <a:pPr eaLnBrk="1" hangingPunct="1"/>
-            <a:endParaRPr lang="en-US" smtClean="0"/>
+            <a:endParaRPr lang="en-US" dirty="0" smtClean="0"/>
           </a:p>
           <a:p>
             <a:pPr eaLnBrk="1" hangingPunct="1"/>
             <a:r>
-              <a:rPr lang="en-US" smtClean="0"/>
-              <a:t>Huge source of bugs, especially regressions.</a:t>
+              <a:rPr lang="en-US" dirty="0" smtClean="0"/>
+              <a:t>Duplication = technical debt.</a:t>
             </a:r>
           </a:p>
           <a:p>
             <a:pPr eaLnBrk="1" hangingPunct="1"/>
-            <a:endParaRPr lang="en-US" smtClean="0"/>
+            <a:endParaRPr lang="en-US" dirty="0" smtClean="0"/>
           </a:p>
           <a:p>
             <a:pPr eaLnBrk="1" hangingPunct="1"/>
             <a:r>
-              <a:rPr lang="en-US" smtClean="0"/>
-              <a:t>Duplication = technical debt.</a:t>
+              <a:rPr lang="en-US" dirty="0" smtClean="0"/>
+              <a:t>Suspect conditionals that are repeated in many locations (e.g. role checks)</a:t>
             </a:r>
           </a:p>
           <a:p>
             <a:pPr eaLnBrk="1" hangingPunct="1"/>
-            <a:endParaRPr lang="en-US" smtClean="0"/>
-          </a:p>
-          <a:p>
-            <a:pPr eaLnBrk="1" hangingPunct="1"/>
-            <a:r>
-              <a:rPr lang="en-US" smtClean="0"/>
-              <a:t>Suspect conditionals that are repeated in many locations (e.g. role checks)</a:t>
-            </a:r>
-          </a:p>
-          <a:p>
-            <a:pPr eaLnBrk="1" hangingPunct="1"/>
-            <a:endParaRPr lang="en-US" smtClean="0"/>
+            <a:endParaRPr lang="en-US" dirty="0" smtClean="0"/>
           </a:p>
         </p:txBody>
       </p:sp>
@@ -4228,7 +4575,11 @@
           <a:lstStyle/>
           <a:p>
             <a:pPr eaLnBrk="1" hangingPunct="1"/>
-            <a:endParaRPr lang="en-US" smtClean="0"/>
+            <a:r>
+              <a:rPr lang="en-US" dirty="0" smtClean="0"/>
+              <a:t>Can usually tell right away by “code shape” (length or depth) if this is violated</a:t>
+            </a:r>
+            <a:endParaRPr lang="en-US" dirty="0" smtClean="0"/>
           </a:p>
         </p:txBody>
       </p:sp>
@@ -4762,56 +5113,72 @@
           <a:p>
             <a:pPr eaLnBrk="1" hangingPunct="1"/>
             <a:r>
-              <a:rPr lang="en-US" smtClean="0"/>
-              <a:t>Do one thing, do it well.</a:t>
+              <a:rPr lang="en-US" dirty="0" smtClean="0"/>
+              <a:t>Do one thing, do it well</a:t>
+            </a:r>
+            <a:r>
+              <a:rPr lang="en-US" dirty="0" smtClean="0"/>
+              <a:t>.</a:t>
             </a:r>
           </a:p>
           <a:p>
             <a:pPr eaLnBrk="1" hangingPunct="1"/>
-            <a:endParaRPr lang="en-US" smtClean="0"/>
+            <a:endParaRPr lang="en-US" dirty="0" smtClean="0"/>
           </a:p>
           <a:p>
             <a:pPr eaLnBrk="1" hangingPunct="1"/>
             <a:r>
-              <a:rPr lang="en-US" smtClean="0"/>
+              <a:rPr lang="en-US" dirty="0" smtClean="0"/>
+              <a:t>Code shape (excessive length or depth) is usually an indicator that this has been violated.</a:t>
+            </a:r>
+            <a:endParaRPr lang="en-US" dirty="0" smtClean="0"/>
+          </a:p>
+          <a:p>
+            <a:pPr eaLnBrk="1" hangingPunct="1"/>
+            <a:endParaRPr lang="en-US" dirty="0" smtClean="0"/>
+          </a:p>
+          <a:p>
+            <a:pPr eaLnBrk="1" hangingPunct="1"/>
+            <a:r>
+              <a:rPr lang="en-US" dirty="0" smtClean="0"/>
               <a:t>Also:</a:t>
             </a:r>
           </a:p>
           <a:p>
             <a:pPr eaLnBrk="1" hangingPunct="1"/>
             <a:r>
-              <a:rPr lang="en-US" smtClean="0"/>
+              <a:rPr lang="en-US" dirty="0" smtClean="0"/>
               <a:t>Formatting</a:t>
             </a:r>
           </a:p>
           <a:p>
             <a:pPr eaLnBrk="1" hangingPunct="1"/>
             <a:r>
-              <a:rPr lang="en-US" smtClean="0"/>
+              <a:rPr lang="en-US" dirty="0" smtClean="0"/>
               <a:t>Parsing</a:t>
             </a:r>
           </a:p>
           <a:p>
             <a:pPr eaLnBrk="1" hangingPunct="1"/>
             <a:r>
-              <a:rPr lang="en-US" smtClean="0"/>
+              <a:rPr lang="en-US" dirty="0" smtClean="0"/>
               <a:t>Mapping</a:t>
             </a:r>
           </a:p>
           <a:p>
             <a:pPr eaLnBrk="1" hangingPunct="1"/>
-            <a:endParaRPr lang="en-US" smtClean="0"/>
+            <a:endParaRPr lang="en-US" dirty="0" smtClean="0"/>
           </a:p>
           <a:p>
             <a:pPr eaLnBrk="1" hangingPunct="1"/>
             <a:r>
-              <a:rPr lang="en-US" smtClean="0"/>
+              <a:rPr lang="en-US" dirty="0" smtClean="0"/>
               <a:t>DEMO</a:t>
             </a:r>
           </a:p>
           <a:p>
             <a:pPr eaLnBrk="1" hangingPunct="1"/>
-            <a:endParaRPr lang="en-US" smtClean="0"/>
+            <a:endParaRPr lang="en-US" dirty="0" smtClean="0"/>
           </a:p>
         </p:txBody>
       </p:sp>
@@ -5165,7 +5532,7 @@
             <a:fld id="{7D0065BE-0657-4A47-90AD-C21C55E16B19}" type="datetime4">
               <a:rPr lang="en-US" smtClean="0"/>
               <a:pPr/>
-              <a:t>January 3, 2015</a:t>
+              <a:t>January 4, 2015</a:t>
             </a:fld>
             <a:endParaRPr lang="en-US"/>
           </a:p>
@@ -5343,7 +5710,7 @@
             <a:fld id="{A16C3AA4-67BE-44F7-809A-3582401494AF}" type="datetime4">
               <a:rPr lang="en-US" smtClean="0"/>
               <a:pPr/>
-              <a:t>January 3, 2015</a:t>
+              <a:t>January 4, 2015</a:t>
             </a:fld>
             <a:endParaRPr lang="en-US"/>
           </a:p>
@@ -5526,7 +5893,7 @@
             <a:fld id="{25172EEB-1769-4776-AD69-E7C1260563EB}" type="datetime4">
               <a:rPr lang="en-US" smtClean="0"/>
               <a:pPr/>
-              <a:t>January 3, 2015</a:t>
+              <a:t>January 4, 2015</a:t>
             </a:fld>
             <a:endParaRPr lang="en-US"/>
           </a:p>
@@ -5818,7 +6185,7 @@
             <a:fld id="{D47BB8AF-C16A-4836-A92D-61834B5F0BA5}" type="datetime4">
               <a:rPr lang="en-US" smtClean="0"/>
               <a:pPr/>
-              <a:t>January 3, 2015</a:t>
+              <a:t>January 4, 2015</a:t>
             </a:fld>
             <a:endParaRPr lang="en-US"/>
           </a:p>
@@ -6067,7 +6434,7 @@
             <a:fld id="{647D2193-4505-4A75-99BB-880C6989A757}" type="datetime4">
               <a:rPr lang="en-US" smtClean="0"/>
               <a:pPr/>
-              <a:t>January 3, 2015</a:t>
+              <a:t>January 4, 2015</a:t>
             </a:fld>
             <a:endParaRPr lang="en-US"/>
           </a:p>
@@ -6357,7 +6724,7 @@
             <a:fld id="{113A18F4-33C3-445B-924C-31108C51719C}" type="datetime4">
               <a:rPr lang="en-US" smtClean="0"/>
               <a:pPr/>
-              <a:t>January 3, 2015</a:t>
+              <a:t>January 4, 2015</a:t>
             </a:fld>
             <a:endParaRPr lang="en-US"/>
           </a:p>
@@ -6781,7 +7148,7 @@
             <a:fld id="{3AF7543A-E259-478F-9E0D-57BA40E442B7}" type="datetime4">
               <a:rPr lang="en-US" smtClean="0"/>
               <a:pPr/>
-              <a:t>January 3, 2015</a:t>
+              <a:t>January 4, 2015</a:t>
             </a:fld>
             <a:endParaRPr lang="en-US"/>
           </a:p>
@@ -6902,7 +7269,7 @@
             <a:fld id="{1EFB012D-77A1-44B0-BB26-329BA1EE55C9}" type="datetime4">
               <a:rPr lang="en-US" smtClean="0"/>
               <a:pPr/>
-              <a:t>January 3, 2015</a:t>
+              <a:t>January 4, 2015</a:t>
             </a:fld>
             <a:endParaRPr lang="en-US"/>
           </a:p>
@@ -7000,7 +7367,7 @@
             <a:fld id="{94B7499E-3031-413E-B01E-B94970708CAA}" type="datetime4">
               <a:rPr lang="en-US" smtClean="0"/>
               <a:pPr/>
-              <a:t>January 3, 2015</a:t>
+              <a:t>January 4, 2015</a:t>
             </a:fld>
             <a:endParaRPr lang="en-US"/>
           </a:p>
@@ -7280,7 +7647,7 @@
             <a:fld id="{DC7EAB0C-2220-4D0E-A0DD-DB7FA0F742F4}" type="datetime4">
               <a:rPr lang="en-US" smtClean="0"/>
               <a:pPr/>
-              <a:t>January 3, 2015</a:t>
+              <a:t>January 4, 2015</a:t>
             </a:fld>
             <a:endParaRPr lang="en-US"/>
           </a:p>
@@ -7536,7 +7903,7 @@
             <a:fld id="{E3416D63-31BF-4B94-B6C5-E20B2C63F515}" type="datetime4">
               <a:rPr lang="en-US" smtClean="0"/>
               <a:pPr/>
-              <a:t>January 3, 2015</a:t>
+              <a:t>January 4, 2015</a:t>
             </a:fld>
             <a:endParaRPr lang="en-US"/>
           </a:p>
@@ -7751,7 +8118,7 @@
             <a:fld id="{62B1B13E-D5AF-485E-81A1-82A140076526}" type="datetime4">
               <a:rPr lang="en-US" smtClean="0"/>
               <a:pPr/>
-              <a:t>January 3, 2015</a:t>
+              <a:t>January 4, 2015</a:t>
             </a:fld>
             <a:endParaRPr lang="en-US" dirty="0"/>
           </a:p>
@@ -8498,7 +8865,7 @@
           <a:p>
             <a:pPr eaLnBrk="1" hangingPunct="1"/>
             <a:r>
-              <a:rPr lang="en-US" smtClean="0">
+              <a:rPr lang="en-US" dirty="0" smtClean="0">
                 <a:latin typeface="News Gothic Com Thin" panose="020B0204030503020204" pitchFamily="34" charset="0"/>
                 <a:cs typeface="News Gothic Com Thin" panose="020B0204030503020204" pitchFamily="34" charset="0"/>
               </a:rPr>
@@ -8703,6 +9070,9 @@
                     <p:cTn id="3" fill="hold" nodeType="clickPar">
                       <p:stCondLst>
                         <p:cond delay="indefinite"/>
+                        <p:cond evt="onBegin" delay="0">
+                          <p:tn val="2"/>
+                        </p:cond>
                       </p:stCondLst>
                       <p:childTnLst>
                         <p:par>
@@ -8712,7 +9082,7 @@
                             </p:stCondLst>
                             <p:childTnLst>
                               <p:par>
-                                <p:cTn id="5" presetID="10" presetClass="entr" presetSubtype="0" fill="hold" grpId="0" nodeType="clickEffect">
+                                <p:cTn id="5" presetID="10" presetClass="entr" presetSubtype="0" fill="hold" grpId="0" nodeType="afterEffect">
                                   <p:stCondLst>
                                     <p:cond delay="0"/>
                                   </p:stCondLst>
@@ -8818,30 +9188,21 @@
                             </p:childTnLst>
                           </p:cTn>
                         </p:par>
-                      </p:childTnLst>
-                    </p:cTn>
-                  </p:par>
-                  <p:par>
-                    <p:cTn id="13" fill="hold" nodeType="clickPar">
-                      <p:stCondLst>
-                        <p:cond delay="indefinite"/>
-                      </p:stCondLst>
-                      <p:childTnLst>
                         <p:par>
-                          <p:cTn id="14" fill="hold" nodeType="withGroup">
+                          <p:cTn id="13" fill="hold" nodeType="withGroup">
                             <p:stCondLst>
-                              <p:cond delay="0"/>
+                              <p:cond delay="500"/>
                             </p:stCondLst>
                             <p:childTnLst>
                               <p:par>
-                                <p:cTn id="15" presetID="10" presetClass="entr" presetSubtype="0" fill="hold" grpId="0" nodeType="clickEffect">
+                                <p:cTn id="14" presetID="10" presetClass="entr" presetSubtype="0" fill="hold" grpId="0" nodeType="afterEffect">
                                   <p:stCondLst>
                                     <p:cond delay="0"/>
                                   </p:stCondLst>
                                   <p:childTnLst>
                                     <p:set>
                                       <p:cBhvr>
-                                        <p:cTn id="16" dur="1" fill="hold">
+                                        <p:cTn id="15" dur="1" fill="hold">
                                           <p:stCondLst>
                                             <p:cond delay="0"/>
                                           </p:stCondLst>
@@ -8863,7 +9224,7 @@
                                     </p:set>
                                     <p:animEffect transition="in" filter="fade">
                                       <p:cBhvr>
-                                        <p:cTn id="17" dur="500"/>
+                                        <p:cTn id="16" dur="500"/>
                                         <p:tgtEl>
                                           <p:spTgt spid="5121">
                                             <p:txEl>
@@ -8879,30 +9240,21 @@
                             </p:childTnLst>
                           </p:cTn>
                         </p:par>
-                      </p:childTnLst>
-                    </p:cTn>
-                  </p:par>
-                  <p:par>
-                    <p:cTn id="18" fill="hold" nodeType="clickPar">
-                      <p:stCondLst>
-                        <p:cond delay="indefinite"/>
-                      </p:stCondLst>
-                      <p:childTnLst>
                         <p:par>
-                          <p:cTn id="19" fill="hold" nodeType="withGroup">
+                          <p:cTn id="17" fill="hold" nodeType="withGroup">
                             <p:stCondLst>
-                              <p:cond delay="0"/>
+                              <p:cond delay="1000"/>
                             </p:stCondLst>
                             <p:childTnLst>
                               <p:par>
-                                <p:cTn id="20" presetID="10" presetClass="entr" presetSubtype="0" fill="hold" grpId="0" nodeType="clickEffect">
+                                <p:cTn id="18" presetID="10" presetClass="entr" presetSubtype="0" fill="hold" grpId="0" nodeType="afterEffect">
                                   <p:stCondLst>
                                     <p:cond delay="0"/>
                                   </p:stCondLst>
                                   <p:childTnLst>
                                     <p:set>
                                       <p:cBhvr>
-                                        <p:cTn id="21" dur="1" fill="hold">
+                                        <p:cTn id="19" dur="1" fill="hold">
                                           <p:stCondLst>
                                             <p:cond delay="0"/>
                                           </p:stCondLst>
@@ -8924,7 +9276,7 @@
                                     </p:set>
                                     <p:animEffect transition="in" filter="fade">
                                       <p:cBhvr>
-                                        <p:cTn id="22" dur="500"/>
+                                        <p:cTn id="20" dur="500"/>
                                         <p:tgtEl>
                                           <p:spTgt spid="5121">
                                             <p:txEl>
@@ -8940,30 +9292,21 @@
                             </p:childTnLst>
                           </p:cTn>
                         </p:par>
-                      </p:childTnLst>
-                    </p:cTn>
-                  </p:par>
-                  <p:par>
-                    <p:cTn id="23" fill="hold" nodeType="clickPar">
-                      <p:stCondLst>
-                        <p:cond delay="indefinite"/>
-                      </p:stCondLst>
-                      <p:childTnLst>
                         <p:par>
-                          <p:cTn id="24" fill="hold" nodeType="withGroup">
+                          <p:cTn id="21" fill="hold" nodeType="withGroup">
                             <p:stCondLst>
-                              <p:cond delay="0"/>
+                              <p:cond delay="1500"/>
                             </p:stCondLst>
                             <p:childTnLst>
                               <p:par>
-                                <p:cTn id="25" presetID="10" presetClass="entr" presetSubtype="0" fill="hold" grpId="0" nodeType="clickEffect">
+                                <p:cTn id="22" presetID="10" presetClass="entr" presetSubtype="0" fill="hold" grpId="0" nodeType="afterEffect">
                                   <p:stCondLst>
                                     <p:cond delay="0"/>
                                   </p:stCondLst>
                                   <p:childTnLst>
                                     <p:set>
                                       <p:cBhvr>
-                                        <p:cTn id="26" dur="1" fill="hold">
+                                        <p:cTn id="23" dur="1" fill="hold">
                                           <p:stCondLst>
                                             <p:cond delay="0"/>
                                           </p:stCondLst>
@@ -8985,7 +9328,7 @@
                                     </p:set>
                                     <p:animEffect transition="in" filter="fade">
                                       <p:cBhvr>
-                                        <p:cTn id="27" dur="500"/>
+                                        <p:cTn id="24" dur="500"/>
                                         <p:tgtEl>
                                           <p:spTgt spid="5121">
                                             <p:txEl>
@@ -9001,30 +9344,21 @@
                             </p:childTnLst>
                           </p:cTn>
                         </p:par>
-                      </p:childTnLst>
-                    </p:cTn>
-                  </p:par>
-                  <p:par>
-                    <p:cTn id="28" fill="hold" nodeType="clickPar">
-                      <p:stCondLst>
-                        <p:cond delay="indefinite"/>
-                      </p:stCondLst>
-                      <p:childTnLst>
                         <p:par>
-                          <p:cTn id="29" fill="hold" nodeType="withGroup">
+                          <p:cTn id="25" fill="hold" nodeType="withGroup">
                             <p:stCondLst>
-                              <p:cond delay="0"/>
+                              <p:cond delay="2000"/>
                             </p:stCondLst>
                             <p:childTnLst>
                               <p:par>
-                                <p:cTn id="30" presetID="10" presetClass="entr" presetSubtype="0" fill="hold" grpId="0" nodeType="clickEffect">
+                                <p:cTn id="26" presetID="10" presetClass="entr" presetSubtype="0" fill="hold" grpId="0" nodeType="afterEffect">
                                   <p:stCondLst>
                                     <p:cond delay="0"/>
                                   </p:stCondLst>
                                   <p:childTnLst>
                                     <p:set>
                                       <p:cBhvr>
-                                        <p:cTn id="31" dur="1" fill="hold">
+                                        <p:cTn id="27" dur="1" fill="hold">
                                           <p:stCondLst>
                                             <p:cond delay="0"/>
                                           </p:stCondLst>
@@ -9046,7 +9380,7 @@
                                     </p:set>
                                     <p:animEffect transition="in" filter="fade">
                                       <p:cBhvr>
-                                        <p:cTn id="32" dur="500"/>
+                                        <p:cTn id="28" dur="500"/>
                                         <p:tgtEl>
                                           <p:spTgt spid="5121">
                                             <p:txEl>
@@ -9062,30 +9396,21 @@
                             </p:childTnLst>
                           </p:cTn>
                         </p:par>
-                      </p:childTnLst>
-                    </p:cTn>
-                  </p:par>
-                  <p:par>
-                    <p:cTn id="33" fill="hold" nodeType="clickPar">
-                      <p:stCondLst>
-                        <p:cond delay="indefinite"/>
-                      </p:stCondLst>
-                      <p:childTnLst>
                         <p:par>
-                          <p:cTn id="34" fill="hold" nodeType="withGroup">
+                          <p:cTn id="29" fill="hold" nodeType="withGroup">
                             <p:stCondLst>
-                              <p:cond delay="0"/>
+                              <p:cond delay="2500"/>
                             </p:stCondLst>
                             <p:childTnLst>
                               <p:par>
-                                <p:cTn id="35" presetID="10" presetClass="entr" presetSubtype="0" fill="hold" grpId="0" nodeType="clickEffect">
+                                <p:cTn id="30" presetID="10" presetClass="entr" presetSubtype="0" fill="hold" grpId="0" nodeType="afterEffect">
                                   <p:stCondLst>
                                     <p:cond delay="0"/>
                                   </p:stCondLst>
                                   <p:childTnLst>
                                     <p:set>
                                       <p:cBhvr>
-                                        <p:cTn id="36" dur="1" fill="hold">
+                                        <p:cTn id="31" dur="1" fill="hold">
                                           <p:stCondLst>
                                             <p:cond delay="0"/>
                                           </p:stCondLst>
@@ -9107,7 +9432,7 @@
                                     </p:set>
                                     <p:animEffect transition="in" filter="fade">
                                       <p:cBhvr>
-                                        <p:cTn id="37" dur="500"/>
+                                        <p:cTn id="32" dur="500"/>
                                         <p:tgtEl>
                                           <p:spTgt spid="5121">
                                             <p:txEl>
@@ -9123,30 +9448,21 @@
                             </p:childTnLst>
                           </p:cTn>
                         </p:par>
-                      </p:childTnLst>
-                    </p:cTn>
-                  </p:par>
-                  <p:par>
-                    <p:cTn id="38" fill="hold" nodeType="clickPar">
-                      <p:stCondLst>
-                        <p:cond delay="indefinite"/>
-                      </p:stCondLst>
-                      <p:childTnLst>
                         <p:par>
-                          <p:cTn id="39" fill="hold" nodeType="withGroup">
+                          <p:cTn id="33" fill="hold" nodeType="withGroup">
                             <p:stCondLst>
-                              <p:cond delay="0"/>
+                              <p:cond delay="3000"/>
                             </p:stCondLst>
                             <p:childTnLst>
                               <p:par>
-                                <p:cTn id="40" presetID="10" presetClass="entr" presetSubtype="0" fill="hold" grpId="0" nodeType="clickEffect">
+                                <p:cTn id="34" presetID="10" presetClass="entr" presetSubtype="0" fill="hold" grpId="0" nodeType="afterEffect">
                                   <p:stCondLst>
                                     <p:cond delay="0"/>
                                   </p:stCondLst>
                                   <p:childTnLst>
                                     <p:set>
                                       <p:cBhvr>
-                                        <p:cTn id="41" dur="1" fill="hold">
+                                        <p:cTn id="35" dur="1" fill="hold">
                                           <p:stCondLst>
                                             <p:cond delay="0"/>
                                           </p:stCondLst>
@@ -9168,7 +9484,7 @@
                                     </p:set>
                                     <p:animEffect transition="in" filter="fade">
                                       <p:cBhvr>
-                                        <p:cTn id="42" dur="500"/>
+                                        <p:cTn id="36" dur="500"/>
                                         <p:tgtEl>
                                           <p:spTgt spid="5121">
                                             <p:txEl>
@@ -9209,7 +9525,7 @@
       </p:par>
     </p:tnLst>
     <p:bldLst>
-      <p:bldP spid="5121" grpId="0" build="p"/>
+      <p:bldP spid="5121" grpId="0" uiExpand="1" build="p"/>
     </p:bldLst>
   </p:timing>
 </p:sld>
@@ -9249,7 +9565,7 @@
           <a:p>
             <a:pPr eaLnBrk="1" hangingPunct="1"/>
             <a:r>
-              <a:rPr lang="en-US" smtClean="0">
+              <a:rPr lang="en-US" dirty="0" smtClean="0">
                 <a:latin typeface="News Gothic Com Thin" panose="020B0204030503020204" pitchFamily="34" charset="0"/>
                 <a:cs typeface="News Gothic Com Thin" panose="020B0204030503020204" pitchFamily="34" charset="0"/>
               </a:rPr>
@@ -9298,21 +9614,7 @@
                 <a:latin typeface="News Gothic Com Thin" panose="020B0204030503020204" pitchFamily="34" charset="0"/>
                 <a:cs typeface="News Gothic Com Thin" panose="020B0204030503020204" pitchFamily="34" charset="0"/>
               </a:rPr>
-              <a:t>Clients should be able to change the </a:t>
-            </a:r>
-            <a:r>
-              <a:rPr lang="en-US" sz="1800" dirty="0" smtClean="0">
-                <a:latin typeface="News Gothic Com Thin" panose="020B0204030503020204" pitchFamily="34" charset="0"/>
-                <a:cs typeface="News Gothic Com Thin" panose="020B0204030503020204" pitchFamily="34" charset="0"/>
-              </a:rPr>
-              <a:t>entity's </a:t>
-            </a:r>
-            <a:r>
-              <a:rPr lang="en-US" sz="1800" dirty="0" smtClean="0">
-                <a:latin typeface="News Gothic Com Thin" panose="020B0204030503020204" pitchFamily="34" charset="0"/>
-                <a:cs typeface="News Gothic Com Thin" panose="020B0204030503020204" pitchFamily="34" charset="0"/>
-              </a:rPr>
-              <a:t>behavior</a:t>
+              <a:t>Clients should be able to change the entity's behavior</a:t>
             </a:r>
           </a:p>
           <a:p>
@@ -9329,21 +9631,7 @@
                 <a:latin typeface="News Gothic Com Thin" panose="020B0204030503020204" pitchFamily="34" charset="0"/>
                 <a:cs typeface="News Gothic Com Thin" panose="020B0204030503020204" pitchFamily="34" charset="0"/>
               </a:rPr>
-              <a:t>Doing so should not require altering the </a:t>
-            </a:r>
-            <a:r>
-              <a:rPr lang="en-US" sz="1800" dirty="0" smtClean="0">
-                <a:latin typeface="News Gothic Com Thin" panose="020B0204030503020204" pitchFamily="34" charset="0"/>
-                <a:cs typeface="News Gothic Com Thin" panose="020B0204030503020204" pitchFamily="34" charset="0"/>
-              </a:rPr>
-              <a:t>entity's </a:t>
-            </a:r>
-            <a:r>
-              <a:rPr lang="en-US" sz="1800" dirty="0" smtClean="0">
-                <a:latin typeface="News Gothic Com Thin" panose="020B0204030503020204" pitchFamily="34" charset="0"/>
-                <a:cs typeface="News Gothic Com Thin" panose="020B0204030503020204" pitchFamily="34" charset="0"/>
-              </a:rPr>
-              <a:t>source code</a:t>
+              <a:t>Doing so should not require altering the entity's source code</a:t>
             </a:r>
           </a:p>
           <a:p>
@@ -9439,6 +9727,9 @@
                     <p:cTn id="3" fill="hold" nodeType="clickPar">
                       <p:stCondLst>
                         <p:cond delay="indefinite"/>
+                        <p:cond evt="onBegin" delay="0">
+                          <p:tn val="2"/>
+                        </p:cond>
                       </p:stCondLst>
                       <p:childTnLst>
                         <p:par>
@@ -9448,7 +9739,7 @@
                             </p:stCondLst>
                             <p:childTnLst>
                               <p:par>
-                                <p:cTn id="5" presetID="10" presetClass="entr" presetSubtype="0" fill="hold" grpId="0" nodeType="clickEffect">
+                                <p:cTn id="5" presetID="10" presetClass="entr" presetSubtype="0" fill="hold" grpId="0" nodeType="afterEffect">
                                   <p:stCondLst>
                                     <p:cond delay="0"/>
                                   </p:stCondLst>
@@ -9493,30 +9784,21 @@
                             </p:childTnLst>
                           </p:cTn>
                         </p:par>
-                      </p:childTnLst>
-                    </p:cTn>
-                  </p:par>
-                  <p:par>
-                    <p:cTn id="8" fill="hold" nodeType="clickPar">
-                      <p:stCondLst>
-                        <p:cond delay="indefinite"/>
-                      </p:stCondLst>
-                      <p:childTnLst>
                         <p:par>
-                          <p:cTn id="9" fill="hold" nodeType="withGroup">
+                          <p:cTn id="8" fill="hold" nodeType="withGroup">
                             <p:stCondLst>
-                              <p:cond delay="0"/>
+                              <p:cond delay="500"/>
                             </p:stCondLst>
                             <p:childTnLst>
                               <p:par>
-                                <p:cTn id="10" presetID="10" presetClass="entr" presetSubtype="0" fill="hold" grpId="0" nodeType="clickEffect">
+                                <p:cTn id="9" presetID="10" presetClass="entr" presetSubtype="0" fill="hold" grpId="0" nodeType="afterEffect">
                                   <p:stCondLst>
                                     <p:cond delay="0"/>
                                   </p:stCondLst>
                                   <p:childTnLst>
                                     <p:set>
                                       <p:cBhvr>
-                                        <p:cTn id="11" dur="1" fill="hold">
+                                        <p:cTn id="10" dur="1" fill="hold">
                                           <p:stCondLst>
                                             <p:cond delay="0"/>
                                           </p:stCondLst>
@@ -9538,7 +9820,7 @@
                                     </p:set>
                                     <p:animEffect transition="in" filter="fade">
                                       <p:cBhvr>
-                                        <p:cTn id="12" dur="500"/>
+                                        <p:cTn id="11" dur="500"/>
                                         <p:tgtEl>
                                           <p:spTgt spid="5121">
                                             <p:txEl>
@@ -9554,30 +9836,21 @@
                             </p:childTnLst>
                           </p:cTn>
                         </p:par>
-                      </p:childTnLst>
-                    </p:cTn>
-                  </p:par>
-                  <p:par>
-                    <p:cTn id="13" fill="hold" nodeType="clickPar">
-                      <p:stCondLst>
-                        <p:cond delay="indefinite"/>
-                      </p:stCondLst>
-                      <p:childTnLst>
                         <p:par>
-                          <p:cTn id="14" fill="hold" nodeType="withGroup">
+                          <p:cTn id="12" fill="hold" nodeType="withGroup">
                             <p:stCondLst>
-                              <p:cond delay="0"/>
+                              <p:cond delay="1000"/>
                             </p:stCondLst>
                             <p:childTnLst>
                               <p:par>
-                                <p:cTn id="15" presetID="10" presetClass="entr" presetSubtype="0" fill="hold" grpId="0" nodeType="clickEffect">
+                                <p:cTn id="13" presetID="10" presetClass="entr" presetSubtype="0" fill="hold" grpId="0" nodeType="afterEffect">
                                   <p:stCondLst>
                                     <p:cond delay="0"/>
                                   </p:stCondLst>
                                   <p:childTnLst>
                                     <p:set>
                                       <p:cBhvr>
-                                        <p:cTn id="16" dur="1" fill="hold">
+                                        <p:cTn id="14" dur="1" fill="hold">
                                           <p:stCondLst>
                                             <p:cond delay="0"/>
                                           </p:stCondLst>
@@ -9599,7 +9872,7 @@
                                     </p:set>
                                     <p:animEffect transition="in" filter="fade">
                                       <p:cBhvr>
-                                        <p:cTn id="17" dur="500"/>
+                                        <p:cTn id="15" dur="500"/>
                                         <p:tgtEl>
                                           <p:spTgt spid="5121">
                                             <p:txEl>
@@ -9615,30 +9888,21 @@
                             </p:childTnLst>
                           </p:cTn>
                         </p:par>
-                      </p:childTnLst>
-                    </p:cTn>
-                  </p:par>
-                  <p:par>
-                    <p:cTn id="18" fill="hold" nodeType="clickPar">
-                      <p:stCondLst>
-                        <p:cond delay="indefinite"/>
-                      </p:stCondLst>
-                      <p:childTnLst>
                         <p:par>
-                          <p:cTn id="19" fill="hold" nodeType="withGroup">
+                          <p:cTn id="16" fill="hold" nodeType="withGroup">
                             <p:stCondLst>
-                              <p:cond delay="0"/>
+                              <p:cond delay="1500"/>
                             </p:stCondLst>
                             <p:childTnLst>
                               <p:par>
-                                <p:cTn id="20" presetID="10" presetClass="entr" presetSubtype="0" fill="hold" grpId="0" nodeType="clickEffect">
+                                <p:cTn id="17" presetID="10" presetClass="entr" presetSubtype="0" fill="hold" grpId="0" nodeType="afterEffect">
                                   <p:stCondLst>
                                     <p:cond delay="0"/>
                                   </p:stCondLst>
                                   <p:childTnLst>
                                     <p:set>
                                       <p:cBhvr>
-                                        <p:cTn id="21" dur="1" fill="hold">
+                                        <p:cTn id="18" dur="1" fill="hold">
                                           <p:stCondLst>
                                             <p:cond delay="0"/>
                                           </p:stCondLst>
@@ -9660,7 +9924,7 @@
                                     </p:set>
                                     <p:animEffect transition="in" filter="fade">
                                       <p:cBhvr>
-                                        <p:cTn id="22" dur="500"/>
+                                        <p:cTn id="19" dur="500"/>
                                         <p:tgtEl>
                                           <p:spTgt spid="5121">
                                             <p:txEl>
@@ -9701,7 +9965,7 @@
       </p:par>
     </p:tnLst>
     <p:bldLst>
-      <p:bldP spid="5121" grpId="0" build="p"/>
+      <p:bldP spid="5121" grpId="0" uiExpand="1" build="p"/>
     </p:bldLst>
   </p:timing>
 </p:sld>
@@ -9726,6 +9990,300 @@
       </p:grpSpPr>
       <p:sp>
         <p:nvSpPr>
+          <p:cNvPr id="2" name="Title 1"/>
+          <p:cNvSpPr>
+            <a:spLocks noGrp="1"/>
+          </p:cNvSpPr>
+          <p:nvPr>
+            <p:ph type="title"/>
+          </p:nvPr>
+        </p:nvSpPr>
+        <p:spPr/>
+        <p:txBody>
+          <a:bodyPr/>
+          <a:lstStyle/>
+          <a:p>
+            <a:r>
+              <a:rPr lang="en-US" dirty="0" smtClean="0">
+                <a:latin typeface="News Gothic Com Thin"/>
+              </a:rPr>
+              <a:t>Open/Closed</a:t>
+            </a:r>
+            <a:endParaRPr lang="en-US" dirty="0">
+              <a:latin typeface="News Gothic Com Thin"/>
+            </a:endParaRPr>
+          </a:p>
+        </p:txBody>
+      </p:sp>
+      <p:pic>
+        <p:nvPicPr>
+          <p:cNvPr id="3075" name="Picture 3"/>
+          <p:cNvPicPr>
+            <a:picLocks noChangeAspect="1" noChangeArrowheads="1"/>
+          </p:cNvPicPr>
+          <p:nvPr/>
+        </p:nvPicPr>
+        <p:blipFill>
+          <a:blip r:embed="rId3">
+            <a:extLst>
+              <a:ext uri="{28A0092B-C50C-407E-A947-70E740481C1C}">
+                <a14:useLocalDpi xmlns:a14="http://schemas.microsoft.com/office/drawing/2010/main" val="0"/>
+              </a:ext>
+            </a:extLst>
+          </a:blip>
+          <a:srcRect/>
+          <a:stretch>
+            <a:fillRect/>
+          </a:stretch>
+        </p:blipFill>
+        <p:spPr bwMode="auto">
+          <a:xfrm>
+            <a:off x="5424602" y="1559293"/>
+            <a:ext cx="3498016" cy="3304874"/>
+          </a:xfrm>
+          <a:prstGeom prst="rect">
+            <a:avLst/>
+          </a:prstGeom>
+          <a:noFill/>
+          <a:ln>
+            <a:noFill/>
+          </a:ln>
+          <a:extLst>
+            <a:ext uri="{909E8E84-426E-40DD-AFC4-6F175D3DCCD1}">
+              <a14:hiddenFill xmlns:a14="http://schemas.microsoft.com/office/drawing/2010/main">
+                <a:solidFill>
+                  <a:schemeClr val="accent1"/>
+                </a:solidFill>
+              </a14:hiddenFill>
+            </a:ext>
+            <a:ext uri="{91240B29-F687-4F45-9708-019B960494DF}">
+              <a14:hiddenLine xmlns:a14="http://schemas.microsoft.com/office/drawing/2010/main" w="9525">
+                <a:solidFill>
+                  <a:schemeClr val="tx1"/>
+                </a:solidFill>
+                <a:miter lim="800000"/>
+                <a:headEnd/>
+                <a:tailEnd/>
+              </a14:hiddenLine>
+            </a:ext>
+          </a:extLst>
+        </p:spPr>
+      </p:pic>
+      <p:pic>
+        <p:nvPicPr>
+          <p:cNvPr id="4098" name="Picture 2"/>
+          <p:cNvPicPr>
+            <a:picLocks noChangeAspect="1" noChangeArrowheads="1"/>
+          </p:cNvPicPr>
+          <p:nvPr/>
+        </p:nvPicPr>
+        <p:blipFill>
+          <a:blip r:embed="rId4">
+            <a:extLst>
+              <a:ext uri="{28A0092B-C50C-407E-A947-70E740481C1C}">
+                <a14:useLocalDpi xmlns:a14="http://schemas.microsoft.com/office/drawing/2010/main" val="0"/>
+              </a:ext>
+            </a:extLst>
+          </a:blip>
+          <a:srcRect/>
+          <a:stretch>
+            <a:fillRect/>
+          </a:stretch>
+        </p:blipFill>
+        <p:spPr bwMode="auto">
+          <a:xfrm>
+            <a:off x="-1" y="1559293"/>
+            <a:ext cx="4589883" cy="3447749"/>
+          </a:xfrm>
+          <a:prstGeom prst="rect">
+            <a:avLst/>
+          </a:prstGeom>
+          <a:noFill/>
+          <a:ln>
+            <a:noFill/>
+          </a:ln>
+          <a:extLst>
+            <a:ext uri="{909E8E84-426E-40DD-AFC4-6F175D3DCCD1}">
+              <a14:hiddenFill xmlns:a14="http://schemas.microsoft.com/office/drawing/2010/main">
+                <a:solidFill>
+                  <a:schemeClr val="accent1"/>
+                </a:solidFill>
+              </a14:hiddenFill>
+            </a:ext>
+            <a:ext uri="{91240B29-F687-4F45-9708-019B960494DF}">
+              <a14:hiddenLine xmlns:a14="http://schemas.microsoft.com/office/drawing/2010/main" w="9525">
+                <a:solidFill>
+                  <a:schemeClr val="tx1"/>
+                </a:solidFill>
+                <a:miter lim="800000"/>
+                <a:headEnd/>
+                <a:tailEnd/>
+              </a14:hiddenLine>
+            </a:ext>
+          </a:extLst>
+        </p:spPr>
+      </p:pic>
+    </p:spTree>
+    <p:extLst>
+      <p:ext uri="{BB962C8B-B14F-4D97-AF65-F5344CB8AC3E}">
+        <p14:creationId xmlns:p14="http://schemas.microsoft.com/office/powerpoint/2010/main" val="2451831332"/>
+      </p:ext>
+    </p:extLst>
+  </p:cSld>
+  <p:clrMapOvr>
+    <a:masterClrMapping/>
+  </p:clrMapOvr>
+  <p:timing>
+    <p:tnLst>
+      <p:par>
+        <p:cTn id="1" dur="indefinite" restart="never" nodeType="tmRoot">
+          <p:childTnLst>
+            <p:seq concurrent="1" nextAc="seek">
+              <p:cTn id="2" dur="indefinite" nodeType="mainSeq">
+                <p:childTnLst>
+                  <p:par>
+                    <p:cTn id="3" fill="hold">
+                      <p:stCondLst>
+                        <p:cond delay="indefinite"/>
+                      </p:stCondLst>
+                      <p:childTnLst>
+                        <p:par>
+                          <p:cTn id="4" fill="hold">
+                            <p:stCondLst>
+                              <p:cond delay="0"/>
+                            </p:stCondLst>
+                            <p:childTnLst>
+                              <p:par>
+                                <p:cTn id="5" presetID="42" presetClass="entr" presetSubtype="0" fill="hold" nodeType="clickEffect">
+                                  <p:stCondLst>
+                                    <p:cond delay="0"/>
+                                  </p:stCondLst>
+                                  <p:childTnLst>
+                                    <p:set>
+                                      <p:cBhvr>
+                                        <p:cTn id="6" dur="1" fill="hold">
+                                          <p:stCondLst>
+                                            <p:cond delay="0"/>
+                                          </p:stCondLst>
+                                        </p:cTn>
+                                        <p:tgtEl>
+                                          <p:spTgt spid="3075"/>
+                                        </p:tgtEl>
+                                        <p:attrNameLst>
+                                          <p:attrName>style.visibility</p:attrName>
+                                        </p:attrNameLst>
+                                      </p:cBhvr>
+                                      <p:to>
+                                        <p:strVal val="visible"/>
+                                      </p:to>
+                                    </p:set>
+                                    <p:animEffect transition="in" filter="fade">
+                                      <p:cBhvr>
+                                        <p:cTn id="7" dur="1000"/>
+                                        <p:tgtEl>
+                                          <p:spTgt spid="3075"/>
+                                        </p:tgtEl>
+                                      </p:cBhvr>
+                                    </p:animEffect>
+                                    <p:anim calcmode="lin" valueType="num">
+                                      <p:cBhvr>
+                                        <p:cTn id="8" dur="1000" fill="hold"/>
+                                        <p:tgtEl>
+                                          <p:spTgt spid="3075"/>
+                                        </p:tgtEl>
+                                        <p:attrNameLst>
+                                          <p:attrName>ppt_x</p:attrName>
+                                        </p:attrNameLst>
+                                      </p:cBhvr>
+                                      <p:tavLst>
+                                        <p:tav tm="0">
+                                          <p:val>
+                                            <p:strVal val="#ppt_x"/>
+                                          </p:val>
+                                        </p:tav>
+                                        <p:tav tm="100000">
+                                          <p:val>
+                                            <p:strVal val="#ppt_x"/>
+                                          </p:val>
+                                        </p:tav>
+                                      </p:tavLst>
+                                    </p:anim>
+                                    <p:anim calcmode="lin" valueType="num">
+                                      <p:cBhvr>
+                                        <p:cTn id="9" dur="1000" fill="hold"/>
+                                        <p:tgtEl>
+                                          <p:spTgt spid="3075"/>
+                                        </p:tgtEl>
+                                        <p:attrNameLst>
+                                          <p:attrName>ppt_y</p:attrName>
+                                        </p:attrNameLst>
+                                      </p:cBhvr>
+                                      <p:tavLst>
+                                        <p:tav tm="0">
+                                          <p:val>
+                                            <p:strVal val="#ppt_y+.1"/>
+                                          </p:val>
+                                        </p:tav>
+                                        <p:tav tm="100000">
+                                          <p:val>
+                                            <p:strVal val="#ppt_y"/>
+                                          </p:val>
+                                        </p:tav>
+                                      </p:tavLst>
+                                    </p:anim>
+                                  </p:childTnLst>
+                                </p:cTn>
+                              </p:par>
+                            </p:childTnLst>
+                          </p:cTn>
+                        </p:par>
+                      </p:childTnLst>
+                    </p:cTn>
+                  </p:par>
+                </p:childTnLst>
+              </p:cTn>
+              <p:prevCondLst>
+                <p:cond evt="onPrev" delay="0">
+                  <p:tgtEl>
+                    <p:sldTgt/>
+                  </p:tgtEl>
+                </p:cond>
+              </p:prevCondLst>
+              <p:nextCondLst>
+                <p:cond evt="onNext" delay="0">
+                  <p:tgtEl>
+                    <p:sldTgt/>
+                  </p:tgtEl>
+                </p:cond>
+              </p:nextCondLst>
+            </p:seq>
+          </p:childTnLst>
+        </p:cTn>
+      </p:par>
+    </p:tnLst>
+  </p:timing>
+</p:sld>
+</file>
+
+<file path=ppt/slides/slide13.xml><?xml version="1.0" encoding="utf-8"?>
+<p:sld xmlns:a="http://schemas.openxmlformats.org/drawingml/2006/main" xmlns:r="http://schemas.openxmlformats.org/officeDocument/2006/relationships" xmlns:p="http://schemas.openxmlformats.org/presentationml/2006/main">
+  <p:cSld>
+    <p:spTree>
+      <p:nvGrpSpPr>
+        <p:cNvPr id="1" name=""/>
+        <p:cNvGrpSpPr/>
+        <p:nvPr/>
+      </p:nvGrpSpPr>
+      <p:grpSpPr>
+        <a:xfrm>
+          <a:off x="0" y="0"/>
+          <a:ext cx="0" cy="0"/>
+          <a:chOff x="0" y="0"/>
+          <a:chExt cx="0" cy="0"/>
+        </a:xfrm>
+      </p:grpSpPr>
+      <p:sp>
+        <p:nvSpPr>
           <p:cNvPr id="29699" name="Title 2"/>
           <p:cNvSpPr>
             <a:spLocks noGrp="1"/>
@@ -9790,42 +10348,7 @@
                 <a:latin typeface="News Gothic Com Thin" panose="020B0204030503020204" pitchFamily="34" charset="0"/>
                 <a:cs typeface="News Gothic Com Thin" panose="020B0204030503020204" pitchFamily="34" charset="0"/>
               </a:rPr>
-              <a:t>"</a:t>
-            </a:r>
-            <a:r>
-              <a:rPr lang="en-US" sz="1800" dirty="0" smtClean="0">
-                <a:latin typeface="News Gothic Com Thin" panose="020B0204030503020204" pitchFamily="34" charset="0"/>
-                <a:cs typeface="News Gothic Com Thin" panose="020B0204030503020204" pitchFamily="34" charset="0"/>
-              </a:rPr>
-              <a:t>Is-A</a:t>
-            </a:r>
-            <a:r>
-              <a:rPr lang="en-US" sz="1800" dirty="0" smtClean="0">
-                <a:latin typeface="News Gothic Com Thin" panose="020B0204030503020204" pitchFamily="34" charset="0"/>
-                <a:cs typeface="News Gothic Com Thin" panose="020B0204030503020204" pitchFamily="34" charset="0"/>
-              </a:rPr>
-              <a:t>"</a:t>
-            </a:r>
-            <a:r>
-              <a:rPr lang="en-US" sz="1800" dirty="0" smtClean="0">
-                <a:latin typeface="News Gothic Com Thin" panose="020B0204030503020204" pitchFamily="34" charset="0"/>
-                <a:cs typeface="News Gothic Com Thin" panose="020B0204030503020204" pitchFamily="34" charset="0"/>
-              </a:rPr>
-              <a:t> </a:t>
-            </a:r>
-            <a:r>
-              <a:rPr lang="en-US" sz="1800" dirty="0" smtClean="0">
-                <a:latin typeface="News Gothic Com Thin" panose="020B0204030503020204" pitchFamily="34" charset="0"/>
-                <a:cs typeface="News Gothic Com Thin" panose="020B0204030503020204" pitchFamily="34" charset="0"/>
-              </a:rPr>
-              <a:t>is not sufficient</a:t>
-            </a:r>
-            <a:r>
-              <a:rPr lang="en-US" sz="1800" dirty="0" smtClean="0">
-                <a:latin typeface="News Gothic Com Thin" panose="020B0204030503020204" pitchFamily="34" charset="0"/>
-                <a:cs typeface="News Gothic Com Thin" panose="020B0204030503020204" pitchFamily="34" charset="0"/>
-              </a:rPr>
-              <a:t>;</a:t>
+              <a:t>"Is-A" is not sufficient;</a:t>
             </a:r>
             <a:br>
               <a:rPr lang="en-US" sz="1800" dirty="0" smtClean="0">
@@ -9838,14 +10361,7 @@
                 <a:latin typeface="News Gothic Com Thin" panose="020B0204030503020204" pitchFamily="34" charset="0"/>
                 <a:cs typeface="News Gothic Com Thin" panose="020B0204030503020204" pitchFamily="34" charset="0"/>
               </a:rPr>
-              <a:t>"Is-Substitutable-For" is </a:t>
-            </a:r>
-            <a:r>
-              <a:rPr lang="en-US" sz="1800" dirty="0" smtClean="0">
-                <a:latin typeface="News Gothic Com Thin" panose="020B0204030503020204" pitchFamily="34" charset="0"/>
-                <a:cs typeface="News Gothic Com Thin" panose="020B0204030503020204" pitchFamily="34" charset="0"/>
-              </a:rPr>
-              <a:t>required</a:t>
+              <a:t>"Is-Substitutable-For" is required</a:t>
             </a:r>
           </a:p>
           <a:p>
@@ -9862,21 +10378,7 @@
                 <a:latin typeface="News Gothic Com Thin" panose="020B0204030503020204" pitchFamily="34" charset="0"/>
                 <a:cs typeface="News Gothic Com Thin" panose="020B0204030503020204" pitchFamily="34" charset="0"/>
               </a:rPr>
-              <a:t>Look for type checking in polymorphic code as a </a:t>
-            </a:r>
-            <a:r>
-              <a:rPr lang="en-US" sz="1800" dirty="0" smtClean="0">
-                <a:latin typeface="News Gothic Com Thin" panose="020B0204030503020204" pitchFamily="34" charset="0"/>
-                <a:cs typeface="News Gothic Com Thin" panose="020B0204030503020204" pitchFamily="34" charset="0"/>
-              </a:rPr>
-              <a:t>"code smell" </a:t>
-            </a:r>
-            <a:r>
-              <a:rPr lang="en-US" sz="1800" dirty="0" smtClean="0">
-                <a:latin typeface="News Gothic Com Thin" panose="020B0204030503020204" pitchFamily="34" charset="0"/>
-                <a:cs typeface="News Gothic Com Thin" panose="020B0204030503020204" pitchFamily="34" charset="0"/>
-              </a:rPr>
-              <a:t>indicating this principle is being violated</a:t>
+              <a:t>Look for type checking in polymorphic code as a "code smell" indicating this principle is being violated</a:t>
             </a:r>
           </a:p>
         </p:txBody>
@@ -9955,6 +10457,9 @@
                     <p:cTn id="3" fill="hold" nodeType="clickPar">
                       <p:stCondLst>
                         <p:cond delay="indefinite"/>
+                        <p:cond evt="onBegin" delay="0">
+                          <p:tn val="2"/>
+                        </p:cond>
                       </p:stCondLst>
                       <p:childTnLst>
                         <p:par>
@@ -9964,7 +10469,7 @@
                             </p:stCondLst>
                             <p:childTnLst>
                               <p:par>
-                                <p:cTn id="5" presetID="10" presetClass="entr" presetSubtype="0" fill="hold" grpId="0" nodeType="clickEffect">
+                                <p:cTn id="5" presetID="10" presetClass="entr" presetSubtype="0" fill="hold" grpId="0" nodeType="afterEffect">
                                   <p:stCondLst>
                                     <p:cond delay="0"/>
                                   </p:stCondLst>
@@ -10009,30 +10514,21 @@
                             </p:childTnLst>
                           </p:cTn>
                         </p:par>
-                      </p:childTnLst>
-                    </p:cTn>
-                  </p:par>
-                  <p:par>
-                    <p:cTn id="8" fill="hold" nodeType="clickPar">
-                      <p:stCondLst>
-                        <p:cond delay="indefinite"/>
-                      </p:stCondLst>
-                      <p:childTnLst>
                         <p:par>
-                          <p:cTn id="9" fill="hold" nodeType="withGroup">
+                          <p:cTn id="8" fill="hold" nodeType="withGroup">
                             <p:stCondLst>
-                              <p:cond delay="0"/>
+                              <p:cond delay="500"/>
                             </p:stCondLst>
                             <p:childTnLst>
                               <p:par>
-                                <p:cTn id="10" presetID="10" presetClass="entr" presetSubtype="0" fill="hold" grpId="0" nodeType="clickEffect">
+                                <p:cTn id="9" presetID="10" presetClass="entr" presetSubtype="0" fill="hold" grpId="0" nodeType="afterEffect">
                                   <p:stCondLst>
                                     <p:cond delay="0"/>
                                   </p:stCondLst>
                                   <p:childTnLst>
                                     <p:set>
                                       <p:cBhvr>
-                                        <p:cTn id="11" dur="1" fill="hold">
+                                        <p:cTn id="10" dur="1" fill="hold">
                                           <p:stCondLst>
                                             <p:cond delay="0"/>
                                           </p:stCondLst>
@@ -10054,7 +10550,7 @@
                                     </p:set>
                                     <p:animEffect transition="in" filter="fade">
                                       <p:cBhvr>
-                                        <p:cTn id="12" dur="500"/>
+                                        <p:cTn id="11" dur="500"/>
                                         <p:tgtEl>
                                           <p:spTgt spid="5121">
                                             <p:txEl>
@@ -10070,30 +10566,21 @@
                             </p:childTnLst>
                           </p:cTn>
                         </p:par>
-                      </p:childTnLst>
-                    </p:cTn>
-                  </p:par>
-                  <p:par>
-                    <p:cTn id="13" fill="hold" nodeType="clickPar">
-                      <p:stCondLst>
-                        <p:cond delay="indefinite"/>
-                      </p:stCondLst>
-                      <p:childTnLst>
                         <p:par>
-                          <p:cTn id="14" fill="hold" nodeType="withGroup">
+                          <p:cTn id="12" fill="hold" nodeType="withGroup">
                             <p:stCondLst>
-                              <p:cond delay="0"/>
+                              <p:cond delay="1000"/>
                             </p:stCondLst>
                             <p:childTnLst>
                               <p:par>
-                                <p:cTn id="15" presetID="10" presetClass="entr" presetSubtype="0" fill="hold" grpId="0" nodeType="clickEffect">
+                                <p:cTn id="13" presetID="10" presetClass="entr" presetSubtype="0" fill="hold" grpId="0" nodeType="afterEffect">
                                   <p:stCondLst>
                                     <p:cond delay="0"/>
                                   </p:stCondLst>
                                   <p:childTnLst>
                                     <p:set>
                                       <p:cBhvr>
-                                        <p:cTn id="16" dur="1" fill="hold">
+                                        <p:cTn id="14" dur="1" fill="hold">
                                           <p:stCondLst>
                                             <p:cond delay="0"/>
                                           </p:stCondLst>
@@ -10115,7 +10602,7 @@
                                     </p:set>
                                     <p:animEffect transition="in" filter="fade">
                                       <p:cBhvr>
-                                        <p:cTn id="17" dur="500"/>
+                                        <p:cTn id="15" dur="500"/>
                                         <p:tgtEl>
                                           <p:spTgt spid="5121">
                                             <p:txEl>
@@ -10156,13 +10643,13 @@
       </p:par>
     </p:tnLst>
     <p:bldLst>
-      <p:bldP spid="5121" grpId="0" build="p"/>
+      <p:bldP spid="5121" grpId="0" uiExpand="1" build="p"/>
     </p:bldLst>
   </p:timing>
 </p:sld>
 </file>
 
-<file path=ppt/slides/slide13.xml><?xml version="1.0" encoding="utf-8"?>
+<file path=ppt/slides/slide14.xml><?xml version="1.0" encoding="utf-8"?>
 <p:sld xmlns:a="http://schemas.openxmlformats.org/drawingml/2006/main" xmlns:r="http://schemas.openxmlformats.org/officeDocument/2006/relationships" xmlns:p="http://schemas.openxmlformats.org/presentationml/2006/main">
   <p:cSld>
     <p:spTree>
@@ -10181,6 +10668,124 @@
       </p:grpSpPr>
       <p:sp>
         <p:nvSpPr>
+          <p:cNvPr id="2" name="Title 1"/>
+          <p:cNvSpPr>
+            <a:spLocks noGrp="1"/>
+          </p:cNvSpPr>
+          <p:nvPr>
+            <p:ph type="title"/>
+          </p:nvPr>
+        </p:nvSpPr>
+        <p:spPr/>
+        <p:txBody>
+          <a:bodyPr/>
+          <a:lstStyle/>
+          <a:p>
+            <a:r>
+              <a:rPr lang="en-US" dirty="0" smtClean="0">
+                <a:latin typeface="News Gothic Com Thin"/>
+              </a:rPr>
+              <a:t>Good or Bad?</a:t>
+            </a:r>
+            <a:endParaRPr lang="en-US" dirty="0">
+              <a:latin typeface="News Gothic Com Thin"/>
+            </a:endParaRPr>
+          </a:p>
+        </p:txBody>
+      </p:sp>
+      <p:pic>
+        <p:nvPicPr>
+          <p:cNvPr id="1026" name="Picture 2"/>
+          <p:cNvPicPr>
+            <a:picLocks noChangeAspect="1" noChangeArrowheads="1"/>
+          </p:cNvPicPr>
+          <p:nvPr/>
+        </p:nvPicPr>
+        <p:blipFill>
+          <a:blip r:embed="rId3">
+            <a:extLst>
+              <a:ext uri="{28A0092B-C50C-407E-A947-70E740481C1C}">
+                <a14:useLocalDpi xmlns:a14="http://schemas.microsoft.com/office/drawing/2010/main" val="0"/>
+              </a:ext>
+            </a:extLst>
+          </a:blip>
+          <a:srcRect/>
+          <a:stretch>
+            <a:fillRect/>
+          </a:stretch>
+        </p:blipFill>
+        <p:spPr bwMode="auto">
+          <a:xfrm>
+            <a:off x="22631" y="1225166"/>
+            <a:ext cx="9121369" cy="3918334"/>
+          </a:xfrm>
+          <a:prstGeom prst="rect">
+            <a:avLst/>
+          </a:prstGeom>
+          <a:noFill/>
+          <a:ln>
+            <a:noFill/>
+          </a:ln>
+          <a:extLst>
+            <a:ext uri="{909E8E84-426E-40DD-AFC4-6F175D3DCCD1}">
+              <a14:hiddenFill xmlns:a14="http://schemas.microsoft.com/office/drawing/2010/main">
+                <a:solidFill>
+                  <a:schemeClr val="accent1"/>
+                </a:solidFill>
+              </a14:hiddenFill>
+            </a:ext>
+            <a:ext uri="{91240B29-F687-4F45-9708-019B960494DF}">
+              <a14:hiddenLine xmlns:a14="http://schemas.microsoft.com/office/drawing/2010/main" w="9525">
+                <a:solidFill>
+                  <a:schemeClr val="tx1"/>
+                </a:solidFill>
+                <a:miter lim="800000"/>
+                <a:headEnd/>
+                <a:tailEnd/>
+              </a14:hiddenLine>
+            </a:ext>
+          </a:extLst>
+        </p:spPr>
+      </p:pic>
+    </p:spTree>
+    <p:extLst>
+      <p:ext uri="{BB962C8B-B14F-4D97-AF65-F5344CB8AC3E}">
+        <p14:creationId xmlns:p14="http://schemas.microsoft.com/office/powerpoint/2010/main" val="2577266298"/>
+      </p:ext>
+    </p:extLst>
+  </p:cSld>
+  <p:clrMapOvr>
+    <a:masterClrMapping/>
+  </p:clrMapOvr>
+  <p:timing>
+    <p:tnLst>
+      <p:par>
+        <p:cTn id="1" dur="indefinite" restart="never" nodeType="tmRoot"/>
+      </p:par>
+    </p:tnLst>
+  </p:timing>
+</p:sld>
+</file>
+
+<file path=ppt/slides/slide15.xml><?xml version="1.0" encoding="utf-8"?>
+<p:sld xmlns:a="http://schemas.openxmlformats.org/drawingml/2006/main" xmlns:r="http://schemas.openxmlformats.org/officeDocument/2006/relationships" xmlns:p="http://schemas.openxmlformats.org/presentationml/2006/main">
+  <p:cSld>
+    <p:spTree>
+      <p:nvGrpSpPr>
+        <p:cNvPr id="1" name=""/>
+        <p:cNvGrpSpPr/>
+        <p:nvPr/>
+      </p:nvGrpSpPr>
+      <p:grpSpPr>
+        <a:xfrm>
+          <a:off x="0" y="0"/>
+          <a:ext cx="0" cy="0"/>
+          <a:chOff x="0" y="0"/>
+          <a:chExt cx="0" cy="0"/>
+        </a:xfrm>
+      </p:grpSpPr>
+      <p:sp>
+        <p:nvSpPr>
           <p:cNvPr id="31747" name="Title 2"/>
           <p:cNvSpPr>
             <a:spLocks noGrp="1"/>
@@ -10226,14 +10831,7 @@
                 <a:latin typeface="News Gothic Com Thin" panose="020B0204030503020204" pitchFamily="34" charset="0"/>
                 <a:cs typeface="News Gothic Com Thin" panose="020B0204030503020204" pitchFamily="34" charset="0"/>
               </a:rPr>
-              <a:t>Don't </a:t>
-            </a:r>
-            <a:r>
-              <a:rPr lang="en-US" sz="1800" dirty="0" smtClean="0">
-                <a:latin typeface="News Gothic Com Thin" panose="020B0204030503020204" pitchFamily="34" charset="0"/>
-                <a:cs typeface="News Gothic Com Thin" panose="020B0204030503020204" pitchFamily="34" charset="0"/>
-              </a:rPr>
-              <a:t>force clients to depend on methods they do not need</a:t>
+              <a:t>Don't force clients to depend on methods they do not need</a:t>
             </a:r>
           </a:p>
           <a:p>
@@ -10346,6 +10944,9 @@
                     <p:cTn id="3" fill="hold" nodeType="clickPar">
                       <p:stCondLst>
                         <p:cond delay="indefinite"/>
+                        <p:cond evt="onBegin" delay="0">
+                          <p:tn val="2"/>
+                        </p:cond>
                       </p:stCondLst>
                       <p:childTnLst>
                         <p:par>
@@ -10355,7 +10956,7 @@
                             </p:stCondLst>
                             <p:childTnLst>
                               <p:par>
-                                <p:cTn id="5" presetID="10" presetClass="entr" presetSubtype="0" fill="hold" grpId="0" nodeType="clickEffect">
+                                <p:cTn id="5" presetID="10" presetClass="entr" presetSubtype="0" fill="hold" grpId="0" nodeType="afterEffect">
                                   <p:stCondLst>
                                     <p:cond delay="0"/>
                                   </p:stCondLst>
@@ -10400,30 +11001,21 @@
                             </p:childTnLst>
                           </p:cTn>
                         </p:par>
-                      </p:childTnLst>
-                    </p:cTn>
-                  </p:par>
-                  <p:par>
-                    <p:cTn id="8" fill="hold" nodeType="clickPar">
-                      <p:stCondLst>
-                        <p:cond delay="indefinite"/>
-                      </p:stCondLst>
-                      <p:childTnLst>
                         <p:par>
-                          <p:cTn id="9" fill="hold" nodeType="withGroup">
+                          <p:cTn id="8" fill="hold" nodeType="withGroup">
                             <p:stCondLst>
-                              <p:cond delay="0"/>
+                              <p:cond delay="500"/>
                             </p:stCondLst>
                             <p:childTnLst>
                               <p:par>
-                                <p:cTn id="10" presetID="10" presetClass="entr" presetSubtype="0" fill="hold" grpId="0" nodeType="clickEffect">
+                                <p:cTn id="9" presetID="10" presetClass="entr" presetSubtype="0" fill="hold" grpId="0" nodeType="afterEffect">
                                   <p:stCondLst>
                                     <p:cond delay="0"/>
                                   </p:stCondLst>
                                   <p:childTnLst>
                                     <p:set>
                                       <p:cBhvr>
-                                        <p:cTn id="11" dur="1" fill="hold">
+                                        <p:cTn id="10" dur="1" fill="hold">
                                           <p:stCondLst>
                                             <p:cond delay="0"/>
                                           </p:stCondLst>
@@ -10445,7 +11037,7 @@
                                     </p:set>
                                     <p:animEffect transition="in" filter="fade">
                                       <p:cBhvr>
-                                        <p:cTn id="12" dur="500"/>
+                                        <p:cTn id="11" dur="500"/>
                                         <p:tgtEl>
                                           <p:spTgt spid="5121">
                                             <p:txEl>
@@ -10461,30 +11053,21 @@
                             </p:childTnLst>
                           </p:cTn>
                         </p:par>
-                      </p:childTnLst>
-                    </p:cTn>
-                  </p:par>
-                  <p:par>
-                    <p:cTn id="13" fill="hold" nodeType="clickPar">
-                      <p:stCondLst>
-                        <p:cond delay="indefinite"/>
-                      </p:stCondLst>
-                      <p:childTnLst>
                         <p:par>
-                          <p:cTn id="14" fill="hold" nodeType="withGroup">
+                          <p:cTn id="12" fill="hold" nodeType="withGroup">
                             <p:stCondLst>
-                              <p:cond delay="0"/>
+                              <p:cond delay="1000"/>
                             </p:stCondLst>
                             <p:childTnLst>
                               <p:par>
-                                <p:cTn id="15" presetID="10" presetClass="entr" presetSubtype="0" fill="hold" grpId="0" nodeType="clickEffect">
+                                <p:cTn id="13" presetID="10" presetClass="entr" presetSubtype="0" fill="hold" grpId="0" nodeType="afterEffect">
                                   <p:stCondLst>
                                     <p:cond delay="0"/>
                                   </p:stCondLst>
                                   <p:childTnLst>
                                     <p:set>
                                       <p:cBhvr>
-                                        <p:cTn id="16" dur="1" fill="hold">
+                                        <p:cTn id="14" dur="1" fill="hold">
                                           <p:stCondLst>
                                             <p:cond delay="0"/>
                                           </p:stCondLst>
@@ -10506,7 +11089,7 @@
                                     </p:set>
                                     <p:animEffect transition="in" filter="fade">
                                       <p:cBhvr>
-                                        <p:cTn id="17" dur="500"/>
+                                        <p:cTn id="15" dur="500"/>
                                         <p:tgtEl>
                                           <p:spTgt spid="5121">
                                             <p:txEl>
@@ -10547,13 +11130,13 @@
       </p:par>
     </p:tnLst>
     <p:bldLst>
-      <p:bldP spid="5121" grpId="0" build="p"/>
+      <p:bldP spid="5121" grpId="0" uiExpand="1" build="p"/>
     </p:bldLst>
   </p:timing>
 </p:sld>
 </file>
 
-<file path=ppt/slides/slide14.xml><?xml version="1.0" encoding="utf-8"?>
+<file path=ppt/slides/slide16.xml><?xml version="1.0" encoding="utf-8"?>
 <p:sld xmlns:a="http://schemas.openxmlformats.org/drawingml/2006/main" xmlns:r="http://schemas.openxmlformats.org/officeDocument/2006/relationships" xmlns:p="http://schemas.openxmlformats.org/presentationml/2006/main">
   <p:cSld>
     <p:spTree>
@@ -10613,7 +11196,7 @@
           <a:p>
             <a:pPr eaLnBrk="1" hangingPunct="1"/>
             <a:r>
-              <a:rPr lang="en-US" sz="1800" smtClean="0">
+              <a:rPr lang="en-US" sz="1800" dirty="0" smtClean="0">
                 <a:latin typeface="News Gothic Com Thin" panose="020B0204030503020204" pitchFamily="34" charset="0"/>
                 <a:cs typeface="News Gothic Com Thin" panose="020B0204030503020204" pitchFamily="34" charset="0"/>
               </a:rPr>
@@ -10622,7 +11205,7 @@
           </a:p>
           <a:p>
             <a:pPr eaLnBrk="1" hangingPunct="1"/>
-            <a:endParaRPr lang="en-US" sz="1800" smtClean="0">
+            <a:endParaRPr lang="en-US" sz="1800" dirty="0" smtClean="0">
               <a:latin typeface="News Gothic Com Thin" panose="020B0204030503020204" pitchFamily="34" charset="0"/>
               <a:cs typeface="News Gothic Com Thin" panose="020B0204030503020204" pitchFamily="34" charset="0"/>
             </a:endParaRPr>
@@ -10630,7 +11213,7 @@
           <a:p>
             <a:pPr eaLnBrk="1" hangingPunct="1"/>
             <a:r>
-              <a:rPr lang="en-US" sz="1800" smtClean="0">
+              <a:rPr lang="en-US" sz="1800" dirty="0" smtClean="0">
                 <a:latin typeface="News Gothic Com Thin" panose="020B0204030503020204" pitchFamily="34" charset="0"/>
                 <a:cs typeface="News Gothic Com Thin" panose="020B0204030503020204" pitchFamily="34" charset="0"/>
               </a:rPr>
@@ -10639,7 +11222,7 @@
           </a:p>
           <a:p>
             <a:pPr eaLnBrk="1" hangingPunct="1"/>
-            <a:endParaRPr lang="en-US" sz="1800" smtClean="0">
+            <a:endParaRPr lang="en-US" sz="1800" dirty="0" smtClean="0">
               <a:latin typeface="News Gothic Com Thin" panose="020B0204030503020204" pitchFamily="34" charset="0"/>
               <a:cs typeface="News Gothic Com Thin" panose="020B0204030503020204" pitchFamily="34" charset="0"/>
             </a:endParaRPr>
@@ -10647,7 +11230,7 @@
           <a:p>
             <a:pPr eaLnBrk="1" hangingPunct="1"/>
             <a:r>
-              <a:rPr lang="en-US" sz="1800" smtClean="0">
+              <a:rPr lang="en-US" sz="1800" dirty="0" smtClean="0">
                 <a:latin typeface="News Gothic Com Thin" panose="020B0204030503020204" pitchFamily="34" charset="0"/>
                 <a:cs typeface="News Gothic Com Thin" panose="020B0204030503020204" pitchFamily="34" charset="0"/>
               </a:rPr>
@@ -10749,6 +11332,9 @@
                     <p:cTn id="3" fill="hold" nodeType="clickPar">
                       <p:stCondLst>
                         <p:cond delay="indefinite"/>
+                        <p:cond evt="onBegin" delay="0">
+                          <p:tn val="2"/>
+                        </p:cond>
                       </p:stCondLst>
                       <p:childTnLst>
                         <p:par>
@@ -10758,7 +11344,7 @@
                             </p:stCondLst>
                             <p:childTnLst>
                               <p:par>
-                                <p:cTn id="5" presetID="10" presetClass="entr" presetSubtype="0" fill="hold" grpId="0" nodeType="clickEffect">
+                                <p:cTn id="5" presetID="10" presetClass="entr" presetSubtype="0" fill="hold" grpId="0" nodeType="afterEffect">
                                   <p:stCondLst>
                                     <p:cond delay="0"/>
                                   </p:stCondLst>
@@ -10803,30 +11389,21 @@
                             </p:childTnLst>
                           </p:cTn>
                         </p:par>
-                      </p:childTnLst>
-                    </p:cTn>
-                  </p:par>
-                  <p:par>
-                    <p:cTn id="8" fill="hold" nodeType="clickPar">
-                      <p:stCondLst>
-                        <p:cond delay="indefinite"/>
-                      </p:stCondLst>
-                      <p:childTnLst>
                         <p:par>
-                          <p:cTn id="9" fill="hold" nodeType="withGroup">
+                          <p:cTn id="8" fill="hold" nodeType="withGroup">
                             <p:stCondLst>
-                              <p:cond delay="0"/>
+                              <p:cond delay="500"/>
                             </p:stCondLst>
                             <p:childTnLst>
                               <p:par>
-                                <p:cTn id="10" presetID="10" presetClass="entr" presetSubtype="0" fill="hold" grpId="0" nodeType="clickEffect">
+                                <p:cTn id="9" presetID="10" presetClass="entr" presetSubtype="0" fill="hold" grpId="0" nodeType="afterEffect">
                                   <p:stCondLst>
                                     <p:cond delay="0"/>
                                   </p:stCondLst>
                                   <p:childTnLst>
                                     <p:set>
                                       <p:cBhvr>
-                                        <p:cTn id="11" dur="1" fill="hold">
+                                        <p:cTn id="10" dur="1" fill="hold">
                                           <p:stCondLst>
                                             <p:cond delay="0"/>
                                           </p:stCondLst>
@@ -10848,7 +11425,7 @@
                                     </p:set>
                                     <p:animEffect transition="in" filter="fade">
                                       <p:cBhvr>
-                                        <p:cTn id="12" dur="500"/>
+                                        <p:cTn id="11" dur="500"/>
                                         <p:tgtEl>
                                           <p:spTgt spid="5121">
                                             <p:txEl>
@@ -10864,30 +11441,21 @@
                             </p:childTnLst>
                           </p:cTn>
                         </p:par>
-                      </p:childTnLst>
-                    </p:cTn>
-                  </p:par>
-                  <p:par>
-                    <p:cTn id="13" fill="hold" nodeType="clickPar">
-                      <p:stCondLst>
-                        <p:cond delay="indefinite"/>
-                      </p:stCondLst>
-                      <p:childTnLst>
                         <p:par>
-                          <p:cTn id="14" fill="hold" nodeType="withGroup">
+                          <p:cTn id="12" fill="hold" nodeType="withGroup">
                             <p:stCondLst>
-                              <p:cond delay="0"/>
+                              <p:cond delay="1000"/>
                             </p:stCondLst>
                             <p:childTnLst>
                               <p:par>
-                                <p:cTn id="15" presetID="10" presetClass="entr" presetSubtype="0" fill="hold" grpId="0" nodeType="clickEffect">
+                                <p:cTn id="13" presetID="10" presetClass="entr" presetSubtype="0" fill="hold" grpId="0" nodeType="afterEffect">
                                   <p:stCondLst>
                                     <p:cond delay="0"/>
                                   </p:stCondLst>
                                   <p:childTnLst>
                                     <p:set>
                                       <p:cBhvr>
-                                        <p:cTn id="16" dur="1" fill="hold">
+                                        <p:cTn id="14" dur="1" fill="hold">
                                           <p:stCondLst>
                                             <p:cond delay="0"/>
                                           </p:stCondLst>
@@ -10909,7 +11477,7 @@
                                     </p:set>
                                     <p:animEffect transition="in" filter="fade">
                                       <p:cBhvr>
-                                        <p:cTn id="17" dur="500"/>
+                                        <p:cTn id="15" dur="500"/>
                                         <p:tgtEl>
                                           <p:spTgt spid="5121">
                                             <p:txEl>
@@ -10950,13 +11518,13 @@
       </p:par>
     </p:tnLst>
     <p:bldLst>
-      <p:bldP spid="5121" grpId="0" build="p"/>
+      <p:bldP spid="5121" grpId="0" uiExpand="1" build="p"/>
     </p:bldLst>
   </p:timing>
 </p:sld>
 </file>
 
-<file path=ppt/slides/slide15.xml><?xml version="1.0" encoding="utf-8"?>
+<file path=ppt/slides/slide17.xml><?xml version="1.0" encoding="utf-8"?>
 <p:sld xmlns:a="http://schemas.openxmlformats.org/drawingml/2006/main" xmlns:r="http://schemas.openxmlformats.org/officeDocument/2006/relationships" xmlns:p="http://schemas.openxmlformats.org/presentationml/2006/main">
   <p:cSld>
     <p:spTree>
@@ -10994,15 +11562,19 @@
                 <a:latin typeface="News Gothic Com Thin" panose="020B0204030503020204" pitchFamily="34" charset="0"/>
                 <a:cs typeface="News Gothic Com Thin" panose="020B0204030503020204" pitchFamily="34" charset="0"/>
               </a:rPr>
-              <a:t>Don't </a:t>
+              <a:t>Don't Repeat </a:t>
             </a:r>
             <a:r>
               <a:rPr lang="en-US" dirty="0" smtClean="0">
                 <a:latin typeface="News Gothic Com Thin" panose="020B0204030503020204" pitchFamily="34" charset="0"/>
                 <a:cs typeface="News Gothic Com Thin" panose="020B0204030503020204" pitchFamily="34" charset="0"/>
               </a:rPr>
-              <a:t>Repeat Yourself</a:t>
-            </a:r>
+              <a:t>Yourself (DRY)</a:t>
+            </a:r>
+            <a:endParaRPr lang="en-US" dirty="0" smtClean="0">
+              <a:latin typeface="News Gothic Com Thin" panose="020B0204030503020204" pitchFamily="34" charset="0"/>
+              <a:cs typeface="News Gothic Com Thin" panose="020B0204030503020204" pitchFamily="34" charset="0"/>
+            </a:endParaRPr>
           </a:p>
         </p:txBody>
       </p:sp>
@@ -11140,6 +11712,9 @@
                     <p:cTn id="3" fill="hold" nodeType="clickPar">
                       <p:stCondLst>
                         <p:cond delay="indefinite"/>
+                        <p:cond evt="onBegin" delay="0">
+                          <p:tn val="2"/>
+                        </p:cond>
                       </p:stCondLst>
                       <p:childTnLst>
                         <p:par>
@@ -11149,7 +11724,7 @@
                             </p:stCondLst>
                             <p:childTnLst>
                               <p:par>
-                                <p:cTn id="5" presetID="10" presetClass="entr" presetSubtype="0" fill="hold" grpId="0" nodeType="clickEffect">
+                                <p:cTn id="5" presetID="10" presetClass="entr" presetSubtype="0" fill="hold" grpId="0" nodeType="afterEffect">
                                   <p:stCondLst>
                                     <p:cond delay="0"/>
                                   </p:stCondLst>
@@ -11194,30 +11769,21 @@
                             </p:childTnLst>
                           </p:cTn>
                         </p:par>
-                      </p:childTnLst>
-                    </p:cTn>
-                  </p:par>
-                  <p:par>
-                    <p:cTn id="8" fill="hold" nodeType="clickPar">
-                      <p:stCondLst>
-                        <p:cond delay="indefinite"/>
-                      </p:stCondLst>
-                      <p:childTnLst>
                         <p:par>
-                          <p:cTn id="9" fill="hold" nodeType="withGroup">
+                          <p:cTn id="8" fill="hold" nodeType="withGroup">
                             <p:stCondLst>
-                              <p:cond delay="0"/>
+                              <p:cond delay="500"/>
                             </p:stCondLst>
                             <p:childTnLst>
                               <p:par>
-                                <p:cTn id="10" presetID="10" presetClass="entr" presetSubtype="0" fill="hold" grpId="0" nodeType="clickEffect">
+                                <p:cTn id="9" presetID="10" presetClass="entr" presetSubtype="0" fill="hold" grpId="0" nodeType="afterEffect">
                                   <p:stCondLst>
                                     <p:cond delay="0"/>
                                   </p:stCondLst>
                                   <p:childTnLst>
                                     <p:set>
                                       <p:cBhvr>
-                                        <p:cTn id="11" dur="1" fill="hold">
+                                        <p:cTn id="10" dur="1" fill="hold">
                                           <p:stCondLst>
                                             <p:cond delay="0"/>
                                           </p:stCondLst>
@@ -11239,7 +11805,7 @@
                                     </p:set>
                                     <p:animEffect transition="in" filter="fade">
                                       <p:cBhvr>
-                                        <p:cTn id="12" dur="500"/>
+                                        <p:cTn id="11" dur="500"/>
                                         <p:tgtEl>
                                           <p:spTgt spid="5121">
                                             <p:txEl>
@@ -11255,30 +11821,21 @@
                             </p:childTnLst>
                           </p:cTn>
                         </p:par>
-                      </p:childTnLst>
-                    </p:cTn>
-                  </p:par>
-                  <p:par>
-                    <p:cTn id="13" fill="hold" nodeType="clickPar">
-                      <p:stCondLst>
-                        <p:cond delay="indefinite"/>
-                      </p:stCondLst>
-                      <p:childTnLst>
                         <p:par>
-                          <p:cTn id="14" fill="hold" nodeType="withGroup">
+                          <p:cTn id="12" fill="hold" nodeType="withGroup">
                             <p:stCondLst>
-                              <p:cond delay="0"/>
+                              <p:cond delay="1000"/>
                             </p:stCondLst>
                             <p:childTnLst>
                               <p:par>
-                                <p:cTn id="15" presetID="10" presetClass="entr" presetSubtype="0" fill="hold" grpId="0" nodeType="clickEffect">
+                                <p:cTn id="13" presetID="10" presetClass="entr" presetSubtype="0" fill="hold" grpId="0" nodeType="afterEffect">
                                   <p:stCondLst>
                                     <p:cond delay="0"/>
                                   </p:stCondLst>
                                   <p:childTnLst>
                                     <p:set>
                                       <p:cBhvr>
-                                        <p:cTn id="16" dur="1" fill="hold">
+                                        <p:cTn id="14" dur="1" fill="hold">
                                           <p:stCondLst>
                                             <p:cond delay="0"/>
                                           </p:stCondLst>
@@ -11300,7 +11857,7 @@
                                     </p:set>
                                     <p:animEffect transition="in" filter="fade">
                                       <p:cBhvr>
-                                        <p:cTn id="17" dur="500"/>
+                                        <p:cTn id="15" dur="500"/>
                                         <p:tgtEl>
                                           <p:spTgt spid="5121">
                                             <p:txEl>
@@ -11341,13 +11898,13 @@
       </p:par>
     </p:tnLst>
     <p:bldLst>
-      <p:bldP spid="5121" grpId="0" build="p"/>
+      <p:bldP spid="5121" grpId="0" uiExpand="1" build="p"/>
     </p:bldLst>
   </p:timing>
 </p:sld>
 </file>
 
-<file path=ppt/slides/slide16.xml><?xml version="1.0" encoding="utf-8"?>
+<file path=ppt/slides/slide18.xml><?xml version="1.0" encoding="utf-8"?>
 <p:sld xmlns:a="http://schemas.openxmlformats.org/drawingml/2006/main" xmlns:r="http://schemas.openxmlformats.org/officeDocument/2006/relationships" xmlns:p="http://schemas.openxmlformats.org/presentationml/2006/main">
   <p:cSld>
     <p:spTree>
@@ -11413,14 +11970,7 @@
                 <a:latin typeface="News Gothic Com Thin" panose="020B0204030503020204" pitchFamily="34" charset="0"/>
                 <a:cs typeface="News Gothic Com Thin" panose="020B0204030503020204" pitchFamily="34" charset="0"/>
               </a:rPr>
-              <a:t>Don't </a:t>
-            </a:r>
-            <a:r>
-              <a:rPr lang="en-US" sz="2400" dirty="0" smtClean="0">
-                <a:latin typeface="News Gothic Com Thin" panose="020B0204030503020204" pitchFamily="34" charset="0"/>
-                <a:cs typeface="News Gothic Com Thin" panose="020B0204030503020204" pitchFamily="34" charset="0"/>
-              </a:rPr>
-              <a:t>try to apply every principle, all the time</a:t>
+              <a:t>Don't try to apply every principle, all the time</a:t>
             </a:r>
           </a:p>
           <a:p>
@@ -11471,26 +12021,8 @@
                 <a:latin typeface="News Gothic Com Thin" panose="020B0204030503020204" pitchFamily="34" charset="0"/>
                 <a:cs typeface="News Gothic Com Thin" panose="020B0204030503020204" pitchFamily="34" charset="0"/>
               </a:rPr>
-              <a:t>Follow principles when their violation is causing </a:t>
-            </a:r>
-            <a:r>
-              <a:rPr lang="en-US" sz="2400" smtClean="0">
-                <a:latin typeface="News Gothic Com Thin" panose="020B0204030503020204" pitchFamily="34" charset="0"/>
-                <a:cs typeface="News Gothic Com Thin" panose="020B0204030503020204" pitchFamily="34" charset="0"/>
-              </a:rPr>
-              <a:t>you </a:t>
-            </a:r>
-            <a:r>
-              <a:rPr lang="en-US" sz="2400" smtClean="0">
-                <a:latin typeface="News Gothic Com Thin" panose="020B0204030503020204" pitchFamily="34" charset="0"/>
-                <a:cs typeface="News Gothic Com Thin" panose="020B0204030503020204" pitchFamily="34" charset="0"/>
-              </a:rPr>
-              <a:t>pain</a:t>
-            </a:r>
-            <a:endParaRPr lang="en-US" sz="2400" dirty="0" smtClean="0">
-              <a:latin typeface="News Gothic Com Thin" panose="020B0204030503020204" pitchFamily="34" charset="0"/>
-              <a:cs typeface="News Gothic Com Thin" panose="020B0204030503020204" pitchFamily="34" charset="0"/>
-            </a:endParaRPr>
+              <a:t>Follow principles when their violation is causing you pain</a:t>
+            </a:r>
           </a:p>
         </p:txBody>
       </p:sp>
@@ -11514,6 +12046,9 @@
                     <p:cTn id="3" fill="hold">
                       <p:stCondLst>
                         <p:cond delay="indefinite"/>
+                        <p:cond evt="onBegin" delay="0">
+                          <p:tn val="2"/>
+                        </p:cond>
                       </p:stCondLst>
                       <p:childTnLst>
                         <p:par>
@@ -11523,7 +12058,7 @@
                             </p:stCondLst>
                             <p:childTnLst>
                               <p:par>
-                                <p:cTn id="5" presetID="10" presetClass="entr" presetSubtype="0" fill="hold" grpId="0" nodeType="clickEffect">
+                                <p:cTn id="5" presetID="10" presetClass="entr" presetSubtype="0" fill="hold" grpId="0" nodeType="afterEffect">
                                   <p:stCondLst>
                                     <p:cond delay="0"/>
                                   </p:stCondLst>
@@ -11568,30 +12103,21 @@
                             </p:childTnLst>
                           </p:cTn>
                         </p:par>
-                      </p:childTnLst>
-                    </p:cTn>
-                  </p:par>
-                  <p:par>
-                    <p:cTn id="8" fill="hold">
-                      <p:stCondLst>
-                        <p:cond delay="indefinite"/>
-                      </p:stCondLst>
-                      <p:childTnLst>
                         <p:par>
-                          <p:cTn id="9" fill="hold">
+                          <p:cTn id="8" fill="hold">
                             <p:stCondLst>
-                              <p:cond delay="0"/>
+                              <p:cond delay="500"/>
                             </p:stCondLst>
                             <p:childTnLst>
                               <p:par>
-                                <p:cTn id="10" presetID="10" presetClass="entr" presetSubtype="0" fill="hold" grpId="0" nodeType="clickEffect">
+                                <p:cTn id="9" presetID="10" presetClass="entr" presetSubtype="0" fill="hold" grpId="0" nodeType="afterEffect">
                                   <p:stCondLst>
                                     <p:cond delay="0"/>
                                   </p:stCondLst>
                                   <p:childTnLst>
                                     <p:set>
                                       <p:cBhvr>
-                                        <p:cTn id="11" dur="1" fill="hold">
+                                        <p:cTn id="10" dur="1" fill="hold">
                                           <p:stCondLst>
                                             <p:cond delay="0"/>
                                           </p:stCondLst>
@@ -11613,7 +12139,7 @@
                                     </p:set>
                                     <p:animEffect transition="in" filter="fade">
                                       <p:cBhvr>
-                                        <p:cTn id="12" dur="500"/>
+                                        <p:cTn id="11" dur="500"/>
                                         <p:tgtEl>
                                           <p:spTgt spid="37890">
                                             <p:txEl>
@@ -11629,30 +12155,21 @@
                             </p:childTnLst>
                           </p:cTn>
                         </p:par>
-                      </p:childTnLst>
-                    </p:cTn>
-                  </p:par>
-                  <p:par>
-                    <p:cTn id="13" fill="hold">
-                      <p:stCondLst>
-                        <p:cond delay="indefinite"/>
-                      </p:stCondLst>
-                      <p:childTnLst>
                         <p:par>
-                          <p:cTn id="14" fill="hold">
+                          <p:cTn id="12" fill="hold">
                             <p:stCondLst>
-                              <p:cond delay="0"/>
+                              <p:cond delay="1000"/>
                             </p:stCondLst>
                             <p:childTnLst>
                               <p:par>
-                                <p:cTn id="15" presetID="10" presetClass="entr" presetSubtype="0" fill="hold" grpId="0" nodeType="clickEffect">
+                                <p:cTn id="13" presetID="10" presetClass="entr" presetSubtype="0" fill="hold" grpId="0" nodeType="afterEffect">
                                   <p:stCondLst>
                                     <p:cond delay="0"/>
                                   </p:stCondLst>
                                   <p:childTnLst>
                                     <p:set>
                                       <p:cBhvr>
-                                        <p:cTn id="16" dur="1" fill="hold">
+                                        <p:cTn id="14" dur="1" fill="hold">
                                           <p:stCondLst>
                                             <p:cond delay="0"/>
                                           </p:stCondLst>
@@ -11674,7 +12191,7 @@
                                     </p:set>
                                     <p:animEffect transition="in" filter="fade">
                                       <p:cBhvr>
-                                        <p:cTn id="17" dur="500"/>
+                                        <p:cTn id="15" dur="500"/>
                                         <p:tgtEl>
                                           <p:spTgt spid="37890">
                                             <p:txEl>
@@ -11690,30 +12207,21 @@
                             </p:childTnLst>
                           </p:cTn>
                         </p:par>
-                      </p:childTnLst>
-                    </p:cTn>
-                  </p:par>
-                  <p:par>
-                    <p:cTn id="18" fill="hold">
-                      <p:stCondLst>
-                        <p:cond delay="indefinite"/>
-                      </p:stCondLst>
-                      <p:childTnLst>
                         <p:par>
-                          <p:cTn id="19" fill="hold">
+                          <p:cTn id="16" fill="hold">
                             <p:stCondLst>
-                              <p:cond delay="0"/>
+                              <p:cond delay="1500"/>
                             </p:stCondLst>
                             <p:childTnLst>
                               <p:par>
-                                <p:cTn id="20" presetID="10" presetClass="entr" presetSubtype="0" fill="hold" grpId="0" nodeType="clickEffect">
+                                <p:cTn id="17" presetID="10" presetClass="entr" presetSubtype="0" fill="hold" grpId="0" nodeType="afterEffect">
                                   <p:stCondLst>
                                     <p:cond delay="0"/>
                                   </p:stCondLst>
                                   <p:childTnLst>
                                     <p:set>
                                       <p:cBhvr>
-                                        <p:cTn id="21" dur="1" fill="hold">
+                                        <p:cTn id="18" dur="1" fill="hold">
                                           <p:stCondLst>
                                             <p:cond delay="0"/>
                                           </p:stCondLst>
@@ -11735,7 +12243,7 @@
                                     </p:set>
                                     <p:animEffect transition="in" filter="fade">
                                       <p:cBhvr>
-                                        <p:cTn id="22" dur="500"/>
+                                        <p:cTn id="19" dur="500"/>
                                         <p:tgtEl>
                                           <p:spTgt spid="37890">
                                             <p:txEl>
@@ -11776,13 +12284,13 @@
       </p:par>
     </p:tnLst>
     <p:bldLst>
-      <p:bldP spid="37890" grpId="0" build="p"/>
+      <p:bldP spid="37890" grpId="0" uiExpand="1" build="p"/>
     </p:bldLst>
   </p:timing>
 </p:sld>
 </file>
 
-<file path=ppt/slides/slide17.xml><?xml version="1.0" encoding="utf-8"?>
+<file path=ppt/slides/slide19.xml><?xml version="1.0" encoding="utf-8"?>
 <p:sld xmlns:a="http://schemas.openxmlformats.org/drawingml/2006/main" xmlns:r="http://schemas.openxmlformats.org/officeDocument/2006/relationships" xmlns:p="http://schemas.openxmlformats.org/presentationml/2006/main">
   <p:cSld>
     <p:bg>
@@ -11939,7 +12447,7 @@
         </p:spPr>
         <p:txBody>
           <a:bodyPr>
-            <a:normAutofit fontScale="92500" lnSpcReduction="10000"/>
+            <a:normAutofit/>
           </a:bodyPr>
           <a:lstStyle/>
           <a:p>
@@ -11969,14 +12477,7 @@
                 <a:latin typeface="News Gothic Com Thin" panose="020B0204030503020204" pitchFamily="34" charset="0"/>
                 <a:cs typeface="News Gothic Com Thin" panose="020B0204030503020204" pitchFamily="34" charset="0"/>
               </a:rPr>
-              <a:t>Don't </a:t>
-            </a:r>
-            <a:r>
-              <a:rPr lang="en-US" sz="2400" dirty="0" smtClean="0">
-                <a:latin typeface="News Gothic Com Thin" panose="020B0204030503020204" pitchFamily="34" charset="0"/>
-                <a:cs typeface="News Gothic Com Thin" panose="020B0204030503020204" pitchFamily="34" charset="0"/>
-              </a:rPr>
-              <a:t>Repeat Yourself</a:t>
+              <a:t>Don't Repeat Yourself</a:t>
             </a:r>
           </a:p>
           <a:p>
@@ -12033,48 +12534,58 @@
         </p:spPr>
         <p:txBody>
           <a:bodyPr>
-            <a:normAutofit fontScale="92500" lnSpcReduction="10000"/>
+            <a:normAutofit/>
           </a:bodyPr>
           <a:lstStyle/>
           <a:p>
             <a:pPr eaLnBrk="1" hangingPunct="1"/>
+            <a:r>
+              <a:rPr lang="en-US" sz="2400" b="1" dirty="0" smtClean="0">
+                <a:latin typeface="News Gothic Com Thin" panose="020B0204030503020204" pitchFamily="34" charset="0"/>
+                <a:cs typeface="News Gothic Com Thin" panose="020B0204030503020204" pitchFamily="34" charset="0"/>
+              </a:rPr>
+              <a:t>S</a:t>
+            </a:r>
             <a:r>
               <a:rPr lang="en-US" sz="2400" dirty="0" smtClean="0">
                 <a:latin typeface="News Gothic Com Thin" panose="020B0204030503020204" pitchFamily="34" charset="0"/>
                 <a:cs typeface="News Gothic Com Thin" panose="020B0204030503020204" pitchFamily="34" charset="0"/>
               </a:rPr>
-              <a:t>Single </a:t>
+              <a:t>ingle Responsibility</a:t>
+            </a:r>
+          </a:p>
+          <a:p>
+            <a:pPr eaLnBrk="1" hangingPunct="1"/>
+            <a:r>
+              <a:rPr lang="en-US" sz="2400" b="1" dirty="0" smtClean="0">
+                <a:latin typeface="News Gothic Com Thin" panose="020B0204030503020204" pitchFamily="34" charset="0"/>
+                <a:cs typeface="News Gothic Com Thin" panose="020B0204030503020204" pitchFamily="34" charset="0"/>
+              </a:rPr>
+              <a:t>O</a:t>
             </a:r>
             <a:r>
               <a:rPr lang="en-US" sz="2400" dirty="0" smtClean="0">
                 <a:latin typeface="News Gothic Com Thin" panose="020B0204030503020204" pitchFamily="34" charset="0"/>
                 <a:cs typeface="News Gothic Com Thin" panose="020B0204030503020204" pitchFamily="34" charset="0"/>
               </a:rPr>
-              <a:t>Responsibility</a:t>
-            </a:r>
-            <a:endParaRPr lang="en-US" sz="2400" dirty="0" smtClean="0">
-              <a:latin typeface="News Gothic Com Thin" panose="020B0204030503020204" pitchFamily="34" charset="0"/>
-              <a:cs typeface="News Gothic Com Thin" panose="020B0204030503020204" pitchFamily="34" charset="0"/>
-            </a:endParaRPr>
+              <a:t>pen/Closed</a:t>
+            </a:r>
           </a:p>
           <a:p>
             <a:pPr eaLnBrk="1" hangingPunct="1"/>
             <a:r>
-              <a:rPr lang="en-US" sz="2400" dirty="0" smtClean="0">
+              <a:rPr lang="en-US" sz="2400" b="1" dirty="0" err="1" smtClean="0">
                 <a:latin typeface="News Gothic Com Thin" panose="020B0204030503020204" pitchFamily="34" charset="0"/>
                 <a:cs typeface="News Gothic Com Thin" panose="020B0204030503020204" pitchFamily="34" charset="0"/>
               </a:rPr>
-              <a:t>Open/Closed</a:t>
-            </a:r>
-          </a:p>
-          <a:p>
-            <a:pPr eaLnBrk="1" hangingPunct="1"/>
+              <a:t>L</a:t>
+            </a:r>
             <a:r>
               <a:rPr lang="en-US" sz="2400" dirty="0" err="1" smtClean="0">
                 <a:latin typeface="News Gothic Com Thin" panose="020B0204030503020204" pitchFamily="34" charset="0"/>
                 <a:cs typeface="News Gothic Com Thin" panose="020B0204030503020204" pitchFamily="34" charset="0"/>
               </a:rPr>
-              <a:t>Liskov</a:t>
+              <a:t>iskov</a:t>
             </a:r>
             <a:r>
               <a:rPr lang="en-US" sz="2400" dirty="0" smtClean="0">
@@ -12087,42 +12598,43 @@
           <a:p>
             <a:pPr eaLnBrk="1" hangingPunct="1"/>
             <a:r>
+              <a:rPr lang="en-US" sz="2400" b="1" dirty="0" smtClean="0">
+                <a:latin typeface="News Gothic Com Thin" panose="020B0204030503020204" pitchFamily="34" charset="0"/>
+                <a:cs typeface="News Gothic Com Thin" panose="020B0204030503020204" pitchFamily="34" charset="0"/>
+              </a:rPr>
+              <a:t>I</a:t>
+            </a:r>
+            <a:r>
               <a:rPr lang="en-US" sz="2400" dirty="0" smtClean="0">
                 <a:latin typeface="News Gothic Com Thin" panose="020B0204030503020204" pitchFamily="34" charset="0"/>
                 <a:cs typeface="News Gothic Com Thin" panose="020B0204030503020204" pitchFamily="34" charset="0"/>
               </a:rPr>
-              <a:t>Interface Segregation</a:t>
+              <a:t>nterface Segregation</a:t>
             </a:r>
           </a:p>
           <a:p>
             <a:pPr eaLnBrk="1" hangingPunct="1"/>
+            <a:r>
+              <a:rPr lang="en-US" sz="2400" b="1" dirty="0" smtClean="0">
+                <a:latin typeface="News Gothic Com Thin" panose="020B0204030503020204" pitchFamily="34" charset="0"/>
+                <a:cs typeface="News Gothic Com Thin" panose="020B0204030503020204" pitchFamily="34" charset="0"/>
+              </a:rPr>
+              <a:t>D</a:t>
+            </a:r>
             <a:r>
               <a:rPr lang="en-US" sz="2400" dirty="0" smtClean="0">
                 <a:latin typeface="News Gothic Com Thin" panose="020B0204030503020204" pitchFamily="34" charset="0"/>
                 <a:cs typeface="News Gothic Com Thin" panose="020B0204030503020204" pitchFamily="34" charset="0"/>
               </a:rPr>
-              <a:t>Dependency Inversion</a:t>
-            </a:r>
-          </a:p>
-          <a:p>
-            <a:pPr eaLnBrk="1" hangingPunct="1"/>
+              <a:t>ependency </a:t>
+            </a:r>
             <a:r>
               <a:rPr lang="en-US" sz="2400" dirty="0" smtClean="0">
                 <a:latin typeface="News Gothic Com Thin" panose="020B0204030503020204" pitchFamily="34" charset="0"/>
                 <a:cs typeface="News Gothic Com Thin" panose="020B0204030503020204" pitchFamily="34" charset="0"/>
               </a:rPr>
-              <a:t>Don't </a:t>
-            </a:r>
-            <a:r>
-              <a:rPr lang="en-US" sz="2400" dirty="0" smtClean="0">
-                <a:latin typeface="News Gothic Com Thin" panose="020B0204030503020204" pitchFamily="34" charset="0"/>
-                <a:cs typeface="News Gothic Com Thin" panose="020B0204030503020204" pitchFamily="34" charset="0"/>
-              </a:rPr>
-              <a:t>Repeat Yourself</a:t>
-            </a:r>
-          </a:p>
-          <a:p>
-            <a:pPr eaLnBrk="1" hangingPunct="1"/>
+              <a:t>Inversion</a:t>
+            </a:r>
             <a:endParaRPr lang="en-US" sz="2400" dirty="0" smtClean="0">
               <a:latin typeface="News Gothic Com Thin" panose="020B0204030503020204" pitchFamily="34" charset="0"/>
               <a:cs typeface="News Gothic Com Thin" panose="020B0204030503020204" pitchFamily="34" charset="0"/>
@@ -12150,6 +12662,9 @@
                     <p:cTn id="3" fill="hold" nodeType="clickPar">
                       <p:stCondLst>
                         <p:cond delay="indefinite"/>
+                        <p:cond evt="onBegin" delay="0">
+                          <p:tn val="2"/>
+                        </p:cond>
                       </p:stCondLst>
                       <p:childTnLst>
                         <p:par>
@@ -12159,7 +12674,7 @@
                             </p:stCondLst>
                             <p:childTnLst>
                               <p:par>
-                                <p:cTn id="5" presetID="10" presetClass="entr" presetSubtype="0" fill="hold" grpId="0" nodeType="clickEffect">
+                                <p:cTn id="5" presetID="10" presetClass="entr" presetSubtype="0" fill="hold" grpId="0" nodeType="afterEffect">
                                   <p:stCondLst>
                                     <p:cond delay="0"/>
                                   </p:stCondLst>
@@ -12204,30 +12719,21 @@
                             </p:childTnLst>
                           </p:cTn>
                         </p:par>
-                      </p:childTnLst>
-                    </p:cTn>
-                  </p:par>
-                  <p:par>
-                    <p:cTn id="8" fill="hold" nodeType="clickPar">
-                      <p:stCondLst>
-                        <p:cond delay="indefinite"/>
-                      </p:stCondLst>
-                      <p:childTnLst>
                         <p:par>
-                          <p:cTn id="9" fill="hold" nodeType="withGroup">
+                          <p:cTn id="8" fill="hold" nodeType="withGroup">
                             <p:stCondLst>
-                              <p:cond delay="0"/>
+                              <p:cond delay="500"/>
                             </p:stCondLst>
                             <p:childTnLst>
                               <p:par>
-                                <p:cTn id="10" presetID="10" presetClass="entr" presetSubtype="0" fill="hold" grpId="0" nodeType="clickEffect">
+                                <p:cTn id="9" presetID="10" presetClass="entr" presetSubtype="0" fill="hold" grpId="0" nodeType="afterEffect">
                                   <p:stCondLst>
                                     <p:cond delay="0"/>
                                   </p:stCondLst>
                                   <p:childTnLst>
                                     <p:set>
                                       <p:cBhvr>
-                                        <p:cTn id="11" dur="1" fill="hold">
+                                        <p:cTn id="10" dur="1" fill="hold">
                                           <p:stCondLst>
                                             <p:cond delay="0"/>
                                           </p:stCondLst>
@@ -12249,7 +12755,7 @@
                                     </p:set>
                                     <p:animEffect transition="in" filter="fade">
                                       <p:cBhvr>
-                                        <p:cTn id="12" dur="500"/>
+                                        <p:cTn id="11" dur="500"/>
                                         <p:tgtEl>
                                           <p:spTgt spid="6146">
                                             <p:txEl>
@@ -12265,30 +12771,21 @@
                             </p:childTnLst>
                           </p:cTn>
                         </p:par>
-                      </p:childTnLst>
-                    </p:cTn>
-                  </p:par>
-                  <p:par>
-                    <p:cTn id="13" fill="hold" nodeType="clickPar">
-                      <p:stCondLst>
-                        <p:cond delay="indefinite"/>
-                      </p:stCondLst>
-                      <p:childTnLst>
                         <p:par>
-                          <p:cTn id="14" fill="hold" nodeType="withGroup">
+                          <p:cTn id="12" fill="hold" nodeType="withGroup">
                             <p:stCondLst>
-                              <p:cond delay="0"/>
+                              <p:cond delay="1000"/>
                             </p:stCondLst>
                             <p:childTnLst>
                               <p:par>
-                                <p:cTn id="15" presetID="10" presetClass="entr" presetSubtype="0" fill="hold" grpId="0" nodeType="clickEffect">
+                                <p:cTn id="13" presetID="10" presetClass="entr" presetSubtype="0" fill="hold" grpId="0" nodeType="afterEffect">
                                   <p:stCondLst>
                                     <p:cond delay="0"/>
                                   </p:stCondLst>
                                   <p:childTnLst>
                                     <p:set>
                                       <p:cBhvr>
-                                        <p:cTn id="16" dur="1" fill="hold">
+                                        <p:cTn id="14" dur="1" fill="hold">
                                           <p:stCondLst>
                                             <p:cond delay="0"/>
                                           </p:stCondLst>
@@ -12310,7 +12807,7 @@
                                     </p:set>
                                     <p:animEffect transition="in" filter="fade">
                                       <p:cBhvr>
-                                        <p:cTn id="17" dur="500"/>
+                                        <p:cTn id="15" dur="500"/>
                                         <p:tgtEl>
                                           <p:spTgt spid="6146">
                                             <p:txEl>
@@ -12326,30 +12823,21 @@
                             </p:childTnLst>
                           </p:cTn>
                         </p:par>
-                      </p:childTnLst>
-                    </p:cTn>
-                  </p:par>
-                  <p:par>
-                    <p:cTn id="18" fill="hold" nodeType="clickPar">
-                      <p:stCondLst>
-                        <p:cond delay="indefinite"/>
-                      </p:stCondLst>
-                      <p:childTnLst>
                         <p:par>
-                          <p:cTn id="19" fill="hold" nodeType="withGroup">
+                          <p:cTn id="16" fill="hold" nodeType="withGroup">
                             <p:stCondLst>
-                              <p:cond delay="0"/>
+                              <p:cond delay="1500"/>
                             </p:stCondLst>
                             <p:childTnLst>
                               <p:par>
-                                <p:cTn id="20" presetID="10" presetClass="entr" presetSubtype="0" fill="hold" grpId="0" nodeType="clickEffect">
+                                <p:cTn id="17" presetID="10" presetClass="entr" presetSubtype="0" fill="hold" grpId="0" nodeType="afterEffect">
                                   <p:stCondLst>
                                     <p:cond delay="0"/>
                                   </p:stCondLst>
                                   <p:childTnLst>
                                     <p:set>
                                       <p:cBhvr>
-                                        <p:cTn id="21" dur="1" fill="hold">
+                                        <p:cTn id="18" dur="1" fill="hold">
                                           <p:stCondLst>
                                             <p:cond delay="0"/>
                                           </p:stCondLst>
@@ -12371,7 +12859,7 @@
                                     </p:set>
                                     <p:animEffect transition="in" filter="fade">
                                       <p:cBhvr>
-                                        <p:cTn id="22" dur="500"/>
+                                        <p:cTn id="19" dur="500"/>
                                         <p:tgtEl>
                                           <p:spTgt spid="6146">
                                             <p:txEl>
@@ -12387,30 +12875,21 @@
                             </p:childTnLst>
                           </p:cTn>
                         </p:par>
-                      </p:childTnLst>
-                    </p:cTn>
-                  </p:par>
-                  <p:par>
-                    <p:cTn id="23" fill="hold" nodeType="clickPar">
-                      <p:stCondLst>
-                        <p:cond delay="indefinite"/>
-                      </p:stCondLst>
-                      <p:childTnLst>
                         <p:par>
-                          <p:cTn id="24" fill="hold" nodeType="withGroup">
+                          <p:cTn id="20" fill="hold" nodeType="withGroup">
                             <p:stCondLst>
-                              <p:cond delay="0"/>
+                              <p:cond delay="2000"/>
                             </p:stCondLst>
                             <p:childTnLst>
                               <p:par>
-                                <p:cTn id="25" presetID="10" presetClass="entr" presetSubtype="0" fill="hold" grpId="0" nodeType="clickEffect">
+                                <p:cTn id="21" presetID="10" presetClass="entr" presetSubtype="0" fill="hold" grpId="0" nodeType="afterEffect">
                                   <p:stCondLst>
                                     <p:cond delay="0"/>
                                   </p:stCondLst>
                                   <p:childTnLst>
                                     <p:set>
                                       <p:cBhvr>
-                                        <p:cTn id="26" dur="1" fill="hold">
+                                        <p:cTn id="22" dur="1" fill="hold">
                                           <p:stCondLst>
                                             <p:cond delay="0"/>
                                           </p:stCondLst>
@@ -12432,7 +12911,7 @@
                                     </p:set>
                                     <p:animEffect transition="in" filter="fade">
                                       <p:cBhvr>
-                                        <p:cTn id="27" dur="500"/>
+                                        <p:cTn id="23" dur="500"/>
                                         <p:tgtEl>
                                           <p:spTgt spid="6146">
                                             <p:txEl>
@@ -12448,30 +12927,21 @@
                             </p:childTnLst>
                           </p:cTn>
                         </p:par>
-                      </p:childTnLst>
-                    </p:cTn>
-                  </p:par>
-                  <p:par>
-                    <p:cTn id="28" fill="hold" nodeType="clickPar">
-                      <p:stCondLst>
-                        <p:cond delay="indefinite"/>
-                      </p:stCondLst>
-                      <p:childTnLst>
                         <p:par>
-                          <p:cTn id="29" fill="hold" nodeType="withGroup">
+                          <p:cTn id="24" fill="hold" nodeType="withGroup">
                             <p:stCondLst>
-                              <p:cond delay="0"/>
+                              <p:cond delay="2500"/>
                             </p:stCondLst>
                             <p:childTnLst>
                               <p:par>
-                                <p:cTn id="30" presetID="10" presetClass="entr" presetSubtype="0" fill="hold" grpId="0" nodeType="clickEffect">
+                                <p:cTn id="25" presetID="10" presetClass="entr" presetSubtype="0" fill="hold" grpId="0" nodeType="afterEffect">
                                   <p:stCondLst>
                                     <p:cond delay="0"/>
                                   </p:stCondLst>
                                   <p:childTnLst>
                                     <p:set>
                                       <p:cBhvr>
-                                        <p:cTn id="31" dur="1" fill="hold">
+                                        <p:cTn id="26" dur="1" fill="hold">
                                           <p:stCondLst>
                                             <p:cond delay="0"/>
                                           </p:stCondLst>
@@ -12493,7 +12963,7 @@
                                     </p:set>
                                     <p:animEffect transition="in" filter="fade">
                                       <p:cBhvr>
-                                        <p:cTn id="32" dur="500"/>
+                                        <p:cTn id="27" dur="500"/>
                                         <p:tgtEl>
                                           <p:spTgt spid="6147">
                                             <p:txEl>
@@ -12509,30 +12979,21 @@
                             </p:childTnLst>
                           </p:cTn>
                         </p:par>
-                      </p:childTnLst>
-                    </p:cTn>
-                  </p:par>
-                  <p:par>
-                    <p:cTn id="33" fill="hold" nodeType="clickPar">
-                      <p:stCondLst>
-                        <p:cond delay="indefinite"/>
-                      </p:stCondLst>
-                      <p:childTnLst>
                         <p:par>
-                          <p:cTn id="34" fill="hold" nodeType="withGroup">
+                          <p:cTn id="28" fill="hold" nodeType="withGroup">
                             <p:stCondLst>
-                              <p:cond delay="0"/>
+                              <p:cond delay="3000"/>
                             </p:stCondLst>
                             <p:childTnLst>
                               <p:par>
-                                <p:cTn id="35" presetID="10" presetClass="entr" presetSubtype="0" fill="hold" grpId="0" nodeType="clickEffect">
+                                <p:cTn id="29" presetID="10" presetClass="entr" presetSubtype="0" fill="hold" grpId="0" nodeType="afterEffect">
                                   <p:stCondLst>
                                     <p:cond delay="0"/>
                                   </p:stCondLst>
                                   <p:childTnLst>
                                     <p:set>
                                       <p:cBhvr>
-                                        <p:cTn id="36" dur="1" fill="hold">
+                                        <p:cTn id="30" dur="1" fill="hold">
                                           <p:stCondLst>
                                             <p:cond delay="0"/>
                                           </p:stCondLst>
@@ -12554,7 +13015,7 @@
                                     </p:set>
                                     <p:animEffect transition="in" filter="fade">
                                       <p:cBhvr>
-                                        <p:cTn id="37" dur="500"/>
+                                        <p:cTn id="31" dur="500"/>
                                         <p:tgtEl>
                                           <p:spTgt spid="6147">
                                             <p:txEl>
@@ -12570,30 +13031,21 @@
                             </p:childTnLst>
                           </p:cTn>
                         </p:par>
-                      </p:childTnLst>
-                    </p:cTn>
-                  </p:par>
-                  <p:par>
-                    <p:cTn id="38" fill="hold" nodeType="clickPar">
-                      <p:stCondLst>
-                        <p:cond delay="indefinite"/>
-                      </p:stCondLst>
-                      <p:childTnLst>
                         <p:par>
-                          <p:cTn id="39" fill="hold" nodeType="withGroup">
+                          <p:cTn id="32" fill="hold" nodeType="withGroup">
                             <p:stCondLst>
-                              <p:cond delay="0"/>
+                              <p:cond delay="3500"/>
                             </p:stCondLst>
                             <p:childTnLst>
                               <p:par>
-                                <p:cTn id="40" presetID="10" presetClass="entr" presetSubtype="0" fill="hold" grpId="0" nodeType="clickEffect">
+                                <p:cTn id="33" presetID="10" presetClass="entr" presetSubtype="0" fill="hold" grpId="0" nodeType="afterEffect">
                                   <p:stCondLst>
                                     <p:cond delay="0"/>
                                   </p:stCondLst>
                                   <p:childTnLst>
                                     <p:set>
                                       <p:cBhvr>
-                                        <p:cTn id="41" dur="1" fill="hold">
+                                        <p:cTn id="34" dur="1" fill="hold">
                                           <p:stCondLst>
                                             <p:cond delay="0"/>
                                           </p:stCondLst>
@@ -12615,7 +13067,7 @@
                                     </p:set>
                                     <p:animEffect transition="in" filter="fade">
                                       <p:cBhvr>
-                                        <p:cTn id="42" dur="500"/>
+                                        <p:cTn id="35" dur="500"/>
                                         <p:tgtEl>
                                           <p:spTgt spid="6147">
                                             <p:txEl>
@@ -12631,30 +13083,21 @@
                             </p:childTnLst>
                           </p:cTn>
                         </p:par>
-                      </p:childTnLst>
-                    </p:cTn>
-                  </p:par>
-                  <p:par>
-                    <p:cTn id="43" fill="hold" nodeType="clickPar">
-                      <p:stCondLst>
-                        <p:cond delay="indefinite"/>
-                      </p:stCondLst>
-                      <p:childTnLst>
                         <p:par>
-                          <p:cTn id="44" fill="hold" nodeType="withGroup">
+                          <p:cTn id="36" fill="hold" nodeType="withGroup">
                             <p:stCondLst>
-                              <p:cond delay="0"/>
+                              <p:cond delay="4000"/>
                             </p:stCondLst>
                             <p:childTnLst>
                               <p:par>
-                                <p:cTn id="45" presetID="10" presetClass="entr" presetSubtype="0" fill="hold" grpId="0" nodeType="clickEffect">
+                                <p:cTn id="37" presetID="10" presetClass="entr" presetSubtype="0" fill="hold" grpId="0" nodeType="afterEffect">
                                   <p:stCondLst>
                                     <p:cond delay="0"/>
                                   </p:stCondLst>
                                   <p:childTnLst>
                                     <p:set>
                                       <p:cBhvr>
-                                        <p:cTn id="46" dur="1" fill="hold">
+                                        <p:cTn id="38" dur="1" fill="hold">
                                           <p:stCondLst>
                                             <p:cond delay="0"/>
                                           </p:stCondLst>
@@ -12676,7 +13119,7 @@
                                     </p:set>
                                     <p:animEffect transition="in" filter="fade">
                                       <p:cBhvr>
-                                        <p:cTn id="47" dur="500"/>
+                                        <p:cTn id="39" dur="500"/>
                                         <p:tgtEl>
                                           <p:spTgt spid="6147">
                                             <p:txEl>
@@ -12692,30 +13135,21 @@
                             </p:childTnLst>
                           </p:cTn>
                         </p:par>
-                      </p:childTnLst>
-                    </p:cTn>
-                  </p:par>
-                  <p:par>
-                    <p:cTn id="48" fill="hold" nodeType="clickPar">
-                      <p:stCondLst>
-                        <p:cond delay="indefinite"/>
-                      </p:stCondLst>
-                      <p:childTnLst>
                         <p:par>
-                          <p:cTn id="49" fill="hold" nodeType="withGroup">
+                          <p:cTn id="40" fill="hold" nodeType="withGroup">
                             <p:stCondLst>
-                              <p:cond delay="0"/>
+                              <p:cond delay="4500"/>
                             </p:stCondLst>
                             <p:childTnLst>
                               <p:par>
-                                <p:cTn id="50" presetID="10" presetClass="entr" presetSubtype="0" fill="hold" grpId="0" nodeType="clickEffect">
+                                <p:cTn id="41" presetID="10" presetClass="entr" presetSubtype="0" fill="hold" grpId="0" nodeType="afterEffect">
                                   <p:stCondLst>
                                     <p:cond delay="0"/>
                                   </p:stCondLst>
                                   <p:childTnLst>
                                     <p:set>
                                       <p:cBhvr>
-                                        <p:cTn id="51" dur="1" fill="hold">
+                                        <p:cTn id="42" dur="1" fill="hold">
                                           <p:stCondLst>
                                             <p:cond delay="0"/>
                                           </p:stCondLst>
@@ -12737,72 +13171,11 @@
                                     </p:set>
                                     <p:animEffect transition="in" filter="fade">
                                       <p:cBhvr>
-                                        <p:cTn id="52" dur="500"/>
+                                        <p:cTn id="43" dur="500"/>
                                         <p:tgtEl>
                                           <p:spTgt spid="6147">
                                             <p:txEl>
                                               <p:pRg st="4" end="4"/>
-                                            </p:txEl>
-                                          </p:spTgt>
-                                        </p:tgtEl>
-                                      </p:cBhvr>
-                                    </p:animEffect>
-                                  </p:childTnLst>
-                                </p:cTn>
-                              </p:par>
-                            </p:childTnLst>
-                          </p:cTn>
-                        </p:par>
-                      </p:childTnLst>
-                    </p:cTn>
-                  </p:par>
-                  <p:par>
-                    <p:cTn id="53" fill="hold" nodeType="clickPar">
-                      <p:stCondLst>
-                        <p:cond delay="indefinite"/>
-                      </p:stCondLst>
-                      <p:childTnLst>
-                        <p:par>
-                          <p:cTn id="54" fill="hold" nodeType="withGroup">
-                            <p:stCondLst>
-                              <p:cond delay="0"/>
-                            </p:stCondLst>
-                            <p:childTnLst>
-                              <p:par>
-                                <p:cTn id="55" presetID="10" presetClass="entr" presetSubtype="0" fill="hold" grpId="0" nodeType="clickEffect">
-                                  <p:stCondLst>
-                                    <p:cond delay="0"/>
-                                  </p:stCondLst>
-                                  <p:childTnLst>
-                                    <p:set>
-                                      <p:cBhvr>
-                                        <p:cTn id="56" dur="1" fill="hold">
-                                          <p:stCondLst>
-                                            <p:cond delay="0"/>
-                                          </p:stCondLst>
-                                        </p:cTn>
-                                        <p:tgtEl>
-                                          <p:spTgt spid="6147">
-                                            <p:txEl>
-                                              <p:pRg st="5" end="5"/>
-                                            </p:txEl>
-                                          </p:spTgt>
-                                        </p:tgtEl>
-                                        <p:attrNameLst>
-                                          <p:attrName>style.visibility</p:attrName>
-                                        </p:attrNameLst>
-                                      </p:cBhvr>
-                                      <p:to>
-                                        <p:strVal val="visible"/>
-                                      </p:to>
-                                    </p:set>
-                                    <p:animEffect transition="in" filter="fade">
-                                      <p:cBhvr>
-                                        <p:cTn id="57" dur="500"/>
-                                        <p:tgtEl>
-                                          <p:spTgt spid="6147">
-                                            <p:txEl>
-                                              <p:pRg st="5" end="5"/>
                                             </p:txEl>
                                           </p:spTgt>
                                         </p:tgtEl>
@@ -12839,9 +13212,188 @@
       </p:par>
     </p:tnLst>
     <p:bldLst>
-      <p:bldP spid="6146" grpId="0" build="p"/>
-      <p:bldP spid="6147" grpId="0" build="p"/>
+      <p:bldP spid="6146" grpId="0" uiExpand="1" build="p"/>
+      <p:bldP spid="6147" grpId="0" uiExpand="1" build="p"/>
     </p:bldLst>
+  </p:timing>
+</p:sld>
+</file>
+
+<file path=ppt/slides/slide20.xml><?xml version="1.0" encoding="utf-8"?>
+<p:sld xmlns:a="http://schemas.openxmlformats.org/drawingml/2006/main" xmlns:r="http://schemas.openxmlformats.org/officeDocument/2006/relationships" xmlns:p="http://schemas.openxmlformats.org/presentationml/2006/main">
+  <p:cSld>
+    <p:spTree>
+      <p:nvGrpSpPr>
+        <p:cNvPr id="1" name=""/>
+        <p:cNvGrpSpPr/>
+        <p:nvPr/>
+      </p:nvGrpSpPr>
+      <p:grpSpPr>
+        <a:xfrm>
+          <a:off x="0" y="0"/>
+          <a:ext cx="0" cy="0"/>
+          <a:chOff x="0" y="0"/>
+          <a:chExt cx="0" cy="0"/>
+        </a:xfrm>
+      </p:grpSpPr>
+      <p:sp>
+        <p:nvSpPr>
+          <p:cNvPr id="4" name="Title 3"/>
+          <p:cNvSpPr>
+            <a:spLocks noGrp="1"/>
+          </p:cNvSpPr>
+          <p:nvPr>
+            <p:ph type="title"/>
+          </p:nvPr>
+        </p:nvSpPr>
+        <p:spPr/>
+        <p:txBody>
+          <a:bodyPr/>
+          <a:lstStyle/>
+          <a:p>
+            <a:r>
+              <a:rPr lang="en-US" dirty="0" smtClean="0">
+                <a:latin typeface="News Gothic Com Thin"/>
+              </a:rPr>
+              <a:t>Thank you!</a:t>
+            </a:r>
+            <a:endParaRPr lang="en-US" dirty="0">
+              <a:latin typeface="News Gothic Com Thin"/>
+            </a:endParaRPr>
+          </a:p>
+        </p:txBody>
+      </p:sp>
+      <p:sp>
+        <p:nvSpPr>
+          <p:cNvPr id="5" name="Content Placeholder 4"/>
+          <p:cNvSpPr>
+            <a:spLocks noGrp="1"/>
+          </p:cNvSpPr>
+          <p:nvPr>
+            <p:ph sz="half" idx="1"/>
+          </p:nvPr>
+        </p:nvSpPr>
+        <p:spPr/>
+        <p:txBody>
+          <a:bodyPr/>
+          <a:lstStyle/>
+          <a:p>
+            <a:pPr marL="0" indent="0">
+              <a:buNone/>
+            </a:pPr>
+            <a:r>
+              <a:rPr lang="en-US" dirty="0" smtClean="0"/>
+              <a:t>Brendan Enrick</a:t>
+            </a:r>
+          </a:p>
+          <a:p>
+            <a:pPr marL="0" indent="0">
+              <a:buNone/>
+            </a:pPr>
+            <a:endParaRPr lang="en-US" dirty="0"/>
+          </a:p>
+          <a:p>
+            <a:pPr marL="0" indent="0">
+              <a:buNone/>
+            </a:pPr>
+            <a:r>
+              <a:rPr lang="en-US" dirty="0" smtClean="0"/>
+              <a:t>@</a:t>
+            </a:r>
+            <a:r>
+              <a:rPr lang="en-US" dirty="0" err="1" smtClean="0"/>
+              <a:t>brendoneus</a:t>
+            </a:r>
+            <a:endParaRPr lang="en-US" dirty="0" smtClean="0"/>
+          </a:p>
+          <a:p>
+            <a:pPr marL="0" indent="0">
+              <a:buNone/>
+            </a:pPr>
+            <a:r>
+              <a:rPr lang="en-US" dirty="0" err="1" smtClean="0"/>
+              <a:t>brendan.enrick.com</a:t>
+            </a:r>
+            <a:endParaRPr lang="en-US" dirty="0"/>
+          </a:p>
+        </p:txBody>
+      </p:sp>
+      <p:sp>
+        <p:nvSpPr>
+          <p:cNvPr id="6" name="Content Placeholder 5"/>
+          <p:cNvSpPr>
+            <a:spLocks noGrp="1"/>
+          </p:cNvSpPr>
+          <p:nvPr>
+            <p:ph sz="half" idx="2"/>
+          </p:nvPr>
+        </p:nvSpPr>
+        <p:spPr/>
+        <p:txBody>
+          <a:bodyPr/>
+          <a:lstStyle/>
+          <a:p>
+            <a:pPr marL="0" indent="0">
+              <a:buNone/>
+            </a:pPr>
+            <a:r>
+              <a:rPr lang="en-US" dirty="0" smtClean="0"/>
+              <a:t>Jeff </a:t>
+            </a:r>
+            <a:r>
+              <a:rPr lang="en-US" dirty="0" err="1" smtClean="0"/>
+              <a:t>Valore</a:t>
+            </a:r>
+            <a:endParaRPr lang="en-US" dirty="0" smtClean="0"/>
+          </a:p>
+          <a:p>
+            <a:pPr marL="0" indent="0">
+              <a:buNone/>
+            </a:pPr>
+            <a:endParaRPr lang="en-US" dirty="0"/>
+          </a:p>
+          <a:p>
+            <a:pPr marL="0" indent="0">
+              <a:buNone/>
+            </a:pPr>
+            <a:r>
+              <a:rPr lang="en-US" dirty="0" smtClean="0"/>
+              <a:t>@</a:t>
+            </a:r>
+            <a:r>
+              <a:rPr lang="en-US" dirty="0" err="1" smtClean="0"/>
+              <a:t>CodingWithSpike</a:t>
+            </a:r>
+            <a:endParaRPr lang="en-US" dirty="0" smtClean="0"/>
+          </a:p>
+          <a:p>
+            <a:pPr marL="0" indent="0">
+              <a:buNone/>
+            </a:pPr>
+            <a:r>
+              <a:rPr lang="en-US" dirty="0" smtClean="0"/>
+              <a:t>CodingWithSpike.com</a:t>
+            </a:r>
+            <a:endParaRPr lang="en-US" dirty="0"/>
+          </a:p>
+        </p:txBody>
+      </p:sp>
+    </p:spTree>
+    <p:extLst>
+      <p:ext uri="{BB962C8B-B14F-4D97-AF65-F5344CB8AC3E}">
+        <p14:creationId xmlns:p14="http://schemas.microsoft.com/office/powerpoint/2010/main" val="1772077383"/>
+      </p:ext>
+    </p:extLst>
+  </p:cSld>
+  <p:clrMapOvr>
+    <a:masterClrMapping/>
+  </p:clrMapOvr>
+  <p:timing>
+    <p:tnLst>
+      <p:par>
+        <p:cTn id="1" dur="indefinite" restart="never" nodeType="tmRoot"/>
+      </p:par>
+    </p:tnLst>
   </p:timing>
 </p:sld>
 </file>
@@ -13050,42 +13602,7 @@
                 <a:latin typeface="News Gothic Com Thin" panose="020B0204030503020204" pitchFamily="34" charset="0"/>
                 <a:cs typeface="News Gothic Com Thin" panose="020B0204030503020204" pitchFamily="34" charset="0"/>
               </a:rPr>
-              <a:t>"</a:t>
-            </a:r>
-            <a:r>
-              <a:rPr lang="en-US" sz="1800" dirty="0" smtClean="0">
-                <a:latin typeface="News Gothic Com Thin" panose="020B0204030503020204" pitchFamily="34" charset="0"/>
-                <a:cs typeface="News Gothic Com Thin" panose="020B0204030503020204" pitchFamily="34" charset="0"/>
-              </a:rPr>
-              <a:t>Everything </a:t>
-            </a:r>
-            <a:r>
-              <a:rPr lang="en-US" sz="1800" dirty="0" smtClean="0">
-                <a:latin typeface="News Gothic Com Thin" panose="020B0204030503020204" pitchFamily="34" charset="0"/>
-                <a:cs typeface="News Gothic Com Thin" panose="020B0204030503020204" pitchFamily="34" charset="0"/>
-              </a:rPr>
-              <a:t>should be as </a:t>
-            </a:r>
-            <a:r>
-              <a:rPr lang="en-US" sz="1800" dirty="0" smtClean="0">
-                <a:latin typeface="News Gothic Com Thin" panose="020B0204030503020204" pitchFamily="34" charset="0"/>
-                <a:cs typeface="News Gothic Com Thin" panose="020B0204030503020204" pitchFamily="34" charset="0"/>
-              </a:rPr>
-              <a:t>simple </a:t>
-            </a:r>
-            <a:r>
-              <a:rPr lang="en-US" sz="1800" dirty="0" smtClean="0">
-                <a:latin typeface="News Gothic Com Thin" panose="020B0204030503020204" pitchFamily="34" charset="0"/>
-                <a:cs typeface="News Gothic Com Thin" panose="020B0204030503020204" pitchFamily="34" charset="0"/>
-              </a:rPr>
-              <a:t>as possible, but no simpler</a:t>
-            </a:r>
-            <a:r>
-              <a:rPr lang="en-US" sz="1800" dirty="0" smtClean="0">
-                <a:latin typeface="News Gothic Com Thin" panose="020B0204030503020204" pitchFamily="34" charset="0"/>
-                <a:cs typeface="News Gothic Com Thin" panose="020B0204030503020204" pitchFamily="34" charset="0"/>
-              </a:rPr>
-              <a:t>."</a:t>
+              <a:t>"Everything should be as simple as possible, but no simpler."</a:t>
             </a:r>
             <a:br>
               <a:rPr lang="en-US" sz="1800" dirty="0" smtClean="0">
@@ -13098,14 +13615,7 @@
                 <a:latin typeface="News Gothic Com Thin" panose="020B0204030503020204" pitchFamily="34" charset="0"/>
                 <a:cs typeface="News Gothic Com Thin" panose="020B0204030503020204" pitchFamily="34" charset="0"/>
               </a:rPr>
-              <a:t>– </a:t>
-            </a:r>
-            <a:r>
-              <a:rPr lang="en-US" sz="1800" dirty="0" smtClean="0">
-                <a:latin typeface="News Gothic Com Thin" panose="020B0204030503020204" pitchFamily="34" charset="0"/>
-                <a:cs typeface="News Gothic Com Thin" panose="020B0204030503020204" pitchFamily="34" charset="0"/>
-              </a:rPr>
-              <a:t>Albert Einstein</a:t>
+              <a:t>– Albert Einstein</a:t>
             </a:r>
           </a:p>
         </p:txBody>
@@ -13184,6 +13694,9 @@
                     <p:cTn id="3" fill="hold" nodeType="clickPar">
                       <p:stCondLst>
                         <p:cond delay="indefinite"/>
+                        <p:cond evt="onBegin" delay="0">
+                          <p:tn val="2"/>
+                        </p:cond>
                       </p:stCondLst>
                       <p:childTnLst>
                         <p:par>
@@ -13193,7 +13706,7 @@
                             </p:stCondLst>
                             <p:childTnLst>
                               <p:par>
-                                <p:cTn id="5" presetID="10" presetClass="entr" presetSubtype="0" fill="hold" grpId="0" nodeType="clickEffect">
+                                <p:cTn id="5" presetID="10" presetClass="entr" presetSubtype="0" fill="hold" grpId="0" nodeType="withEffect">
                                   <p:stCondLst>
                                     <p:cond delay="0"/>
                                   </p:stCondLst>
@@ -13238,30 +13751,21 @@
                             </p:childTnLst>
                           </p:cTn>
                         </p:par>
-                      </p:childTnLst>
-                    </p:cTn>
-                  </p:par>
-                  <p:par>
-                    <p:cTn id="8" fill="hold" nodeType="clickPar">
-                      <p:stCondLst>
-                        <p:cond delay="indefinite"/>
-                      </p:stCondLst>
-                      <p:childTnLst>
                         <p:par>
-                          <p:cTn id="9" fill="hold" nodeType="withGroup">
+                          <p:cTn id="8" fill="hold">
                             <p:stCondLst>
-                              <p:cond delay="0"/>
+                              <p:cond delay="500"/>
                             </p:stCondLst>
                             <p:childTnLst>
                               <p:par>
-                                <p:cTn id="10" presetID="10" presetClass="entr" presetSubtype="0" fill="hold" grpId="0" nodeType="clickEffect">
+                                <p:cTn id="9" presetID="10" presetClass="entr" presetSubtype="0" fill="hold" grpId="0" nodeType="afterEffect">
                                   <p:stCondLst>
                                     <p:cond delay="0"/>
                                   </p:stCondLst>
                                   <p:childTnLst>
                                     <p:set>
                                       <p:cBhvr>
-                                        <p:cTn id="11" dur="1" fill="hold">
+                                        <p:cTn id="10" dur="1" fill="hold">
                                           <p:stCondLst>
                                             <p:cond delay="0"/>
                                           </p:stCondLst>
@@ -13283,7 +13787,7 @@
                                     </p:set>
                                     <p:animEffect transition="in" filter="fade">
                                       <p:cBhvr>
-                                        <p:cTn id="12" dur="500"/>
+                                        <p:cTn id="11" dur="500"/>
                                         <p:tgtEl>
                                           <p:spTgt spid="5121">
                                             <p:txEl>
@@ -13299,30 +13803,21 @@
                             </p:childTnLst>
                           </p:cTn>
                         </p:par>
-                      </p:childTnLst>
-                    </p:cTn>
-                  </p:par>
-                  <p:par>
-                    <p:cTn id="13" fill="hold" nodeType="clickPar">
-                      <p:stCondLst>
-                        <p:cond delay="indefinite"/>
-                      </p:stCondLst>
-                      <p:childTnLst>
                         <p:par>
-                          <p:cTn id="14" fill="hold" nodeType="withGroup">
+                          <p:cTn id="12" fill="hold" nodeType="withGroup">
                             <p:stCondLst>
-                              <p:cond delay="0"/>
+                              <p:cond delay="1000"/>
                             </p:stCondLst>
                             <p:childTnLst>
                               <p:par>
-                                <p:cTn id="15" presetID="10" presetClass="entr" presetSubtype="0" fill="hold" grpId="0" nodeType="clickEffect">
+                                <p:cTn id="13" presetID="10" presetClass="entr" presetSubtype="0" fill="hold" grpId="0" nodeType="afterEffect">
                                   <p:stCondLst>
                                     <p:cond delay="0"/>
                                   </p:stCondLst>
                                   <p:childTnLst>
                                     <p:set>
                                       <p:cBhvr>
-                                        <p:cTn id="16" dur="1" fill="hold">
+                                        <p:cTn id="14" dur="1" fill="hold">
                                           <p:stCondLst>
                                             <p:cond delay="0"/>
                                           </p:stCondLst>
@@ -13344,7 +13839,7 @@
                                     </p:set>
                                     <p:animEffect transition="in" filter="fade">
                                       <p:cBhvr>
-                                        <p:cTn id="17" dur="500"/>
+                                        <p:cTn id="15" dur="500"/>
                                         <p:tgtEl>
                                           <p:spTgt spid="5121">
                                             <p:txEl>
@@ -13385,7 +13880,7 @@
       </p:par>
     </p:tnLst>
     <p:bldLst>
-      <p:bldP spid="5121" grpId="0" build="p"/>
+      <p:bldP spid="5121" grpId="0" uiExpand="1" build="p"/>
     </p:bldLst>
   </p:timing>
 </p:sld>
@@ -13619,14 +14114,7 @@
                 <a:latin typeface="News Gothic Com Thin" panose="020B0204030503020204" pitchFamily="34" charset="0"/>
                 <a:cs typeface="News Gothic Com Thin" panose="020B0204030503020204" pitchFamily="34" charset="0"/>
               </a:rPr>
-              <a:t>You </a:t>
-            </a:r>
-            <a:r>
-              <a:rPr lang="en-US" sz="1800" dirty="0" smtClean="0">
-                <a:latin typeface="News Gothic Com Thin" panose="020B0204030503020204" pitchFamily="34" charset="0"/>
-                <a:cs typeface="News Gothic Com Thin" panose="020B0204030503020204" pitchFamily="34" charset="0"/>
-              </a:rPr>
-              <a:t>Aren't </a:t>
+              <a:t>You Aren't </a:t>
             </a:r>
             <a:r>
               <a:rPr lang="en-US" sz="1800" dirty="0" err="1" smtClean="0">
@@ -13691,14 +14179,7 @@
                 <a:latin typeface="News Gothic Com Thin" panose="020B0204030503020204" pitchFamily="34" charset="0"/>
                 <a:cs typeface="News Gothic Com Thin" panose="020B0204030503020204" pitchFamily="34" charset="0"/>
               </a:rPr>
-              <a:t>Don't </a:t>
-            </a:r>
-            <a:r>
-              <a:rPr lang="en-US" sz="1800" dirty="0" smtClean="0">
-                <a:latin typeface="News Gothic Com Thin" panose="020B0204030503020204" pitchFamily="34" charset="0"/>
-                <a:cs typeface="News Gothic Com Thin" panose="020B0204030503020204" pitchFamily="34" charset="0"/>
-              </a:rPr>
-              <a:t>waste time building things you </a:t>
+              <a:t>Don't waste time building things you </a:t>
             </a:r>
             <a:r>
               <a:rPr lang="en-US" sz="1800" i="1" dirty="0" smtClean="0">
@@ -13791,6 +14272,9 @@
                     <p:cTn id="3" fill="hold" nodeType="clickPar">
                       <p:stCondLst>
                         <p:cond delay="indefinite"/>
+                        <p:cond evt="onBegin" delay="0">
+                          <p:tn val="2"/>
+                        </p:cond>
                       </p:stCondLst>
                       <p:childTnLst>
                         <p:par>
@@ -13800,7 +14284,7 @@
                             </p:stCondLst>
                             <p:childTnLst>
                               <p:par>
-                                <p:cTn id="5" presetID="10" presetClass="entr" presetSubtype="0" fill="hold" grpId="0" nodeType="clickEffect">
+                                <p:cTn id="5" presetID="10" presetClass="entr" presetSubtype="0" fill="hold" grpId="0" nodeType="afterEffect">
                                   <p:stCondLst>
                                     <p:cond delay="0"/>
                                   </p:stCondLst>
@@ -13845,30 +14329,21 @@
                             </p:childTnLst>
                           </p:cTn>
                         </p:par>
-                      </p:childTnLst>
-                    </p:cTn>
-                  </p:par>
-                  <p:par>
-                    <p:cTn id="8" fill="hold" nodeType="clickPar">
-                      <p:stCondLst>
-                        <p:cond delay="indefinite"/>
-                      </p:stCondLst>
-                      <p:childTnLst>
                         <p:par>
-                          <p:cTn id="9" fill="hold" nodeType="withGroup">
+                          <p:cTn id="8" fill="hold" nodeType="withGroup">
                             <p:stCondLst>
-                              <p:cond delay="0"/>
+                              <p:cond delay="500"/>
                             </p:stCondLst>
                             <p:childTnLst>
                               <p:par>
-                                <p:cTn id="10" presetID="10" presetClass="entr" presetSubtype="0" fill="hold" grpId="0" nodeType="clickEffect">
+                                <p:cTn id="9" presetID="10" presetClass="entr" presetSubtype="0" fill="hold" grpId="0" nodeType="afterEffect">
                                   <p:stCondLst>
                                     <p:cond delay="0"/>
                                   </p:stCondLst>
                                   <p:childTnLst>
                                     <p:set>
                                       <p:cBhvr>
-                                        <p:cTn id="11" dur="1" fill="hold">
+                                        <p:cTn id="10" dur="1" fill="hold">
                                           <p:stCondLst>
                                             <p:cond delay="0"/>
                                           </p:stCondLst>
@@ -13890,7 +14365,7 @@
                                     </p:set>
                                     <p:animEffect transition="in" filter="fade">
                                       <p:cBhvr>
-                                        <p:cTn id="12" dur="500"/>
+                                        <p:cTn id="11" dur="500"/>
                                         <p:tgtEl>
                                           <p:spTgt spid="5121">
                                             <p:txEl>
@@ -13906,30 +14381,21 @@
                             </p:childTnLst>
                           </p:cTn>
                         </p:par>
-                      </p:childTnLst>
-                    </p:cTn>
-                  </p:par>
-                  <p:par>
-                    <p:cTn id="13" fill="hold" nodeType="clickPar">
-                      <p:stCondLst>
-                        <p:cond delay="indefinite"/>
-                      </p:stCondLst>
-                      <p:childTnLst>
                         <p:par>
-                          <p:cTn id="14" fill="hold" nodeType="withGroup">
+                          <p:cTn id="12" fill="hold" nodeType="withGroup">
                             <p:stCondLst>
-                              <p:cond delay="0"/>
+                              <p:cond delay="1000"/>
                             </p:stCondLst>
                             <p:childTnLst>
                               <p:par>
-                                <p:cTn id="15" presetID="10" presetClass="entr" presetSubtype="0" fill="hold" grpId="0" nodeType="clickEffect">
+                                <p:cTn id="13" presetID="10" presetClass="entr" presetSubtype="0" fill="hold" grpId="0" nodeType="afterEffect">
                                   <p:stCondLst>
                                     <p:cond delay="0"/>
                                   </p:stCondLst>
                                   <p:childTnLst>
                                     <p:set>
                                       <p:cBhvr>
-                                        <p:cTn id="16" dur="1" fill="hold">
+                                        <p:cTn id="14" dur="1" fill="hold">
                                           <p:stCondLst>
                                             <p:cond delay="0"/>
                                           </p:stCondLst>
@@ -13951,7 +14417,7 @@
                                     </p:set>
                                     <p:animEffect transition="in" filter="fade">
                                       <p:cBhvr>
-                                        <p:cTn id="17" dur="500"/>
+                                        <p:cTn id="15" dur="500"/>
                                         <p:tgtEl>
                                           <p:spTgt spid="5121">
                                             <p:txEl>
@@ -13967,30 +14433,21 @@
                             </p:childTnLst>
                           </p:cTn>
                         </p:par>
-                      </p:childTnLst>
-                    </p:cTn>
-                  </p:par>
-                  <p:par>
-                    <p:cTn id="18" fill="hold" nodeType="clickPar">
-                      <p:stCondLst>
-                        <p:cond delay="indefinite"/>
-                      </p:stCondLst>
-                      <p:childTnLst>
                         <p:par>
-                          <p:cTn id="19" fill="hold" nodeType="withGroup">
+                          <p:cTn id="16" fill="hold" nodeType="withGroup">
                             <p:stCondLst>
-                              <p:cond delay="0"/>
+                              <p:cond delay="1500"/>
                             </p:stCondLst>
                             <p:childTnLst>
                               <p:par>
-                                <p:cTn id="20" presetID="10" presetClass="entr" presetSubtype="0" fill="hold" grpId="0" nodeType="clickEffect">
+                                <p:cTn id="17" presetID="10" presetClass="entr" presetSubtype="0" fill="hold" grpId="0" nodeType="afterEffect">
                                   <p:stCondLst>
                                     <p:cond delay="0"/>
                                   </p:stCondLst>
                                   <p:childTnLst>
                                     <p:set>
                                       <p:cBhvr>
-                                        <p:cTn id="21" dur="1" fill="hold">
+                                        <p:cTn id="18" dur="1" fill="hold">
                                           <p:stCondLst>
                                             <p:cond delay="0"/>
                                           </p:stCondLst>
@@ -14012,7 +14469,7 @@
                                     </p:set>
                                     <p:animEffect transition="in" filter="fade">
                                       <p:cBhvr>
-                                        <p:cTn id="22" dur="500"/>
+                                        <p:cTn id="19" dur="500"/>
                                         <p:tgtEl>
                                           <p:spTgt spid="5121">
                                             <p:txEl>
@@ -14053,7 +14510,7 @@
       </p:par>
     </p:tnLst>
     <p:bldLst>
-      <p:bldP spid="5121" grpId="0" build="p"/>
+      <p:bldP spid="5121" grpId="0" uiExpand="1" build="p"/>
     </p:bldLst>
   </p:timing>
 </p:sld>
@@ -14097,15 +14554,19 @@
                 <a:latin typeface="News Gothic Com Thin" panose="020B0204030503020204" pitchFamily="34" charset="0"/>
                 <a:cs typeface="News Gothic Com Thin" panose="020B0204030503020204" pitchFamily="34" charset="0"/>
               </a:rPr>
-              <a:t>Don't </a:t>
+              <a:t>Don't Repeat </a:t>
             </a:r>
             <a:r>
               <a:rPr lang="en-US" dirty="0" smtClean="0">
                 <a:latin typeface="News Gothic Com Thin" panose="020B0204030503020204" pitchFamily="34" charset="0"/>
                 <a:cs typeface="News Gothic Com Thin" panose="020B0204030503020204" pitchFamily="34" charset="0"/>
               </a:rPr>
-              <a:t>Repeat Yourself</a:t>
-            </a:r>
+              <a:t>Yourself (DRY)</a:t>
+            </a:r>
+            <a:endParaRPr lang="en-US" dirty="0" smtClean="0">
+              <a:latin typeface="News Gothic Com Thin" panose="020B0204030503020204" pitchFamily="34" charset="0"/>
+              <a:cs typeface="News Gothic Com Thin" panose="020B0204030503020204" pitchFamily="34" charset="0"/>
+            </a:endParaRPr>
           </a:p>
         </p:txBody>
       </p:sp>
@@ -14122,7 +14583,7 @@
         <p:spPr/>
         <p:txBody>
           <a:bodyPr>
-            <a:normAutofit fontScale="92500" lnSpcReduction="20000"/>
+            <a:normAutofit lnSpcReduction="10000"/>
           </a:bodyPr>
           <a:lstStyle/>
           <a:p>
@@ -14149,8 +14610,19 @@
                 <a:latin typeface="News Gothic Com Thin" panose="020B0204030503020204" pitchFamily="34" charset="0"/>
                 <a:cs typeface="News Gothic Com Thin" panose="020B0204030503020204" pitchFamily="34" charset="0"/>
               </a:rPr>
-              <a:t>Avoid copy-paste programming</a:t>
-            </a:r>
+              <a:t>Avoid copy-paste </a:t>
+            </a:r>
+            <a:r>
+              <a:rPr lang="en-US" sz="1800" dirty="0" smtClean="0">
+                <a:latin typeface="News Gothic Com Thin" panose="020B0204030503020204" pitchFamily="34" charset="0"/>
+                <a:cs typeface="News Gothic Com Thin" panose="020B0204030503020204" pitchFamily="34" charset="0"/>
+              </a:rPr>
+              <a:t>programming.</a:t>
+            </a:r>
+            <a:endParaRPr lang="en-US" sz="1800" dirty="0" smtClean="0">
+              <a:latin typeface="News Gothic Com Thin" panose="020B0204030503020204" pitchFamily="34" charset="0"/>
+              <a:cs typeface="News Gothic Com Thin" panose="020B0204030503020204" pitchFamily="34" charset="0"/>
+            </a:endParaRPr>
           </a:p>
           <a:p>
             <a:pPr eaLnBrk="1" hangingPunct="1"/>
@@ -14183,25 +14655,12 @@
                 <a:latin typeface="News Gothic Com Thin" panose="020B0204030503020204" pitchFamily="34" charset="0"/>
                 <a:cs typeface="News Gothic Com Thin" panose="020B0204030503020204" pitchFamily="34" charset="0"/>
               </a:rPr>
-              <a:t>Duplication in process -&gt; automation</a:t>
-            </a:r>
-          </a:p>
-          <a:p>
-            <a:pPr eaLnBrk="1" hangingPunct="1"/>
+              <a:t>Duplication is waste, and creates technical debt.</a:t>
+            </a:r>
             <a:endParaRPr lang="en-US" sz="1800" dirty="0" smtClean="0">
               <a:latin typeface="News Gothic Com Thin" panose="020B0204030503020204" pitchFamily="34" charset="0"/>
               <a:cs typeface="News Gothic Com Thin" panose="020B0204030503020204" pitchFamily="34" charset="0"/>
             </a:endParaRPr>
-          </a:p>
-          <a:p>
-            <a:pPr eaLnBrk="1" hangingPunct="1"/>
-            <a:r>
-              <a:rPr lang="en-US" sz="1800" dirty="0" smtClean="0">
-                <a:latin typeface="News Gothic Com Thin" panose="020B0204030503020204" pitchFamily="34" charset="0"/>
-                <a:cs typeface="News Gothic Com Thin" panose="020B0204030503020204" pitchFamily="34" charset="0"/>
-              </a:rPr>
-              <a:t>Duplication in logic-&gt; abstraction</a:t>
-            </a:r>
           </a:p>
         </p:txBody>
       </p:sp>
@@ -14279,6 +14738,9 @@
                     <p:cTn id="3" fill="hold" nodeType="clickPar">
                       <p:stCondLst>
                         <p:cond delay="indefinite"/>
+                        <p:cond evt="onBegin" delay="0">
+                          <p:tn val="2"/>
+                        </p:cond>
                       </p:stCondLst>
                       <p:childTnLst>
                         <p:par>
@@ -14288,7 +14750,7 @@
                             </p:stCondLst>
                             <p:childTnLst>
                               <p:par>
-                                <p:cTn id="5" presetID="10" presetClass="entr" presetSubtype="0" fill="hold" grpId="0" nodeType="clickEffect">
+                                <p:cTn id="5" presetID="10" presetClass="entr" presetSubtype="0" fill="hold" grpId="0" nodeType="afterEffect">
                                   <p:stCondLst>
                                     <p:cond delay="0"/>
                                   </p:stCondLst>
@@ -14333,30 +14795,21 @@
                             </p:childTnLst>
                           </p:cTn>
                         </p:par>
-                      </p:childTnLst>
-                    </p:cTn>
-                  </p:par>
-                  <p:par>
-                    <p:cTn id="8" fill="hold">
-                      <p:stCondLst>
-                        <p:cond delay="indefinite"/>
-                      </p:stCondLst>
-                      <p:childTnLst>
                         <p:par>
-                          <p:cTn id="9" fill="hold">
+                          <p:cTn id="8" fill="hold">
                             <p:stCondLst>
-                              <p:cond delay="0"/>
+                              <p:cond delay="500"/>
                             </p:stCondLst>
                             <p:childTnLst>
                               <p:par>
-                                <p:cTn id="10" presetID="10" presetClass="entr" presetSubtype="0" fill="hold" grpId="0" nodeType="clickEffect">
+                                <p:cTn id="9" presetID="10" presetClass="entr" presetSubtype="0" fill="hold" grpId="0" nodeType="afterEffect">
                                   <p:stCondLst>
                                     <p:cond delay="0"/>
                                   </p:stCondLst>
                                   <p:childTnLst>
                                     <p:set>
                                       <p:cBhvr>
-                                        <p:cTn id="11" dur="1" fill="hold">
+                                        <p:cTn id="10" dur="1" fill="hold">
                                           <p:stCondLst>
                                             <p:cond delay="0"/>
                                           </p:stCondLst>
@@ -14378,7 +14831,7 @@
                                     </p:set>
                                     <p:animEffect transition="in" filter="fade">
                                       <p:cBhvr>
-                                        <p:cTn id="12" dur="500"/>
+                                        <p:cTn id="11" dur="500"/>
                                         <p:tgtEl>
                                           <p:spTgt spid="5121">
                                             <p:txEl>
@@ -14394,30 +14847,21 @@
                             </p:childTnLst>
                           </p:cTn>
                         </p:par>
-                      </p:childTnLst>
-                    </p:cTn>
-                  </p:par>
-                  <p:par>
-                    <p:cTn id="13" fill="hold" nodeType="clickPar">
-                      <p:stCondLst>
-                        <p:cond delay="indefinite"/>
-                      </p:stCondLst>
-                      <p:childTnLst>
                         <p:par>
-                          <p:cTn id="14" fill="hold" nodeType="withGroup">
+                          <p:cTn id="12" fill="hold" nodeType="withGroup">
                             <p:stCondLst>
-                              <p:cond delay="0"/>
+                              <p:cond delay="1000"/>
                             </p:stCondLst>
                             <p:childTnLst>
                               <p:par>
-                                <p:cTn id="15" presetID="10" presetClass="entr" presetSubtype="0" fill="hold" grpId="0" nodeType="clickEffect">
+                                <p:cTn id="13" presetID="10" presetClass="entr" presetSubtype="0" fill="hold" grpId="0" nodeType="afterEffect">
                                   <p:stCondLst>
                                     <p:cond delay="0"/>
                                   </p:stCondLst>
                                   <p:childTnLst>
                                     <p:set>
                                       <p:cBhvr>
-                                        <p:cTn id="16" dur="1" fill="hold">
+                                        <p:cTn id="14" dur="1" fill="hold">
                                           <p:stCondLst>
                                             <p:cond delay="0"/>
                                           </p:stCondLst>
@@ -14439,7 +14883,7 @@
                                     </p:set>
                                     <p:animEffect transition="in" filter="fade">
                                       <p:cBhvr>
-                                        <p:cTn id="17" dur="500"/>
+                                        <p:cTn id="15" dur="500"/>
                                         <p:tgtEl>
                                           <p:spTgt spid="5121">
                                             <p:txEl>
@@ -14455,30 +14899,21 @@
                             </p:childTnLst>
                           </p:cTn>
                         </p:par>
-                      </p:childTnLst>
-                    </p:cTn>
-                  </p:par>
-                  <p:par>
-                    <p:cTn id="18" fill="hold" nodeType="clickPar">
-                      <p:stCondLst>
-                        <p:cond delay="indefinite"/>
-                      </p:stCondLst>
-                      <p:childTnLst>
                         <p:par>
-                          <p:cTn id="19" fill="hold" nodeType="withGroup">
+                          <p:cTn id="16" fill="hold">
                             <p:stCondLst>
-                              <p:cond delay="0"/>
+                              <p:cond delay="1500"/>
                             </p:stCondLst>
                             <p:childTnLst>
                               <p:par>
-                                <p:cTn id="20" presetID="10" presetClass="entr" presetSubtype="0" fill="hold" grpId="0" nodeType="clickEffect">
+                                <p:cTn id="17" presetID="10" presetClass="entr" presetSubtype="0" fill="hold" grpId="0" nodeType="afterEffect">
                                   <p:stCondLst>
                                     <p:cond delay="0"/>
                                   </p:stCondLst>
                                   <p:childTnLst>
                                     <p:set>
                                       <p:cBhvr>
-                                        <p:cTn id="21" dur="1" fill="hold">
+                                        <p:cTn id="18" dur="1" fill="hold">
                                           <p:stCondLst>
                                             <p:cond delay="0"/>
                                           </p:stCondLst>
@@ -14500,72 +14935,11 @@
                                     </p:set>
                                     <p:animEffect transition="in" filter="fade">
                                       <p:cBhvr>
-                                        <p:cTn id="22" dur="500"/>
+                                        <p:cTn id="19" dur="500"/>
                                         <p:tgtEl>
                                           <p:spTgt spid="5121">
                                             <p:txEl>
                                               <p:pRg st="6" end="6"/>
-                                            </p:txEl>
-                                          </p:spTgt>
-                                        </p:tgtEl>
-                                      </p:cBhvr>
-                                    </p:animEffect>
-                                  </p:childTnLst>
-                                </p:cTn>
-                              </p:par>
-                            </p:childTnLst>
-                          </p:cTn>
-                        </p:par>
-                      </p:childTnLst>
-                    </p:cTn>
-                  </p:par>
-                  <p:par>
-                    <p:cTn id="23" fill="hold">
-                      <p:stCondLst>
-                        <p:cond delay="indefinite"/>
-                      </p:stCondLst>
-                      <p:childTnLst>
-                        <p:par>
-                          <p:cTn id="24" fill="hold">
-                            <p:stCondLst>
-                              <p:cond delay="0"/>
-                            </p:stCondLst>
-                            <p:childTnLst>
-                              <p:par>
-                                <p:cTn id="25" presetID="10" presetClass="entr" presetSubtype="0" fill="hold" grpId="0" nodeType="clickEffect">
-                                  <p:stCondLst>
-                                    <p:cond delay="0"/>
-                                  </p:stCondLst>
-                                  <p:childTnLst>
-                                    <p:set>
-                                      <p:cBhvr>
-                                        <p:cTn id="26" dur="1" fill="hold">
-                                          <p:stCondLst>
-                                            <p:cond delay="0"/>
-                                          </p:stCondLst>
-                                        </p:cTn>
-                                        <p:tgtEl>
-                                          <p:spTgt spid="5121">
-                                            <p:txEl>
-                                              <p:pRg st="8" end="8"/>
-                                            </p:txEl>
-                                          </p:spTgt>
-                                        </p:tgtEl>
-                                        <p:attrNameLst>
-                                          <p:attrName>style.visibility</p:attrName>
-                                        </p:attrNameLst>
-                                      </p:cBhvr>
-                                      <p:to>
-                                        <p:strVal val="visible"/>
-                                      </p:to>
-                                    </p:set>
-                                    <p:animEffect transition="in" filter="fade">
-                                      <p:cBhvr>
-                                        <p:cTn id="27" dur="500"/>
-                                        <p:tgtEl>
-                                          <p:spTgt spid="5121">
-                                            <p:txEl>
-                                              <p:pRg st="8" end="8"/>
                                             </p:txEl>
                                           </p:spTgt>
                                         </p:tgtEl>
@@ -14602,7 +14976,7 @@
       </p:par>
     </p:tnLst>
     <p:bldLst>
-      <p:bldP spid="5121" grpId="0" build="p"/>
+      <p:bldP spid="5121" grpId="0" uiExpand="1" build="p"/>
     </p:bldLst>
   </p:timing>
 </p:sld>
@@ -14804,6 +15178,9 @@
                     <p:cTn id="3" fill="hold" nodeType="clickPar">
                       <p:stCondLst>
                         <p:cond delay="indefinite"/>
+                        <p:cond evt="onBegin" delay="0">
+                          <p:tn val="2"/>
+                        </p:cond>
                       </p:stCondLst>
                       <p:childTnLst>
                         <p:par>
@@ -14813,7 +15190,7 @@
                             </p:stCondLst>
                             <p:childTnLst>
                               <p:par>
-                                <p:cTn id="5" presetID="10" presetClass="entr" presetSubtype="0" fill="hold" grpId="0" nodeType="clickEffect">
+                                <p:cTn id="5" presetID="10" presetClass="entr" presetSubtype="0" fill="hold" grpId="0" nodeType="afterEffect">
                                   <p:stCondLst>
                                     <p:cond delay="0"/>
                                   </p:stCondLst>
@@ -14858,30 +15235,21 @@
                             </p:childTnLst>
                           </p:cTn>
                         </p:par>
-                      </p:childTnLst>
-                    </p:cTn>
-                  </p:par>
-                  <p:par>
-                    <p:cTn id="8" fill="hold" nodeType="clickPar">
-                      <p:stCondLst>
-                        <p:cond delay="indefinite"/>
-                      </p:stCondLst>
-                      <p:childTnLst>
                         <p:par>
-                          <p:cTn id="9" fill="hold" nodeType="withGroup">
+                          <p:cTn id="8" fill="hold" nodeType="withGroup">
                             <p:stCondLst>
-                              <p:cond delay="0"/>
+                              <p:cond delay="500"/>
                             </p:stCondLst>
                             <p:childTnLst>
                               <p:par>
-                                <p:cTn id="10" presetID="10" presetClass="entr" presetSubtype="0" fill="hold" grpId="0" nodeType="clickEffect">
+                                <p:cTn id="9" presetID="10" presetClass="entr" presetSubtype="0" fill="hold" grpId="0" nodeType="afterEffect">
                                   <p:stCondLst>
                                     <p:cond delay="0"/>
                                   </p:stCondLst>
                                   <p:childTnLst>
                                     <p:set>
                                       <p:cBhvr>
-                                        <p:cTn id="11" dur="1" fill="hold">
+                                        <p:cTn id="10" dur="1" fill="hold">
                                           <p:stCondLst>
                                             <p:cond delay="0"/>
                                           </p:stCondLst>
@@ -14903,7 +15271,7 @@
                                     </p:set>
                                     <p:animEffect transition="in" filter="fade">
                                       <p:cBhvr>
-                                        <p:cTn id="12" dur="500"/>
+                                        <p:cTn id="11" dur="500"/>
                                         <p:tgtEl>
                                           <p:spTgt spid="5121">
                                             <p:txEl>
@@ -14919,30 +15287,21 @@
                             </p:childTnLst>
                           </p:cTn>
                         </p:par>
-                      </p:childTnLst>
-                    </p:cTn>
-                  </p:par>
-                  <p:par>
-                    <p:cTn id="13" fill="hold" nodeType="clickPar">
-                      <p:stCondLst>
-                        <p:cond delay="indefinite"/>
-                      </p:stCondLst>
-                      <p:childTnLst>
                         <p:par>
-                          <p:cTn id="14" fill="hold" nodeType="withGroup">
+                          <p:cTn id="12" fill="hold" nodeType="withGroup">
                             <p:stCondLst>
-                              <p:cond delay="0"/>
+                              <p:cond delay="1000"/>
                             </p:stCondLst>
                             <p:childTnLst>
                               <p:par>
-                                <p:cTn id="15" presetID="10" presetClass="entr" presetSubtype="0" fill="hold" grpId="0" nodeType="clickEffect">
+                                <p:cTn id="13" presetID="10" presetClass="entr" presetSubtype="0" fill="hold" grpId="0" nodeType="afterEffect">
                                   <p:stCondLst>
                                     <p:cond delay="0"/>
                                   </p:stCondLst>
                                   <p:childTnLst>
                                     <p:set>
                                       <p:cBhvr>
-                                        <p:cTn id="16" dur="1" fill="hold">
+                                        <p:cTn id="14" dur="1" fill="hold">
                                           <p:stCondLst>
                                             <p:cond delay="0"/>
                                           </p:stCondLst>
@@ -14964,7 +15323,7 @@
                                     </p:set>
                                     <p:animEffect transition="in" filter="fade">
                                       <p:cBhvr>
-                                        <p:cTn id="17" dur="500"/>
+                                        <p:cTn id="15" dur="500"/>
                                         <p:tgtEl>
                                           <p:spTgt spid="5121">
                                             <p:txEl>
@@ -14980,30 +15339,21 @@
                             </p:childTnLst>
                           </p:cTn>
                         </p:par>
-                      </p:childTnLst>
-                    </p:cTn>
-                  </p:par>
-                  <p:par>
-                    <p:cTn id="18" fill="hold" nodeType="clickPar">
-                      <p:stCondLst>
-                        <p:cond delay="indefinite"/>
-                      </p:stCondLst>
-                      <p:childTnLst>
                         <p:par>
-                          <p:cTn id="19" fill="hold" nodeType="withGroup">
+                          <p:cTn id="16" fill="hold" nodeType="withGroup">
                             <p:stCondLst>
-                              <p:cond delay="0"/>
+                              <p:cond delay="1500"/>
                             </p:stCondLst>
                             <p:childTnLst>
                               <p:par>
-                                <p:cTn id="20" presetID="10" presetClass="entr" presetSubtype="0" fill="hold" grpId="0" nodeType="clickEffect">
+                                <p:cTn id="17" presetID="10" presetClass="entr" presetSubtype="0" fill="hold" grpId="0" nodeType="afterEffect">
                                   <p:stCondLst>
                                     <p:cond delay="0"/>
                                   </p:stCondLst>
                                   <p:childTnLst>
                                     <p:set>
                                       <p:cBhvr>
-                                        <p:cTn id="21" dur="1" fill="hold">
+                                        <p:cTn id="18" dur="1" fill="hold">
                                           <p:stCondLst>
                                             <p:cond delay="0"/>
                                           </p:stCondLst>
@@ -15025,7 +15375,7 @@
                                     </p:set>
                                     <p:animEffect transition="in" filter="fade">
                                       <p:cBhvr>
-                                        <p:cTn id="22" dur="500"/>
+                                        <p:cTn id="19" dur="500"/>
                                         <p:tgtEl>
                                           <p:spTgt spid="5121">
                                             <p:txEl>
@@ -15066,7 +15416,7 @@
       </p:par>
     </p:tnLst>
     <p:bldLst>
-      <p:bldP spid="5121" grpId="0" build="p"/>
+      <p:bldP spid="5121" grpId="0" uiExpand="1" build="p"/>
     </p:bldLst>
   </p:timing>
 </p:sld>
@@ -15106,7 +15456,7 @@
           <a:p>
             <a:pPr eaLnBrk="1" hangingPunct="1"/>
             <a:r>
-              <a:rPr lang="en-US" smtClean="0">
+              <a:rPr lang="en-US" dirty="0" smtClean="0">
                 <a:latin typeface="News Gothic Com Thin" panose="020B0204030503020204" pitchFamily="34" charset="0"/>
                 <a:cs typeface="News Gothic Com Thin" panose="020B0204030503020204" pitchFamily="34" charset="0"/>
               </a:rPr>
@@ -15217,19 +15567,8 @@
                 <a:latin typeface="News Gothic Com Thin" panose="020B0204030503020204" pitchFamily="34" charset="0"/>
                 <a:cs typeface="News Gothic Com Thin" panose="020B0204030503020204" pitchFamily="34" charset="0"/>
               </a:rPr>
-              <a:t> </a:t>
-            </a:r>
-            <a:r>
-              <a:rPr lang="en-US" sz="1800" dirty="0" smtClean="0">
-                <a:latin typeface="News Gothic Com Thin" panose="020B0204030503020204" pitchFamily="34" charset="0"/>
-                <a:cs typeface="News Gothic Com Thin" panose="020B0204030503020204" pitchFamily="34" charset="0"/>
-              </a:rPr>
-              <a:t> keyword</a:t>
-            </a:r>
-            <a:endParaRPr lang="en-US" sz="1800" dirty="0" smtClean="0">
-              <a:latin typeface="News Gothic Com Thin" panose="020B0204030503020204" pitchFamily="34" charset="0"/>
-              <a:cs typeface="News Gothic Com Thin" panose="020B0204030503020204" pitchFamily="34" charset="0"/>
-            </a:endParaRPr>
+              <a:t>  keyword</a:t>
+            </a:r>
           </a:p>
           <a:p>
             <a:pPr lvl="1" eaLnBrk="1" hangingPunct="1"/>
@@ -15238,26 +15577,8 @@
                 <a:latin typeface="News Gothic Com Thin" panose="020B0204030503020204" pitchFamily="34" charset="0"/>
                 <a:cs typeface="News Gothic Com Thin" panose="020B0204030503020204" pitchFamily="34" charset="0"/>
               </a:rPr>
-              <a:t>Remember, "new </a:t>
-            </a:r>
-            <a:r>
-              <a:rPr lang="en-US" sz="1400" dirty="0" smtClean="0">
-                <a:latin typeface="News Gothic Com Thin" panose="020B0204030503020204" pitchFamily="34" charset="0"/>
-                <a:cs typeface="News Gothic Com Thin" panose="020B0204030503020204" pitchFamily="34" charset="0"/>
-              </a:rPr>
-              <a:t>is </a:t>
-            </a:r>
-            <a:r>
-              <a:rPr lang="en-US" sz="1400" dirty="0" smtClean="0">
-                <a:latin typeface="News Gothic Com Thin" panose="020B0204030503020204" pitchFamily="34" charset="0"/>
-                <a:cs typeface="News Gothic Com Thin" panose="020B0204030503020204" pitchFamily="34" charset="0"/>
-              </a:rPr>
-              <a:t>glue"</a:t>
-            </a:r>
-            <a:endParaRPr lang="en-US" sz="1400" dirty="0" smtClean="0">
-              <a:latin typeface="News Gothic Com Thin" panose="020B0204030503020204" pitchFamily="34" charset="0"/>
-              <a:cs typeface="News Gothic Com Thin" panose="020B0204030503020204" pitchFamily="34" charset="0"/>
-            </a:endParaRPr>
+              <a:t>Remember, "new is glue"</a:t>
+            </a:r>
           </a:p>
         </p:txBody>
       </p:sp>
@@ -15281,6 +15602,9 @@
                     <p:cTn id="3" fill="hold" nodeType="clickPar">
                       <p:stCondLst>
                         <p:cond delay="indefinite"/>
+                        <p:cond evt="onBegin" delay="0">
+                          <p:tn val="2"/>
+                        </p:cond>
                       </p:stCondLst>
                       <p:childTnLst>
                         <p:par>
@@ -15290,7 +15614,7 @@
                             </p:stCondLst>
                             <p:childTnLst>
                               <p:par>
-                                <p:cTn id="5" presetID="10" presetClass="entr" presetSubtype="0" fill="hold" grpId="0" nodeType="clickEffect">
+                                <p:cTn id="5" presetID="10" presetClass="entr" presetSubtype="0" fill="hold" grpId="0" nodeType="afterEffect">
                                   <p:stCondLst>
                                     <p:cond delay="0"/>
                                   </p:stCondLst>
@@ -15335,30 +15659,21 @@
                             </p:childTnLst>
                           </p:cTn>
                         </p:par>
-                      </p:childTnLst>
-                    </p:cTn>
-                  </p:par>
-                  <p:par>
-                    <p:cTn id="8" fill="hold" nodeType="clickPar">
-                      <p:stCondLst>
-                        <p:cond delay="indefinite"/>
-                      </p:stCondLst>
-                      <p:childTnLst>
                         <p:par>
-                          <p:cTn id="9" fill="hold" nodeType="withGroup">
+                          <p:cTn id="8" fill="hold" nodeType="withGroup">
                             <p:stCondLst>
-                              <p:cond delay="0"/>
+                              <p:cond delay="500"/>
                             </p:stCondLst>
                             <p:childTnLst>
                               <p:par>
-                                <p:cTn id="10" presetID="10" presetClass="entr" presetSubtype="0" fill="hold" grpId="0" nodeType="clickEffect">
+                                <p:cTn id="9" presetID="10" presetClass="entr" presetSubtype="0" fill="hold" grpId="0" nodeType="afterEffect">
                                   <p:stCondLst>
                                     <p:cond delay="0"/>
                                   </p:stCondLst>
                                   <p:childTnLst>
                                     <p:set>
                                       <p:cBhvr>
-                                        <p:cTn id="11" dur="1" fill="hold">
+                                        <p:cTn id="10" dur="1" fill="hold">
                                           <p:stCondLst>
                                             <p:cond delay="0"/>
                                           </p:stCondLst>
@@ -15380,7 +15695,7 @@
                                     </p:set>
                                     <p:animEffect transition="in" filter="fade">
                                       <p:cBhvr>
-                                        <p:cTn id="12" dur="500"/>
+                                        <p:cTn id="11" dur="500"/>
                                         <p:tgtEl>
                                           <p:spTgt spid="5121">
                                             <p:txEl>
@@ -15396,30 +15711,21 @@
                             </p:childTnLst>
                           </p:cTn>
                         </p:par>
-                      </p:childTnLst>
-                    </p:cTn>
-                  </p:par>
-                  <p:par>
-                    <p:cTn id="13" fill="hold" nodeType="clickPar">
-                      <p:stCondLst>
-                        <p:cond delay="indefinite"/>
-                      </p:stCondLst>
-                      <p:childTnLst>
                         <p:par>
-                          <p:cTn id="14" fill="hold" nodeType="withGroup">
+                          <p:cTn id="12" fill="hold" nodeType="withGroup">
                             <p:stCondLst>
-                              <p:cond delay="0"/>
+                              <p:cond delay="1000"/>
                             </p:stCondLst>
                             <p:childTnLst>
                               <p:par>
-                                <p:cTn id="15" presetID="10" presetClass="entr" presetSubtype="0" fill="hold" grpId="0" nodeType="clickEffect">
+                                <p:cTn id="13" presetID="10" presetClass="entr" presetSubtype="0" fill="hold" grpId="0" nodeType="afterEffect">
                                   <p:stCondLst>
                                     <p:cond delay="0"/>
                                   </p:stCondLst>
                                   <p:childTnLst>
                                     <p:set>
                                       <p:cBhvr>
-                                        <p:cTn id="16" dur="1" fill="hold">
+                                        <p:cTn id="14" dur="1" fill="hold">
                                           <p:stCondLst>
                                             <p:cond delay="0"/>
                                           </p:stCondLst>
@@ -15441,7 +15747,7 @@
                                     </p:set>
                                     <p:animEffect transition="in" filter="fade">
                                       <p:cBhvr>
-                                        <p:cTn id="17" dur="500"/>
+                                        <p:cTn id="15" dur="500"/>
                                         <p:tgtEl>
                                           <p:spTgt spid="5121">
                                             <p:txEl>
@@ -15457,30 +15763,21 @@
                             </p:childTnLst>
                           </p:cTn>
                         </p:par>
-                      </p:childTnLst>
-                    </p:cTn>
-                  </p:par>
-                  <p:par>
-                    <p:cTn id="18" fill="hold" nodeType="clickPar">
-                      <p:stCondLst>
-                        <p:cond delay="indefinite"/>
-                      </p:stCondLst>
-                      <p:childTnLst>
                         <p:par>
-                          <p:cTn id="19" fill="hold" nodeType="withGroup">
+                          <p:cTn id="16" fill="hold" nodeType="withGroup">
                             <p:stCondLst>
-                              <p:cond delay="0"/>
+                              <p:cond delay="1500"/>
                             </p:stCondLst>
                             <p:childTnLst>
                               <p:par>
-                                <p:cTn id="20" presetID="10" presetClass="entr" presetSubtype="0" fill="hold" grpId="0" nodeType="clickEffect">
+                                <p:cTn id="17" presetID="10" presetClass="entr" presetSubtype="0" fill="hold" grpId="0" nodeType="afterEffect">
                                   <p:stCondLst>
                                     <p:cond delay="0"/>
                                   </p:stCondLst>
                                   <p:childTnLst>
                                     <p:set>
                                       <p:cBhvr>
-                                        <p:cTn id="21" dur="1" fill="hold">
+                                        <p:cTn id="18" dur="1" fill="hold">
                                           <p:stCondLst>
                                             <p:cond delay="0"/>
                                           </p:stCondLst>
@@ -15502,7 +15799,7 @@
                                     </p:set>
                                     <p:animEffect transition="in" filter="fade">
                                       <p:cBhvr>
-                                        <p:cTn id="22" dur="500"/>
+                                        <p:cTn id="19" dur="500"/>
                                         <p:tgtEl>
                                           <p:spTgt spid="5121">
                                             <p:txEl>
@@ -15516,14 +15813,14 @@
                                 </p:cTn>
                               </p:par>
                               <p:par>
-                                <p:cTn id="23" presetID="10" presetClass="entr" presetSubtype="0" fill="hold" grpId="0" nodeType="withEffect">
+                                <p:cTn id="20" presetID="10" presetClass="entr" presetSubtype="0" fill="hold" grpId="0" nodeType="withEffect">
                                   <p:stCondLst>
                                     <p:cond delay="0"/>
                                   </p:stCondLst>
                                   <p:childTnLst>
                                     <p:set>
                                       <p:cBhvr>
-                                        <p:cTn id="24" dur="1" fill="hold">
+                                        <p:cTn id="21" dur="1" fill="hold">
                                           <p:stCondLst>
                                             <p:cond delay="0"/>
                                           </p:stCondLst>
@@ -15545,7 +15842,7 @@
                                     </p:set>
                                     <p:animEffect transition="in" filter="fade">
                                       <p:cBhvr>
-                                        <p:cTn id="25" dur="500"/>
+                                        <p:cTn id="22" dur="500"/>
                                         <p:tgtEl>
                                           <p:spTgt spid="5121">
                                             <p:txEl>
@@ -15586,7 +15883,7 @@
       </p:par>
     </p:tnLst>
     <p:bldLst>
-      <p:bldP spid="5121" grpId="0" build="p"/>
+      <p:bldP spid="5121" grpId="0" uiExpand="1" build="p"/>
     </p:bldLst>
   </p:timing>
 </p:sld>
